--- a/Figures_SI/electronic_correlations/combine/Vojvodic/combine_images.pptx
+++ b/Figures_SI/electronic_correlations/combine/Vojvodic/combine_images.pptx
@@ -7,8 +7,10 @@
   <p:sldIdLst>
     <p:sldId id="1652" r:id="rId2"/>
     <p:sldId id="1658" r:id="rId3"/>
-    <p:sldId id="1657" r:id="rId4"/>
-    <p:sldId id="1659" r:id="rId5"/>
+    <p:sldId id="1660" r:id="rId4"/>
+    <p:sldId id="1657" r:id="rId5"/>
+    <p:sldId id="1659" r:id="rId6"/>
+    <p:sldId id="1661" r:id="rId7"/>
   </p:sldIdLst>
   <p:sldSz cx="12192000" cy="6858000"/>
   <p:notesSz cx="6858000" cy="9144000"/>
@@ -9858,6 +9860,15 @@
               <a:defRPr/>
             </a:pPr>
             <a:r>
+              <a:rPr lang="en-DK" dirty="0">
+                <a:solidFill>
+                  <a:srgbClr val="000000"/>
+                </a:solidFill>
+                <a:latin typeface="Arial"/>
+              </a:rPr>
+              <a:t>30</a:t>
+            </a:r>
+            <a:r>
               <a:rPr kumimoji="0" lang="en-DK" sz="1800" b="0" i="0" u="none" strike="noStrike" kern="1200" cap="none" spc="0" normalizeH="0" baseline="0" noProof="0" dirty="0">
                 <a:ln>
                   <a:noFill/>
@@ -9872,7 +9883,7 @@
                 <a:ea typeface="+mn-ea"/>
                 <a:cs typeface="+mn-cs"/>
               </a:rPr>
-              <a:t>26.6.2025</a:t>
+              <a:t>.6.2025</a:t>
             </a:r>
           </a:p>
         </p:txBody>
@@ -10139,7 +10150,7 @@
         </p:blipFill>
         <p:spPr>
           <a:xfrm>
-            <a:off x="2028559" y="2088664"/>
+            <a:off x="904434" y="2172554"/>
             <a:ext cx="2286000" cy="2286000"/>
           </a:xfrm>
           <a:prstGeom prst="rect">
@@ -10169,7 +10180,7 @@
         </p:blipFill>
         <p:spPr>
           <a:xfrm>
-            <a:off x="4131242" y="2090394"/>
+            <a:off x="3007117" y="2174284"/>
             <a:ext cx="2286000" cy="2286000"/>
           </a:xfrm>
           <a:prstGeom prst="rect">
@@ -10199,7 +10210,7 @@
         </p:blipFill>
         <p:spPr>
           <a:xfrm>
-            <a:off x="6220537" y="2088683"/>
+            <a:off x="7153818" y="2172573"/>
             <a:ext cx="2286000" cy="2286000"/>
           </a:xfrm>
           <a:prstGeom prst="rect">
@@ -10229,7 +10240,7 @@
         </p:blipFill>
         <p:spPr>
           <a:xfrm>
-            <a:off x="8325374" y="2093054"/>
+            <a:off x="9242707" y="2176944"/>
             <a:ext cx="2286000" cy="2286000"/>
           </a:xfrm>
           <a:prstGeom prst="rect">
@@ -10251,7 +10262,7 @@
         </p:nvSpPr>
         <p:spPr>
           <a:xfrm>
-            <a:off x="2309344" y="2036375"/>
+            <a:off x="1185219" y="2120265"/>
             <a:ext cx="125034" cy="169277"/>
           </a:xfrm>
           <a:prstGeom prst="rect">
@@ -10316,7 +10327,7 @@
         </p:nvSpPr>
         <p:spPr>
           <a:xfrm>
-            <a:off x="4372521" y="2040233"/>
+            <a:off x="3248396" y="2124123"/>
             <a:ext cx="125034" cy="169277"/>
           </a:xfrm>
           <a:prstGeom prst="rect">
@@ -10367,6 +10378,36 @@
           </a:p>
         </p:txBody>
       </p:sp>
+      <p:pic>
+        <p:nvPicPr>
+          <p:cNvPr id="24" name="Picture 23">
+            <a:extLst>
+              <a:ext uri="{FF2B5EF4-FFF2-40B4-BE49-F238E27FC236}">
+                <a16:creationId xmlns:a16="http://schemas.microsoft.com/office/drawing/2014/main" id="{019BACC9-997E-69F4-8F01-7C2BFD457DE5}"/>
+              </a:ext>
+            </a:extLst>
+          </p:cNvPr>
+          <p:cNvPicPr>
+            <a:picLocks noChangeAspect="1"/>
+          </p:cNvPicPr>
+          <p:nvPr/>
+        </p:nvPicPr>
+        <p:blipFill>
+          <a:blip r:embed="rId6"/>
+          <a:stretch>
+            <a:fillRect/>
+          </a:stretch>
+        </p:blipFill>
+        <p:spPr>
+          <a:xfrm>
+            <a:off x="5081566" y="2171968"/>
+            <a:ext cx="2286000" cy="2286000"/>
+          </a:xfrm>
+          <a:prstGeom prst="rect">
+            <a:avLst/>
+          </a:prstGeom>
+        </p:spPr>
+      </p:pic>
       <p:sp>
         <p:nvSpPr>
           <p:cNvPr id="17" name="TextBox 16">
@@ -10381,7 +10422,7 @@
         </p:nvSpPr>
         <p:spPr>
           <a:xfrm>
-            <a:off x="6494401" y="2036929"/>
+            <a:off x="5210794" y="2120816"/>
             <a:ext cx="117020" cy="169277"/>
           </a:xfrm>
           <a:prstGeom prst="rect">
@@ -10446,7 +10487,7 @@
         </p:nvSpPr>
         <p:spPr>
           <a:xfrm>
-            <a:off x="8560858" y="2046559"/>
+            <a:off x="7229404" y="2119814"/>
             <a:ext cx="125034" cy="169277"/>
           </a:xfrm>
           <a:prstGeom prst="rect">
@@ -10497,6 +10538,80 @@
           </a:p>
         </p:txBody>
       </p:sp>
+      <p:sp>
+        <p:nvSpPr>
+          <p:cNvPr id="25" name="TextBox 24">
+            <a:extLst>
+              <a:ext uri="{FF2B5EF4-FFF2-40B4-BE49-F238E27FC236}">
+                <a16:creationId xmlns:a16="http://schemas.microsoft.com/office/drawing/2014/main" id="{DD00D696-A3B0-62AC-166A-1885045DD661}"/>
+              </a:ext>
+            </a:extLst>
+          </p:cNvPr>
+          <p:cNvSpPr txBox="1"/>
+          <p:nvPr/>
+        </p:nvSpPr>
+        <p:spPr>
+          <a:xfrm>
+            <a:off x="9481735" y="2123358"/>
+            <a:ext cx="125034" cy="169277"/>
+          </a:xfrm>
+          <a:prstGeom prst="rect">
+            <a:avLst/>
+          </a:prstGeom>
+          <a:noFill/>
+        </p:spPr>
+        <p:txBody>
+          <a:bodyPr wrap="none" lIns="0" tIns="0" rIns="0" bIns="0" rtlCol="0">
+            <a:spAutoFit/>
+          </a:bodyPr>
+          <a:lstStyle/>
+          <a:p>
+            <a:pPr marL="0" marR="0" lvl="0" indent="0" algn="l" defTabSz="914400" rtl="0" eaLnBrk="1" fontAlgn="auto" latinLnBrk="0" hangingPunct="1">
+              <a:lnSpc>
+                <a:spcPct val="100000"/>
+              </a:lnSpc>
+              <a:spcBef>
+                <a:spcPts val="432"/>
+              </a:spcBef>
+              <a:spcAft>
+                <a:spcPts val="0"/>
+              </a:spcAft>
+              <a:buClrTx/>
+              <a:buSzTx/>
+              <a:buFontTx/>
+              <a:buNone/>
+              <a:tabLst/>
+              <a:defRPr/>
+            </a:pPr>
+            <a:r>
+              <a:rPr lang="en-DK" sz="1100" dirty="0">
+                <a:solidFill>
+                  <a:srgbClr val="000000"/>
+                </a:solidFill>
+                <a:latin typeface="Arial"/>
+              </a:rPr>
+              <a:t>e</a:t>
+            </a:r>
+            <a:r>
+              <a:rPr kumimoji="0" lang="en-DK" sz="1100" b="0" i="0" u="none" strike="noStrike" kern="1200" cap="none" spc="0" normalizeH="0" baseline="0" noProof="0" dirty="0">
+                <a:ln>
+                  <a:noFill/>
+                </a:ln>
+                <a:solidFill>
+                  <a:srgbClr val="000000"/>
+                </a:solidFill>
+                <a:effectLst/>
+                <a:uLnTx/>
+                <a:uFillTx/>
+                <a:latin typeface="Arial"/>
+                <a:ea typeface="+mn-ea"/>
+                <a:cs typeface="+mn-cs"/>
+              </a:rPr>
+              <a:t>)</a:t>
+            </a:r>
+          </a:p>
+        </p:txBody>
+      </p:sp>
       <p:cxnSp>
         <p:nvCxnSpPr>
           <p:cNvPr id="74" name="Straight Connector 73">
@@ -10511,7 +10626,7 @@
         </p:nvCxnSpPr>
         <p:spPr bwMode="auto">
           <a:xfrm>
-            <a:off x="978590" y="1590722"/>
+            <a:off x="797836" y="1441867"/>
             <a:ext cx="10429113" cy="0"/>
           </a:xfrm>
           <a:prstGeom prst="line">
@@ -10564,7 +10679,7 @@
         <p:cNvPr id="1" name="">
           <a:extLst>
             <a:ext uri="{FF2B5EF4-FFF2-40B4-BE49-F238E27FC236}">
-              <a16:creationId xmlns:a16="http://schemas.microsoft.com/office/drawing/2014/main" id="{2534565A-7977-BE43-9EAA-ECEA63B5FFEF}"/>
+              <a16:creationId xmlns:a16="http://schemas.microsoft.com/office/drawing/2014/main" id="{18244E16-200E-C227-CDC3-92278C8540DE}"/>
             </a:ext>
           </a:extLst>
         </p:cNvPr>
@@ -10579,43 +10694,12 @@
           <a:chExt cx="0" cy="0"/>
         </a:xfrm>
       </p:grpSpPr>
-      <p:pic>
-        <p:nvPicPr>
-          <p:cNvPr id="21" name="Picture 20">
-            <a:extLst>
-              <a:ext uri="{FF2B5EF4-FFF2-40B4-BE49-F238E27FC236}">
-                <a16:creationId xmlns:a16="http://schemas.microsoft.com/office/drawing/2014/main" id="{C41477D0-ADBA-A357-074E-3BD062410C32}"/>
-              </a:ext>
-            </a:extLst>
-          </p:cNvPr>
-          <p:cNvPicPr>
-            <a:picLocks noChangeAspect="1"/>
-          </p:cNvPicPr>
-          <p:nvPr/>
-        </p:nvPicPr>
-        <p:blipFill>
-          <a:blip r:embed="rId2"/>
-          <a:srcRect l="3994" r="6443" b="12245"/>
-          <a:stretch>
-            <a:fillRect/>
-          </a:stretch>
-        </p:blipFill>
-        <p:spPr>
-          <a:xfrm>
-            <a:off x="3599847" y="1328541"/>
-            <a:ext cx="2396689" cy="2348312"/>
-          </a:xfrm>
-          <a:prstGeom prst="rect">
-            <a:avLst/>
-          </a:prstGeom>
-        </p:spPr>
-      </p:pic>
       <p:sp>
         <p:nvSpPr>
           <p:cNvPr id="2" name="Slide Number Placeholder 1">
             <a:extLst>
               <a:ext uri="{FF2B5EF4-FFF2-40B4-BE49-F238E27FC236}">
-                <a16:creationId xmlns:a16="http://schemas.microsoft.com/office/drawing/2014/main" id="{86C0D22D-9F72-300E-69B6-284754684DDC}"/>
+                <a16:creationId xmlns:a16="http://schemas.microsoft.com/office/drawing/2014/main" id="{2CEDA216-9106-20B8-796F-C5B413D119AD}"/>
               </a:ext>
             </a:extLst>
           </p:cNvPr>
@@ -10704,7 +10788,7 @@
           <p:cNvPr id="3" name="Date Placeholder 2">
             <a:extLst>
               <a:ext uri="{FF2B5EF4-FFF2-40B4-BE49-F238E27FC236}">
-                <a16:creationId xmlns:a16="http://schemas.microsoft.com/office/drawing/2014/main" id="{4C6FB7BC-5A4A-C211-4C6A-FF72ED1479A7}"/>
+                <a16:creationId xmlns:a16="http://schemas.microsoft.com/office/drawing/2014/main" id="{7D09FD78-5870-BEB7-AD50-EA50F05BF73D}"/>
               </a:ext>
             </a:extLst>
           </p:cNvPr>
@@ -10790,10 +10874,10 @@
       </p:sp>
       <p:sp>
         <p:nvSpPr>
-          <p:cNvPr id="12" name="TextBox 11">
-            <a:extLst>
-              <a:ext uri="{FF2B5EF4-FFF2-40B4-BE49-F238E27FC236}">
-                <a16:creationId xmlns:a16="http://schemas.microsoft.com/office/drawing/2014/main" id="{ED3946B5-A2A4-A0DC-77D2-B124BA32CEAE}"/>
+          <p:cNvPr id="11" name="TextBox 10">
+            <a:extLst>
+              <a:ext uri="{FF2B5EF4-FFF2-40B4-BE49-F238E27FC236}">
+                <a16:creationId xmlns:a16="http://schemas.microsoft.com/office/drawing/2014/main" id="{D14400C1-0E90-A046-95CD-02B05DFBA3C4}"/>
               </a:ext>
             </a:extLst>
           </p:cNvPr>
@@ -10802,8 +10886,8 @@
         </p:nvSpPr>
         <p:spPr>
           <a:xfrm>
-            <a:off x="10309412" y="358588"/>
-            <a:ext cx="1025922" cy="276999"/>
+            <a:off x="1084729" y="475129"/>
+            <a:ext cx="859210" cy="276999"/>
           </a:xfrm>
           <a:prstGeom prst="rect">
             <a:avLst/>
@@ -10848,78 +10932,17 @@
                 <a:ea typeface="+mn-ea"/>
                 <a:cs typeface="+mn-cs"/>
               </a:rPr>
-              <a:t>26.6.2025</a:t>
+              <a:t>SI figure</a:t>
             </a:r>
           </a:p>
         </p:txBody>
       </p:sp>
-      <p:pic>
-        <p:nvPicPr>
-          <p:cNvPr id="56" name="Picture 55">
-            <a:extLst>
-              <a:ext uri="{FF2B5EF4-FFF2-40B4-BE49-F238E27FC236}">
-                <a16:creationId xmlns:a16="http://schemas.microsoft.com/office/drawing/2014/main" id="{7332508C-8914-BC2D-CD7A-DECF4C5C8ECF}"/>
-              </a:ext>
-            </a:extLst>
-          </p:cNvPr>
-          <p:cNvPicPr>
-            <a:picLocks noChangeAspect="1"/>
-          </p:cNvPicPr>
-          <p:nvPr/>
-        </p:nvPicPr>
-        <p:blipFill>
-          <a:blip r:embed="rId3"/>
-          <a:srcRect r="7548"/>
-          <a:stretch>
-            <a:fillRect/>
-          </a:stretch>
-        </p:blipFill>
-        <p:spPr>
-          <a:xfrm>
-            <a:off x="1118907" y="1318288"/>
-            <a:ext cx="2480939" cy="2683482"/>
-          </a:xfrm>
-          <a:prstGeom prst="rect">
-            <a:avLst/>
-          </a:prstGeom>
-        </p:spPr>
-      </p:pic>
-      <p:pic>
-        <p:nvPicPr>
-          <p:cNvPr id="60" name="Picture 59">
-            <a:extLst>
-              <a:ext uri="{FF2B5EF4-FFF2-40B4-BE49-F238E27FC236}">
-                <a16:creationId xmlns:a16="http://schemas.microsoft.com/office/drawing/2014/main" id="{B6C5F0DF-26E8-29E8-6310-814D35E2AF18}"/>
-              </a:ext>
-            </a:extLst>
-          </p:cNvPr>
-          <p:cNvPicPr>
-            <a:picLocks noChangeAspect="1"/>
-          </p:cNvPicPr>
-          <p:nvPr/>
-        </p:nvPicPr>
-        <p:blipFill>
-          <a:blip r:embed="rId4"/>
-          <a:stretch>
-            <a:fillRect/>
-          </a:stretch>
-        </p:blipFill>
-        <p:spPr>
-          <a:xfrm>
-            <a:off x="1126510" y="3676122"/>
-            <a:ext cx="2683482" cy="2683482"/>
-          </a:xfrm>
-          <a:prstGeom prst="rect">
-            <a:avLst/>
-          </a:prstGeom>
-        </p:spPr>
-      </p:pic>
       <p:sp>
         <p:nvSpPr>
-          <p:cNvPr id="63" name="TextBox 62">
-            <a:extLst>
-              <a:ext uri="{FF2B5EF4-FFF2-40B4-BE49-F238E27FC236}">
-                <a16:creationId xmlns:a16="http://schemas.microsoft.com/office/drawing/2014/main" id="{24AB90C8-B9DD-9228-7112-F963AC52F8E9}"/>
+          <p:cNvPr id="12" name="TextBox 11">
+            <a:extLst>
+              <a:ext uri="{FF2B5EF4-FFF2-40B4-BE49-F238E27FC236}">
+                <a16:creationId xmlns:a16="http://schemas.microsoft.com/office/drawing/2014/main" id="{90DDF914-CCF7-AC46-4837-31DCA8D2F32E}"/>
               </a:ext>
             </a:extLst>
           </p:cNvPr>
@@ -10928,8 +10951,8 @@
         </p:nvSpPr>
         <p:spPr>
           <a:xfrm>
-            <a:off x="1307882" y="1490588"/>
-            <a:ext cx="125034" cy="169277"/>
+            <a:off x="10309412" y="358588"/>
+            <a:ext cx="1025922" cy="276999"/>
           </a:xfrm>
           <a:prstGeom prst="rect">
             <a:avLst/>
@@ -10960,7 +10983,16 @@
               <a:defRPr/>
             </a:pPr>
             <a:r>
-              <a:rPr kumimoji="0" lang="en-DK" sz="1100" b="0" i="0" u="none" strike="noStrike" kern="1200" cap="none" spc="0" normalizeH="0" baseline="0" noProof="0" dirty="0">
+              <a:rPr lang="en-DK" dirty="0">
+                <a:solidFill>
+                  <a:srgbClr val="000000"/>
+                </a:solidFill>
+                <a:latin typeface="Arial"/>
+              </a:rPr>
+              <a:t>30</a:t>
+            </a:r>
+            <a:r>
+              <a:rPr kumimoji="0" lang="en-DK" sz="1800" b="0" i="0" u="none" strike="noStrike" kern="1200" cap="none" spc="0" normalizeH="0" baseline="0" noProof="0" dirty="0">
                 <a:ln>
                   <a:noFill/>
                 </a:ln>
@@ -10974,17 +11006,17 @@
                 <a:ea typeface="+mn-ea"/>
                 <a:cs typeface="+mn-cs"/>
               </a:rPr>
-              <a:t>a)</a:t>
+              <a:t>.6.2025</a:t>
             </a:r>
           </a:p>
         </p:txBody>
       </p:sp>
       <p:cxnSp>
         <p:nvCxnSpPr>
-          <p:cNvPr id="73" name="Straight Connector 72">
-            <a:extLst>
-              <a:ext uri="{FF2B5EF4-FFF2-40B4-BE49-F238E27FC236}">
-                <a16:creationId xmlns:a16="http://schemas.microsoft.com/office/drawing/2014/main" id="{F9B7B564-4A69-3C23-051C-5542C7DC1F9A}"/>
+          <p:cNvPr id="70" name="Straight Connector 69">
+            <a:extLst>
+              <a:ext uri="{FF2B5EF4-FFF2-40B4-BE49-F238E27FC236}">
+                <a16:creationId xmlns:a16="http://schemas.microsoft.com/office/drawing/2014/main" id="{8A6B9256-B693-A620-B1D1-1D581E892A04}"/>
               </a:ext>
             </a:extLst>
           </p:cNvPr>
@@ -10993,8 +11025,8 @@
         </p:nvCxnSpPr>
         <p:spPr bwMode="auto">
           <a:xfrm>
-            <a:off x="283387" y="2300507"/>
-            <a:ext cx="0" cy="3045349"/>
+            <a:off x="-2029331" y="5584716"/>
+            <a:ext cx="3657600" cy="0"/>
           </a:xfrm>
           <a:prstGeom prst="line">
             <a:avLst/>
@@ -11025,561 +11057,12 @@
           </a:extLst>
         </p:spPr>
       </p:cxnSp>
-      <p:sp>
-        <p:nvSpPr>
-          <p:cNvPr id="5" name="TextBox 4">
-            <a:extLst>
-              <a:ext uri="{FF2B5EF4-FFF2-40B4-BE49-F238E27FC236}">
-                <a16:creationId xmlns:a16="http://schemas.microsoft.com/office/drawing/2014/main" id="{13FFFC1A-FDC8-0AAF-FC30-8B229AFBDC3A}"/>
-              </a:ext>
-            </a:extLst>
-          </p:cNvPr>
-          <p:cNvSpPr txBox="1"/>
-          <p:nvPr/>
-        </p:nvSpPr>
-        <p:spPr>
-          <a:xfrm>
-            <a:off x="4283243" y="308008"/>
-            <a:ext cx="2503891" cy="169277"/>
-          </a:xfrm>
-          <a:prstGeom prst="rect">
-            <a:avLst/>
-          </a:prstGeom>
-          <a:noFill/>
-        </p:spPr>
-        <p:txBody>
-          <a:bodyPr wrap="none" lIns="0" tIns="0" rIns="0" bIns="0" rtlCol="0">
-            <a:spAutoFit/>
-          </a:bodyPr>
-          <a:lstStyle/>
-          <a:p>
-            <a:pPr algn="l">
-              <a:spcBef>
-                <a:spcPts val="432"/>
-              </a:spcBef>
-            </a:pPr>
-            <a:r>
-              <a:rPr lang="en-GB" sz="1100" dirty="0">
-                <a:latin typeface="+mn-lt"/>
-              </a:rPr>
-              <a:t>S</a:t>
-            </a:r>
-            <a:r>
-              <a:rPr lang="en-DK" sz="1100" dirty="0">
-                <a:latin typeface="+mn-lt"/>
-              </a:rPr>
-              <a:t>elect. </a:t>
-            </a:r>
-            <a:r>
-              <a:rPr lang="en-GB" sz="1100" dirty="0">
-                <a:latin typeface="+mn-lt"/>
-              </a:rPr>
-              <a:t>R</a:t>
-            </a:r>
-            <a:r>
-              <a:rPr lang="en-DK" sz="1100" dirty="0">
-                <a:latin typeface="+mn-lt"/>
-              </a:rPr>
-              <a:t>ight click “save as picture” pdf. </a:t>
-            </a:r>
-          </a:p>
-        </p:txBody>
-      </p:sp>
-      <p:pic>
-        <p:nvPicPr>
-          <p:cNvPr id="10" name="Picture 9">
-            <a:extLst>
-              <a:ext uri="{FF2B5EF4-FFF2-40B4-BE49-F238E27FC236}">
-                <a16:creationId xmlns:a16="http://schemas.microsoft.com/office/drawing/2014/main" id="{64CCE5AA-E001-5952-1CDE-7F2C641EC02C}"/>
-              </a:ext>
-            </a:extLst>
-          </p:cNvPr>
-          <p:cNvPicPr>
-            <a:picLocks noChangeAspect="1"/>
-          </p:cNvPicPr>
-          <p:nvPr/>
-        </p:nvPicPr>
-        <p:blipFill>
-          <a:blip r:embed="rId5"/>
-          <a:srcRect r="8291"/>
-          <a:stretch>
-            <a:fillRect/>
-          </a:stretch>
-        </p:blipFill>
-        <p:spPr>
-          <a:xfrm>
-            <a:off x="5944399" y="3682463"/>
-            <a:ext cx="2448828" cy="2670210"/>
-          </a:xfrm>
-          <a:prstGeom prst="rect">
-            <a:avLst/>
-          </a:prstGeom>
-        </p:spPr>
-      </p:pic>
-      <p:sp>
-        <p:nvSpPr>
-          <p:cNvPr id="64" name="TextBox 63">
-            <a:extLst>
-              <a:ext uri="{FF2B5EF4-FFF2-40B4-BE49-F238E27FC236}">
-                <a16:creationId xmlns:a16="http://schemas.microsoft.com/office/drawing/2014/main" id="{992ED030-3538-4E5E-B5BE-60584E3415D6}"/>
-              </a:ext>
-            </a:extLst>
-          </p:cNvPr>
-          <p:cNvSpPr txBox="1"/>
-          <p:nvPr/>
-        </p:nvSpPr>
-        <p:spPr>
-          <a:xfrm>
-            <a:off x="3750252" y="1511164"/>
-            <a:ext cx="125034" cy="169277"/>
-          </a:xfrm>
-          <a:prstGeom prst="rect">
-            <a:avLst/>
-          </a:prstGeom>
-          <a:noFill/>
-        </p:spPr>
-        <p:txBody>
-          <a:bodyPr wrap="none" lIns="0" tIns="0" rIns="0" bIns="0" rtlCol="0">
-            <a:spAutoFit/>
-          </a:bodyPr>
-          <a:lstStyle/>
-          <a:p>
-            <a:pPr marL="0" marR="0" lvl="0" indent="0" algn="l" defTabSz="914400" rtl="0" eaLnBrk="1" fontAlgn="auto" latinLnBrk="0" hangingPunct="1">
-              <a:lnSpc>
-                <a:spcPct val="100000"/>
-              </a:lnSpc>
-              <a:spcBef>
-                <a:spcPts val="432"/>
-              </a:spcBef>
-              <a:spcAft>
-                <a:spcPts val="0"/>
-              </a:spcAft>
-              <a:buClrTx/>
-              <a:buSzTx/>
-              <a:buFontTx/>
-              <a:buNone/>
-              <a:tabLst/>
-              <a:defRPr/>
-            </a:pPr>
-            <a:r>
-              <a:rPr kumimoji="0" lang="en-DK" sz="1100" b="0" i="0" u="none" strike="noStrike" kern="1200" cap="none" spc="0" normalizeH="0" baseline="0" noProof="0" dirty="0">
-                <a:ln>
-                  <a:noFill/>
-                </a:ln>
-                <a:solidFill>
-                  <a:srgbClr val="000000"/>
-                </a:solidFill>
-                <a:effectLst/>
-                <a:uLnTx/>
-                <a:uFillTx/>
-                <a:latin typeface="Arial"/>
-                <a:ea typeface="+mn-ea"/>
-                <a:cs typeface="+mn-cs"/>
-              </a:rPr>
-              <a:t>b)</a:t>
-            </a:r>
-          </a:p>
-        </p:txBody>
-      </p:sp>
-      <p:sp>
-        <p:nvSpPr>
-          <p:cNvPr id="68" name="TextBox 67">
-            <a:extLst>
-              <a:ext uri="{FF2B5EF4-FFF2-40B4-BE49-F238E27FC236}">
-                <a16:creationId xmlns:a16="http://schemas.microsoft.com/office/drawing/2014/main" id="{C6656B4E-D452-4E1C-91FE-245F0C8B23C1}"/>
-              </a:ext>
-            </a:extLst>
-          </p:cNvPr>
-          <p:cNvSpPr txBox="1"/>
-          <p:nvPr/>
-        </p:nvSpPr>
-        <p:spPr>
-          <a:xfrm>
-            <a:off x="1288837" y="3835181"/>
-            <a:ext cx="125034" cy="169277"/>
-          </a:xfrm>
-          <a:prstGeom prst="rect">
-            <a:avLst/>
-          </a:prstGeom>
-          <a:noFill/>
-        </p:spPr>
-        <p:txBody>
-          <a:bodyPr wrap="none" lIns="0" tIns="0" rIns="0" bIns="0" rtlCol="0">
-            <a:spAutoFit/>
-          </a:bodyPr>
-          <a:lstStyle/>
-          <a:p>
-            <a:pPr marL="0" marR="0" lvl="0" indent="0" algn="l" defTabSz="914400" rtl="0" eaLnBrk="1" fontAlgn="auto" latinLnBrk="0" hangingPunct="1">
-              <a:lnSpc>
-                <a:spcPct val="100000"/>
-              </a:lnSpc>
-              <a:spcBef>
-                <a:spcPts val="432"/>
-              </a:spcBef>
-              <a:spcAft>
-                <a:spcPts val="0"/>
-              </a:spcAft>
-              <a:buClrTx/>
-              <a:buSzTx/>
-              <a:buFontTx/>
-              <a:buNone/>
-              <a:tabLst/>
-              <a:defRPr/>
-            </a:pPr>
-            <a:r>
-              <a:rPr lang="en-DK" sz="1100" dirty="0">
-                <a:solidFill>
-                  <a:srgbClr val="000000"/>
-                </a:solidFill>
-                <a:latin typeface="Arial"/>
-              </a:rPr>
-              <a:t>e</a:t>
-            </a:r>
-            <a:r>
-              <a:rPr kumimoji="0" lang="en-DK" sz="1100" b="0" i="0" u="none" strike="noStrike" kern="1200" cap="none" spc="0" normalizeH="0" baseline="0" noProof="0" dirty="0">
-                <a:ln>
-                  <a:noFill/>
-                </a:ln>
-                <a:solidFill>
-                  <a:srgbClr val="000000"/>
-                </a:solidFill>
-                <a:effectLst/>
-                <a:uLnTx/>
-                <a:uFillTx/>
-                <a:latin typeface="Arial"/>
-                <a:ea typeface="+mn-ea"/>
-                <a:cs typeface="+mn-cs"/>
-              </a:rPr>
-              <a:t>)</a:t>
-            </a:r>
-          </a:p>
-        </p:txBody>
-      </p:sp>
-      <p:pic>
-        <p:nvPicPr>
-          <p:cNvPr id="14" name="Picture 13">
-            <a:extLst>
-              <a:ext uri="{FF2B5EF4-FFF2-40B4-BE49-F238E27FC236}">
-                <a16:creationId xmlns:a16="http://schemas.microsoft.com/office/drawing/2014/main" id="{EE220B0C-0A14-263B-42DC-473EFE6C1FBC}"/>
-              </a:ext>
-            </a:extLst>
-          </p:cNvPr>
-          <p:cNvPicPr>
-            <a:picLocks noChangeAspect="1"/>
-          </p:cNvPicPr>
-          <p:nvPr/>
-        </p:nvPicPr>
-        <p:blipFill>
-          <a:blip r:embed="rId6"/>
-          <a:srcRect r="8651" b="11174"/>
-          <a:stretch>
-            <a:fillRect/>
-          </a:stretch>
-        </p:blipFill>
-        <p:spPr>
-          <a:xfrm>
-            <a:off x="5954025" y="1324275"/>
-            <a:ext cx="2439202" cy="2371827"/>
-          </a:xfrm>
-          <a:prstGeom prst="rect">
-            <a:avLst/>
-          </a:prstGeom>
-        </p:spPr>
-      </p:pic>
-      <p:sp>
-        <p:nvSpPr>
-          <p:cNvPr id="67" name="TextBox 66">
-            <a:extLst>
-              <a:ext uri="{FF2B5EF4-FFF2-40B4-BE49-F238E27FC236}">
-                <a16:creationId xmlns:a16="http://schemas.microsoft.com/office/drawing/2014/main" id="{55A6A2A9-C6B5-774E-9719-EECEC2AFEB43}"/>
-              </a:ext>
-            </a:extLst>
-          </p:cNvPr>
-          <p:cNvSpPr txBox="1"/>
-          <p:nvPr/>
-        </p:nvSpPr>
-        <p:spPr>
-          <a:xfrm>
-            <a:off x="6142062" y="1496237"/>
-            <a:ext cx="117020" cy="169277"/>
-          </a:xfrm>
-          <a:prstGeom prst="rect">
-            <a:avLst/>
-          </a:prstGeom>
-          <a:noFill/>
-        </p:spPr>
-        <p:txBody>
-          <a:bodyPr wrap="none" lIns="0" tIns="0" rIns="0" bIns="0" rtlCol="0">
-            <a:spAutoFit/>
-          </a:bodyPr>
-          <a:lstStyle/>
-          <a:p>
-            <a:pPr marL="0" marR="0" lvl="0" indent="0" algn="l" defTabSz="914400" rtl="0" eaLnBrk="1" fontAlgn="auto" latinLnBrk="0" hangingPunct="1">
-              <a:lnSpc>
-                <a:spcPct val="100000"/>
-              </a:lnSpc>
-              <a:spcBef>
-                <a:spcPts val="432"/>
-              </a:spcBef>
-              <a:spcAft>
-                <a:spcPts val="0"/>
-              </a:spcAft>
-              <a:buClrTx/>
-              <a:buSzTx/>
-              <a:buFontTx/>
-              <a:buNone/>
-              <a:tabLst/>
-              <a:defRPr/>
-            </a:pPr>
-            <a:r>
-              <a:rPr kumimoji="0" lang="en-DK" sz="1100" b="0" i="0" u="none" strike="noStrike" kern="1200" cap="none" spc="0" normalizeH="0" baseline="0" noProof="0" dirty="0">
-                <a:ln>
-                  <a:noFill/>
-                </a:ln>
-                <a:solidFill>
-                  <a:srgbClr val="000000"/>
-                </a:solidFill>
-                <a:effectLst/>
-                <a:uLnTx/>
-                <a:uFillTx/>
-                <a:latin typeface="Arial"/>
-                <a:ea typeface="+mn-ea"/>
-                <a:cs typeface="+mn-cs"/>
-              </a:rPr>
-              <a:t>c)</a:t>
-            </a:r>
-          </a:p>
-        </p:txBody>
-      </p:sp>
-      <p:sp>
-        <p:nvSpPr>
-          <p:cNvPr id="16" name="TextBox 15">
-            <a:extLst>
-              <a:ext uri="{FF2B5EF4-FFF2-40B4-BE49-F238E27FC236}">
-                <a16:creationId xmlns:a16="http://schemas.microsoft.com/office/drawing/2014/main" id="{1CD52692-04F1-F42F-5F15-BDC130C417F0}"/>
-              </a:ext>
-            </a:extLst>
-          </p:cNvPr>
-          <p:cNvSpPr txBox="1"/>
-          <p:nvPr/>
-        </p:nvSpPr>
-        <p:spPr>
-          <a:xfrm>
-            <a:off x="6157616" y="3823952"/>
-            <a:ext cx="125034" cy="169277"/>
-          </a:xfrm>
-          <a:prstGeom prst="rect">
-            <a:avLst/>
-          </a:prstGeom>
-          <a:noFill/>
-        </p:spPr>
-        <p:txBody>
-          <a:bodyPr wrap="none" lIns="0" tIns="0" rIns="0" bIns="0" rtlCol="0">
-            <a:spAutoFit/>
-          </a:bodyPr>
-          <a:lstStyle/>
-          <a:p>
-            <a:pPr marL="0" marR="0" lvl="0" indent="0" algn="l" defTabSz="914400" rtl="0" eaLnBrk="1" fontAlgn="auto" latinLnBrk="0" hangingPunct="1">
-              <a:lnSpc>
-                <a:spcPct val="100000"/>
-              </a:lnSpc>
-              <a:spcBef>
-                <a:spcPts val="432"/>
-              </a:spcBef>
-              <a:spcAft>
-                <a:spcPts val="0"/>
-              </a:spcAft>
-              <a:buClrTx/>
-              <a:buSzTx/>
-              <a:buFontTx/>
-              <a:buNone/>
-              <a:tabLst/>
-              <a:defRPr/>
-            </a:pPr>
-            <a:r>
-              <a:rPr kumimoji="0" lang="en-DK" sz="1100" b="0" i="0" u="none" strike="noStrike" kern="1200" cap="none" spc="0" normalizeH="0" baseline="0" noProof="0" dirty="0">
-                <a:ln>
-                  <a:noFill/>
-                </a:ln>
-                <a:solidFill>
-                  <a:srgbClr val="000000"/>
-                </a:solidFill>
-                <a:effectLst/>
-                <a:uLnTx/>
-                <a:uFillTx/>
-                <a:latin typeface="Arial"/>
-                <a:ea typeface="+mn-ea"/>
-                <a:cs typeface="+mn-cs"/>
-              </a:rPr>
-              <a:t>g)</a:t>
-            </a:r>
-          </a:p>
-        </p:txBody>
-      </p:sp>
-      <p:pic>
-        <p:nvPicPr>
-          <p:cNvPr id="23" name="Picture 22">
-            <a:extLst>
-              <a:ext uri="{FF2B5EF4-FFF2-40B4-BE49-F238E27FC236}">
-                <a16:creationId xmlns:a16="http://schemas.microsoft.com/office/drawing/2014/main" id="{BA2DE84C-BC15-CAFB-712B-FCB68FAADFE9}"/>
-              </a:ext>
-            </a:extLst>
-          </p:cNvPr>
-          <p:cNvPicPr>
-            <a:picLocks noChangeAspect="1"/>
-          </p:cNvPicPr>
-          <p:nvPr/>
-        </p:nvPicPr>
-        <p:blipFill>
-          <a:blip r:embed="rId7"/>
-          <a:srcRect l="8687" t="6734" r="6647" b="10350"/>
-          <a:stretch>
-            <a:fillRect/>
-          </a:stretch>
-        </p:blipFill>
-        <p:spPr>
-          <a:xfrm>
-            <a:off x="3715350" y="3850105"/>
-            <a:ext cx="2290001" cy="2242686"/>
-          </a:xfrm>
-          <a:prstGeom prst="rect">
-            <a:avLst/>
-          </a:prstGeom>
-        </p:spPr>
-      </p:pic>
-      <p:sp>
-        <p:nvSpPr>
-          <p:cNvPr id="15" name="TextBox 14">
-            <a:extLst>
-              <a:ext uri="{FF2B5EF4-FFF2-40B4-BE49-F238E27FC236}">
-                <a16:creationId xmlns:a16="http://schemas.microsoft.com/office/drawing/2014/main" id="{F253ADAB-595E-766B-EF17-C72E334DF34F}"/>
-              </a:ext>
-            </a:extLst>
-          </p:cNvPr>
-          <p:cNvSpPr txBox="1"/>
-          <p:nvPr/>
-        </p:nvSpPr>
-        <p:spPr>
-          <a:xfrm>
-            <a:off x="3760926" y="3833577"/>
-            <a:ext cx="84960" cy="169277"/>
-          </a:xfrm>
-          <a:prstGeom prst="rect">
-            <a:avLst/>
-          </a:prstGeom>
-          <a:noFill/>
-        </p:spPr>
-        <p:txBody>
-          <a:bodyPr wrap="none" lIns="0" tIns="0" rIns="0" bIns="0" rtlCol="0">
-            <a:spAutoFit/>
-          </a:bodyPr>
-          <a:lstStyle/>
-          <a:p>
-            <a:pPr marL="0" marR="0" lvl="0" indent="0" algn="l" defTabSz="914400" rtl="0" eaLnBrk="1" fontAlgn="auto" latinLnBrk="0" hangingPunct="1">
-              <a:lnSpc>
-                <a:spcPct val="100000"/>
-              </a:lnSpc>
-              <a:spcBef>
-                <a:spcPts val="432"/>
-              </a:spcBef>
-              <a:spcAft>
-                <a:spcPts val="0"/>
-              </a:spcAft>
-              <a:buClrTx/>
-              <a:buSzTx/>
-              <a:buFontTx/>
-              <a:buNone/>
-              <a:tabLst/>
-              <a:defRPr/>
-            </a:pPr>
-            <a:r>
-              <a:rPr kumimoji="0" lang="en-DK" sz="1100" b="0" i="0" u="none" strike="noStrike" kern="1200" cap="none" spc="0" normalizeH="0" baseline="0" noProof="0" dirty="0">
-                <a:ln>
-                  <a:noFill/>
-                </a:ln>
-                <a:solidFill>
-                  <a:srgbClr val="000000"/>
-                </a:solidFill>
-                <a:effectLst/>
-                <a:uLnTx/>
-                <a:uFillTx/>
-                <a:latin typeface="Arial"/>
-                <a:ea typeface="+mn-ea"/>
-                <a:cs typeface="+mn-cs"/>
-              </a:rPr>
-              <a:t>f)</a:t>
-            </a:r>
-          </a:p>
-        </p:txBody>
-      </p:sp>
-      <p:pic>
-        <p:nvPicPr>
-          <p:cNvPr id="27" name="Picture 26">
-            <a:extLst>
-              <a:ext uri="{FF2B5EF4-FFF2-40B4-BE49-F238E27FC236}">
-                <a16:creationId xmlns:a16="http://schemas.microsoft.com/office/drawing/2014/main" id="{7114B075-6843-67A9-232E-F43AA9B28A69}"/>
-              </a:ext>
-            </a:extLst>
-          </p:cNvPr>
-          <p:cNvPicPr>
-            <a:picLocks noChangeAspect="1"/>
-          </p:cNvPicPr>
-          <p:nvPr/>
-        </p:nvPicPr>
-        <p:blipFill>
-          <a:blip r:embed="rId8"/>
-          <a:srcRect l="4251" t="5577" r="8200" b="12663"/>
-          <a:stretch>
-            <a:fillRect/>
-          </a:stretch>
-        </p:blipFill>
-        <p:spPr>
-          <a:xfrm>
-            <a:off x="8431727" y="1472665"/>
-            <a:ext cx="2329313" cy="2175309"/>
-          </a:xfrm>
-          <a:prstGeom prst="rect">
-            <a:avLst/>
-          </a:prstGeom>
-        </p:spPr>
-      </p:pic>
-      <p:pic>
-        <p:nvPicPr>
-          <p:cNvPr id="25" name="Picture 24">
-            <a:extLst>
-              <a:ext uri="{FF2B5EF4-FFF2-40B4-BE49-F238E27FC236}">
-                <a16:creationId xmlns:a16="http://schemas.microsoft.com/office/drawing/2014/main" id="{87C4FF51-484B-0737-E7FC-9AF86B4994C3}"/>
-              </a:ext>
-            </a:extLst>
-          </p:cNvPr>
-          <p:cNvPicPr>
-            <a:picLocks noChangeAspect="1"/>
-          </p:cNvPicPr>
-          <p:nvPr/>
-        </p:nvPicPr>
-        <p:blipFill>
-          <a:blip r:embed="rId9"/>
-          <a:srcRect l="9677" t="6301" r="6754" b="12300"/>
-          <a:stretch>
-            <a:fillRect/>
-          </a:stretch>
-        </p:blipFill>
-        <p:spPr>
-          <a:xfrm>
-            <a:off x="8566481" y="3859731"/>
-            <a:ext cx="2223436" cy="2165684"/>
-          </a:xfrm>
-          <a:prstGeom prst="rect">
-            <a:avLst/>
-          </a:prstGeom>
-        </p:spPr>
-      </p:pic>
       <p:cxnSp>
         <p:nvCxnSpPr>
-          <p:cNvPr id="74" name="Straight Connector 73">
-            <a:extLst>
-              <a:ext uri="{FF2B5EF4-FFF2-40B4-BE49-F238E27FC236}">
-                <a16:creationId xmlns:a16="http://schemas.microsoft.com/office/drawing/2014/main" id="{2B8B6FB8-6DE2-BED7-528E-1F91E6C83E49}"/>
+          <p:cNvPr id="72" name="Straight Connector 71">
+            <a:extLst>
+              <a:ext uri="{FF2B5EF4-FFF2-40B4-BE49-F238E27FC236}">
+                <a16:creationId xmlns:a16="http://schemas.microsoft.com/office/drawing/2014/main" id="{6D45F48A-F88E-BFBB-FF14-FD66AE9EB861}"/>
               </a:ext>
             </a:extLst>
           </p:cNvPr>
@@ -11588,8 +11071,8 @@
         </p:nvCxnSpPr>
         <p:spPr bwMode="auto">
           <a:xfrm>
-            <a:off x="12074754" y="919074"/>
-            <a:ext cx="3657600" cy="0"/>
+            <a:off x="510557" y="3050791"/>
+            <a:ext cx="0" cy="3045349"/>
           </a:xfrm>
           <a:prstGeom prst="line">
             <a:avLst/>
@@ -11622,10 +11105,10 @@
       </p:cxnSp>
       <p:cxnSp>
         <p:nvCxnSpPr>
-          <p:cNvPr id="70" name="Straight Connector 69">
-            <a:extLst>
-              <a:ext uri="{FF2B5EF4-FFF2-40B4-BE49-F238E27FC236}">
-                <a16:creationId xmlns:a16="http://schemas.microsoft.com/office/drawing/2014/main" id="{63A33EBD-0421-6653-3C1F-7F4E48B0CB5C}"/>
+          <p:cNvPr id="73" name="Straight Connector 72">
+            <a:extLst>
+              <a:ext uri="{FF2B5EF4-FFF2-40B4-BE49-F238E27FC236}">
+                <a16:creationId xmlns:a16="http://schemas.microsoft.com/office/drawing/2014/main" id="{CF136403-C894-8DC8-CC54-DCB3E6933226}"/>
               </a:ext>
             </a:extLst>
           </p:cNvPr>
@@ -11634,8 +11117,8 @@
         </p:nvCxnSpPr>
         <p:spPr bwMode="auto">
           <a:xfrm>
-            <a:off x="709061" y="906840"/>
-            <a:ext cx="8547234" cy="0"/>
+            <a:off x="-178626" y="3907926"/>
+            <a:ext cx="0" cy="3045349"/>
           </a:xfrm>
           <a:prstGeom prst="line">
             <a:avLst/>
@@ -11666,12 +11149,494 @@
           </a:extLst>
         </p:spPr>
       </p:cxnSp>
+      <p:sp>
+        <p:nvSpPr>
+          <p:cNvPr id="5" name="TextBox 4">
+            <a:extLst>
+              <a:ext uri="{FF2B5EF4-FFF2-40B4-BE49-F238E27FC236}">
+                <a16:creationId xmlns:a16="http://schemas.microsoft.com/office/drawing/2014/main" id="{DA4EFA4E-1E45-B3BA-AA66-7041EC5967AF}"/>
+              </a:ext>
+            </a:extLst>
+          </p:cNvPr>
+          <p:cNvSpPr txBox="1"/>
+          <p:nvPr/>
+        </p:nvSpPr>
+        <p:spPr>
+          <a:xfrm>
+            <a:off x="-142242" y="1543530"/>
+            <a:ext cx="2503891" cy="169277"/>
+          </a:xfrm>
+          <a:prstGeom prst="rect">
+            <a:avLst/>
+          </a:prstGeom>
+          <a:noFill/>
+        </p:spPr>
+        <p:txBody>
+          <a:bodyPr wrap="none" lIns="0" tIns="0" rIns="0" bIns="0" rtlCol="0">
+            <a:spAutoFit/>
+          </a:bodyPr>
+          <a:lstStyle/>
+          <a:p>
+            <a:pPr algn="l">
+              <a:spcBef>
+                <a:spcPts val="432"/>
+              </a:spcBef>
+            </a:pPr>
+            <a:r>
+              <a:rPr lang="en-GB" sz="1100" dirty="0">
+                <a:latin typeface="+mn-lt"/>
+              </a:rPr>
+              <a:t>S</a:t>
+            </a:r>
+            <a:r>
+              <a:rPr lang="en-DK" sz="1100" dirty="0">
+                <a:latin typeface="+mn-lt"/>
+              </a:rPr>
+              <a:t>elect. </a:t>
+            </a:r>
+            <a:r>
+              <a:rPr lang="en-GB" sz="1100" dirty="0">
+                <a:latin typeface="+mn-lt"/>
+              </a:rPr>
+              <a:t>R</a:t>
+            </a:r>
+            <a:r>
+              <a:rPr lang="en-DK" sz="1100" dirty="0">
+                <a:latin typeface="+mn-lt"/>
+              </a:rPr>
+              <a:t>ight click “save as picture” pdf. </a:t>
+            </a:r>
+          </a:p>
+        </p:txBody>
+      </p:sp>
+      <p:sp>
+        <p:nvSpPr>
+          <p:cNvPr id="4" name="TextBox 3">
+            <a:extLst>
+              <a:ext uri="{FF2B5EF4-FFF2-40B4-BE49-F238E27FC236}">
+                <a16:creationId xmlns:a16="http://schemas.microsoft.com/office/drawing/2014/main" id="{A5E8F768-A0A7-4EEB-27F8-249B0CFB641C}"/>
+              </a:ext>
+            </a:extLst>
+          </p:cNvPr>
+          <p:cNvSpPr txBox="1"/>
+          <p:nvPr/>
+        </p:nvSpPr>
+        <p:spPr>
+          <a:xfrm>
+            <a:off x="67893" y="1039650"/>
+            <a:ext cx="2667462" cy="276999"/>
+          </a:xfrm>
+          <a:prstGeom prst="rect">
+            <a:avLst/>
+          </a:prstGeom>
+          <a:noFill/>
+        </p:spPr>
+        <p:txBody>
+          <a:bodyPr wrap="none" lIns="0" tIns="0" rIns="0" bIns="0" rtlCol="0">
+            <a:spAutoFit/>
+          </a:bodyPr>
+          <a:lstStyle/>
+          <a:p>
+            <a:pPr algn="l">
+              <a:spcBef>
+                <a:spcPts val="432"/>
+              </a:spcBef>
+            </a:pPr>
+            <a:r>
+              <a:rPr lang="en-DK" dirty="0">
+                <a:latin typeface="+mn-lt"/>
+              </a:rPr>
+              <a:t>Vojvodic 2014 parameters</a:t>
+            </a:r>
+          </a:p>
+        </p:txBody>
+      </p:sp>
+      <p:pic>
+        <p:nvPicPr>
+          <p:cNvPr id="8" name="Picture 7">
+            <a:extLst>
+              <a:ext uri="{FF2B5EF4-FFF2-40B4-BE49-F238E27FC236}">
+                <a16:creationId xmlns:a16="http://schemas.microsoft.com/office/drawing/2014/main" id="{3DBCFEBC-0BAD-FAF4-34A9-29083296A148}"/>
+              </a:ext>
+            </a:extLst>
+          </p:cNvPr>
+          <p:cNvPicPr>
+            <a:picLocks noChangeAspect="1"/>
+          </p:cNvPicPr>
+          <p:nvPr/>
+        </p:nvPicPr>
+        <p:blipFill>
+          <a:blip r:embed="rId2"/>
+          <a:stretch>
+            <a:fillRect/>
+          </a:stretch>
+        </p:blipFill>
+        <p:spPr>
+          <a:xfrm>
+            <a:off x="5409323" y="524117"/>
+            <a:ext cx="1677798" cy="1677798"/>
+          </a:xfrm>
+          <a:prstGeom prst="rect">
+            <a:avLst/>
+          </a:prstGeom>
+        </p:spPr>
+      </p:pic>
+      <p:pic>
+        <p:nvPicPr>
+          <p:cNvPr id="10" name="Picture 9">
+            <a:extLst>
+              <a:ext uri="{FF2B5EF4-FFF2-40B4-BE49-F238E27FC236}">
+                <a16:creationId xmlns:a16="http://schemas.microsoft.com/office/drawing/2014/main" id="{0D7A59D7-68E0-D2FD-F761-D6A6F044ED9A}"/>
+              </a:ext>
+            </a:extLst>
+          </p:cNvPr>
+          <p:cNvPicPr>
+            <a:picLocks noChangeAspect="1"/>
+          </p:cNvPicPr>
+          <p:nvPr/>
+        </p:nvPicPr>
+        <p:blipFill>
+          <a:blip r:embed="rId3"/>
+          <a:stretch>
+            <a:fillRect/>
+          </a:stretch>
+        </p:blipFill>
+        <p:spPr>
+          <a:xfrm>
+            <a:off x="7050610" y="509069"/>
+            <a:ext cx="1677798" cy="1677798"/>
+          </a:xfrm>
+          <a:prstGeom prst="rect">
+            <a:avLst/>
+          </a:prstGeom>
+        </p:spPr>
+      </p:pic>
+      <p:pic>
+        <p:nvPicPr>
+          <p:cNvPr id="20" name="Picture 19">
+            <a:extLst>
+              <a:ext uri="{FF2B5EF4-FFF2-40B4-BE49-F238E27FC236}">
+                <a16:creationId xmlns:a16="http://schemas.microsoft.com/office/drawing/2014/main" id="{988AFDC2-0DC3-68FB-D41B-19C4E831E13A}"/>
+              </a:ext>
+            </a:extLst>
+          </p:cNvPr>
+          <p:cNvPicPr>
+            <a:picLocks noChangeAspect="1"/>
+          </p:cNvPicPr>
+          <p:nvPr/>
+        </p:nvPicPr>
+        <p:blipFill>
+          <a:blip r:embed="rId4"/>
+          <a:stretch>
+            <a:fillRect/>
+          </a:stretch>
+        </p:blipFill>
+        <p:spPr>
+          <a:xfrm>
+            <a:off x="7017491" y="2126432"/>
+            <a:ext cx="1677798" cy="1677798"/>
+          </a:xfrm>
+          <a:prstGeom prst="rect">
+            <a:avLst/>
+          </a:prstGeom>
+        </p:spPr>
+      </p:pic>
+      <p:pic>
+        <p:nvPicPr>
+          <p:cNvPr id="22" name="Picture 21">
+            <a:extLst>
+              <a:ext uri="{FF2B5EF4-FFF2-40B4-BE49-F238E27FC236}">
+                <a16:creationId xmlns:a16="http://schemas.microsoft.com/office/drawing/2014/main" id="{0481D061-A8D3-E8E3-2960-3DB5ED81D803}"/>
+              </a:ext>
+            </a:extLst>
+          </p:cNvPr>
+          <p:cNvPicPr>
+            <a:picLocks noChangeAspect="1"/>
+          </p:cNvPicPr>
+          <p:nvPr/>
+        </p:nvPicPr>
+        <p:blipFill>
+          <a:blip r:embed="rId5"/>
+          <a:stretch>
+            <a:fillRect/>
+          </a:stretch>
+        </p:blipFill>
+        <p:spPr>
+          <a:xfrm>
+            <a:off x="5422783" y="3672282"/>
+            <a:ext cx="1677798" cy="1677798"/>
+          </a:xfrm>
+          <a:prstGeom prst="rect">
+            <a:avLst/>
+          </a:prstGeom>
+        </p:spPr>
+      </p:pic>
+      <p:sp>
+        <p:nvSpPr>
+          <p:cNvPr id="65" name="TextBox 64">
+            <a:extLst>
+              <a:ext uri="{FF2B5EF4-FFF2-40B4-BE49-F238E27FC236}">
+                <a16:creationId xmlns:a16="http://schemas.microsoft.com/office/drawing/2014/main" id="{7AF44A9F-5CE8-1E5F-659D-C713D37EC247}"/>
+              </a:ext>
+            </a:extLst>
+          </p:cNvPr>
+          <p:cNvSpPr txBox="1"/>
+          <p:nvPr/>
+        </p:nvSpPr>
+        <p:spPr>
+          <a:xfrm>
+            <a:off x="1185219" y="56571"/>
+            <a:ext cx="125034" cy="169277"/>
+          </a:xfrm>
+          <a:prstGeom prst="rect">
+            <a:avLst/>
+          </a:prstGeom>
+          <a:noFill/>
+        </p:spPr>
+        <p:txBody>
+          <a:bodyPr wrap="none" lIns="0" tIns="0" rIns="0" bIns="0" rtlCol="0">
+            <a:spAutoFit/>
+          </a:bodyPr>
+          <a:lstStyle/>
+          <a:p>
+            <a:pPr marL="0" marR="0" lvl="0" indent="0" algn="l" defTabSz="914400" rtl="0" eaLnBrk="1" fontAlgn="auto" latinLnBrk="0" hangingPunct="1">
+              <a:lnSpc>
+                <a:spcPct val="100000"/>
+              </a:lnSpc>
+              <a:spcBef>
+                <a:spcPts val="432"/>
+              </a:spcBef>
+              <a:spcAft>
+                <a:spcPts val="0"/>
+              </a:spcAft>
+              <a:buClrTx/>
+              <a:buSzTx/>
+              <a:buFontTx/>
+              <a:buNone/>
+              <a:tabLst/>
+              <a:defRPr/>
+            </a:pPr>
+            <a:r>
+              <a:rPr kumimoji="0" lang="en-DK" sz="1100" b="0" i="0" u="none" strike="noStrike" kern="1200" cap="none" spc="0" normalizeH="0" baseline="0" noProof="0" dirty="0">
+                <a:ln>
+                  <a:noFill/>
+                </a:ln>
+                <a:solidFill>
+                  <a:srgbClr val="000000"/>
+                </a:solidFill>
+                <a:effectLst/>
+                <a:uLnTx/>
+                <a:uFillTx/>
+                <a:latin typeface="Arial"/>
+                <a:ea typeface="+mn-ea"/>
+                <a:cs typeface="+mn-cs"/>
+              </a:rPr>
+              <a:t>a)</a:t>
+            </a:r>
+          </a:p>
+        </p:txBody>
+      </p:sp>
+      <p:sp>
+        <p:nvSpPr>
+          <p:cNvPr id="66" name="TextBox 65">
+            <a:extLst>
+              <a:ext uri="{FF2B5EF4-FFF2-40B4-BE49-F238E27FC236}">
+                <a16:creationId xmlns:a16="http://schemas.microsoft.com/office/drawing/2014/main" id="{1A4A0D7C-5496-8EA5-537D-5CD76AD6D8CB}"/>
+              </a:ext>
+            </a:extLst>
+          </p:cNvPr>
+          <p:cNvSpPr txBox="1"/>
+          <p:nvPr/>
+        </p:nvSpPr>
+        <p:spPr>
+          <a:xfrm>
+            <a:off x="3248396" y="60429"/>
+            <a:ext cx="125034" cy="169277"/>
+          </a:xfrm>
+          <a:prstGeom prst="rect">
+            <a:avLst/>
+          </a:prstGeom>
+          <a:noFill/>
+        </p:spPr>
+        <p:txBody>
+          <a:bodyPr wrap="none" lIns="0" tIns="0" rIns="0" bIns="0" rtlCol="0">
+            <a:spAutoFit/>
+          </a:bodyPr>
+          <a:lstStyle/>
+          <a:p>
+            <a:pPr marL="0" marR="0" lvl="0" indent="0" algn="l" defTabSz="914400" rtl="0" eaLnBrk="1" fontAlgn="auto" latinLnBrk="0" hangingPunct="1">
+              <a:lnSpc>
+                <a:spcPct val="100000"/>
+              </a:lnSpc>
+              <a:spcBef>
+                <a:spcPts val="432"/>
+              </a:spcBef>
+              <a:spcAft>
+                <a:spcPts val="0"/>
+              </a:spcAft>
+              <a:buClrTx/>
+              <a:buSzTx/>
+              <a:buFontTx/>
+              <a:buNone/>
+              <a:tabLst/>
+              <a:defRPr/>
+            </a:pPr>
+            <a:r>
+              <a:rPr kumimoji="0" lang="en-DK" sz="1100" b="0" i="0" u="none" strike="noStrike" kern="1200" cap="none" spc="0" normalizeH="0" baseline="0" noProof="0" dirty="0">
+                <a:ln>
+                  <a:noFill/>
+                </a:ln>
+                <a:solidFill>
+                  <a:srgbClr val="000000"/>
+                </a:solidFill>
+                <a:effectLst/>
+                <a:uLnTx/>
+                <a:uFillTx/>
+                <a:latin typeface="Arial"/>
+                <a:ea typeface="+mn-ea"/>
+                <a:cs typeface="+mn-cs"/>
+              </a:rPr>
+              <a:t>b)</a:t>
+            </a:r>
+          </a:p>
+        </p:txBody>
+      </p:sp>
+      <p:sp>
+        <p:nvSpPr>
+          <p:cNvPr id="17" name="TextBox 16">
+            <a:extLst>
+              <a:ext uri="{FF2B5EF4-FFF2-40B4-BE49-F238E27FC236}">
+                <a16:creationId xmlns:a16="http://schemas.microsoft.com/office/drawing/2014/main" id="{4F424A57-8673-C8D4-BD09-8D9A4B21810D}"/>
+              </a:ext>
+            </a:extLst>
+          </p:cNvPr>
+          <p:cNvSpPr txBox="1"/>
+          <p:nvPr/>
+        </p:nvSpPr>
+        <p:spPr>
+          <a:xfrm>
+            <a:off x="5370276" y="57125"/>
+            <a:ext cx="117020" cy="169277"/>
+          </a:xfrm>
+          <a:prstGeom prst="rect">
+            <a:avLst/>
+          </a:prstGeom>
+          <a:noFill/>
+        </p:spPr>
+        <p:txBody>
+          <a:bodyPr wrap="none" lIns="0" tIns="0" rIns="0" bIns="0" rtlCol="0">
+            <a:spAutoFit/>
+          </a:bodyPr>
+          <a:lstStyle/>
+          <a:p>
+            <a:pPr marL="0" marR="0" lvl="0" indent="0" algn="l" defTabSz="914400" rtl="0" eaLnBrk="1" fontAlgn="auto" latinLnBrk="0" hangingPunct="1">
+              <a:lnSpc>
+                <a:spcPct val="100000"/>
+              </a:lnSpc>
+              <a:spcBef>
+                <a:spcPts val="432"/>
+              </a:spcBef>
+              <a:spcAft>
+                <a:spcPts val="0"/>
+              </a:spcAft>
+              <a:buClrTx/>
+              <a:buSzTx/>
+              <a:buFontTx/>
+              <a:buNone/>
+              <a:tabLst/>
+              <a:defRPr/>
+            </a:pPr>
+            <a:r>
+              <a:rPr kumimoji="0" lang="en-DK" sz="1100" b="0" i="0" u="none" strike="noStrike" kern="1200" cap="none" spc="0" normalizeH="0" baseline="0" noProof="0" dirty="0">
+                <a:ln>
+                  <a:noFill/>
+                </a:ln>
+                <a:solidFill>
+                  <a:srgbClr val="000000"/>
+                </a:solidFill>
+                <a:effectLst/>
+                <a:uLnTx/>
+                <a:uFillTx/>
+                <a:latin typeface="Arial"/>
+                <a:ea typeface="+mn-ea"/>
+                <a:cs typeface="+mn-cs"/>
+              </a:rPr>
+              <a:t>c)</a:t>
+            </a:r>
+          </a:p>
+        </p:txBody>
+      </p:sp>
+      <p:sp>
+        <p:nvSpPr>
+          <p:cNvPr id="18" name="TextBox 17">
+            <a:extLst>
+              <a:ext uri="{FF2B5EF4-FFF2-40B4-BE49-F238E27FC236}">
+                <a16:creationId xmlns:a16="http://schemas.microsoft.com/office/drawing/2014/main" id="{5F0A7C9E-F094-9AA3-7563-70631FFB83B2}"/>
+              </a:ext>
+            </a:extLst>
+          </p:cNvPr>
+          <p:cNvSpPr txBox="1"/>
+          <p:nvPr/>
+        </p:nvSpPr>
+        <p:spPr>
+          <a:xfrm>
+            <a:off x="7436733" y="66755"/>
+            <a:ext cx="125034" cy="169277"/>
+          </a:xfrm>
+          <a:prstGeom prst="rect">
+            <a:avLst/>
+          </a:prstGeom>
+          <a:noFill/>
+        </p:spPr>
+        <p:txBody>
+          <a:bodyPr wrap="none" lIns="0" tIns="0" rIns="0" bIns="0" rtlCol="0">
+            <a:spAutoFit/>
+          </a:bodyPr>
+          <a:lstStyle/>
+          <a:p>
+            <a:pPr marL="0" marR="0" lvl="0" indent="0" algn="l" defTabSz="914400" rtl="0" eaLnBrk="1" fontAlgn="auto" latinLnBrk="0" hangingPunct="1">
+              <a:lnSpc>
+                <a:spcPct val="100000"/>
+              </a:lnSpc>
+              <a:spcBef>
+                <a:spcPts val="432"/>
+              </a:spcBef>
+              <a:spcAft>
+                <a:spcPts val="0"/>
+              </a:spcAft>
+              <a:buClrTx/>
+              <a:buSzTx/>
+              <a:buFontTx/>
+              <a:buNone/>
+              <a:tabLst/>
+              <a:defRPr/>
+            </a:pPr>
+            <a:r>
+              <a:rPr kumimoji="0" lang="en-DK" sz="1100" b="0" i="0" u="none" strike="noStrike" kern="1200" cap="none" spc="0" normalizeH="0" baseline="0" noProof="0" dirty="0">
+                <a:ln>
+                  <a:noFill/>
+                </a:ln>
+                <a:solidFill>
+                  <a:srgbClr val="000000"/>
+                </a:solidFill>
+                <a:effectLst/>
+                <a:uLnTx/>
+                <a:uFillTx/>
+                <a:latin typeface="Arial"/>
+                <a:ea typeface="+mn-ea"/>
+                <a:cs typeface="+mn-cs"/>
+              </a:rPr>
+              <a:t>d)</a:t>
+            </a:r>
+          </a:p>
+        </p:txBody>
+      </p:sp>
       <p:cxnSp>
         <p:nvCxnSpPr>
-          <p:cNvPr id="72" name="Straight Connector 71">
-            <a:extLst>
-              <a:ext uri="{FF2B5EF4-FFF2-40B4-BE49-F238E27FC236}">
-                <a16:creationId xmlns:a16="http://schemas.microsoft.com/office/drawing/2014/main" id="{ED330EF7-55DE-77DA-9003-8AD76E57D015}"/>
+          <p:cNvPr id="74" name="Straight Connector 73">
+            <a:extLst>
+              <a:ext uri="{FF2B5EF4-FFF2-40B4-BE49-F238E27FC236}">
+                <a16:creationId xmlns:a16="http://schemas.microsoft.com/office/drawing/2014/main" id="{89DC279F-0760-FCE4-1725-40725DFF4D36}"/>
               </a:ext>
             </a:extLst>
           </p:cNvPr>
@@ -11680,8 +11645,8 @@
         </p:nvCxnSpPr>
         <p:spPr bwMode="auto">
           <a:xfrm>
-            <a:off x="13081149" y="1645920"/>
-            <a:ext cx="0" cy="4825604"/>
+            <a:off x="-388816" y="6590561"/>
+            <a:ext cx="10429113" cy="0"/>
           </a:xfrm>
           <a:prstGeom prst="line">
             <a:avLst/>
@@ -11712,270 +11677,40 @@
           </a:extLst>
         </p:spPr>
       </p:cxnSp>
-      <p:sp>
-        <p:nvSpPr>
-          <p:cNvPr id="29" name="TextBox 28">
-            <a:extLst>
-              <a:ext uri="{FF2B5EF4-FFF2-40B4-BE49-F238E27FC236}">
-                <a16:creationId xmlns:a16="http://schemas.microsoft.com/office/drawing/2014/main" id="{24EF3856-111B-31FF-26FB-F978723CC65D}"/>
-              </a:ext>
-            </a:extLst>
-          </p:cNvPr>
-          <p:cNvSpPr txBox="1"/>
+      <p:pic>
+        <p:nvPicPr>
+          <p:cNvPr id="24" name="Picture 23">
+            <a:extLst>
+              <a:ext uri="{FF2B5EF4-FFF2-40B4-BE49-F238E27FC236}">
+                <a16:creationId xmlns:a16="http://schemas.microsoft.com/office/drawing/2014/main" id="{93C27C19-8DBA-409B-3305-524A56C05844}"/>
+              </a:ext>
+            </a:extLst>
+          </p:cNvPr>
+          <p:cNvPicPr>
+            <a:picLocks noChangeAspect="1"/>
+          </p:cNvPicPr>
           <p:nvPr/>
-        </p:nvSpPr>
+        </p:nvPicPr>
+        <p:blipFill>
+          <a:blip r:embed="rId6"/>
+          <a:stretch>
+            <a:fillRect/>
+          </a:stretch>
+        </p:blipFill>
         <p:spPr>
           <a:xfrm>
-            <a:off x="8496554" y="1504262"/>
-            <a:ext cx="125034" cy="169277"/>
+            <a:off x="5389226" y="2105636"/>
+            <a:ext cx="1677798" cy="1677798"/>
           </a:xfrm>
           <a:prstGeom prst="rect">
             <a:avLst/>
           </a:prstGeom>
-          <a:noFill/>
-        </p:spPr>
-        <p:txBody>
-          <a:bodyPr wrap="none" lIns="0" tIns="0" rIns="0" bIns="0" rtlCol="0">
-            <a:spAutoFit/>
-          </a:bodyPr>
-          <a:lstStyle/>
-          <a:p>
-            <a:pPr marL="0" marR="0" lvl="0" indent="0" algn="l" defTabSz="914400" rtl="0" eaLnBrk="1" fontAlgn="auto" latinLnBrk="0" hangingPunct="1">
-              <a:lnSpc>
-                <a:spcPct val="100000"/>
-              </a:lnSpc>
-              <a:spcBef>
-                <a:spcPts val="432"/>
-              </a:spcBef>
-              <a:spcAft>
-                <a:spcPts val="0"/>
-              </a:spcAft>
-              <a:buClrTx/>
-              <a:buSzTx/>
-              <a:buFontTx/>
-              <a:buNone/>
-              <a:tabLst/>
-              <a:defRPr/>
-            </a:pPr>
-            <a:r>
-              <a:rPr kumimoji="0" lang="en-DK" sz="1100" b="0" i="0" u="none" strike="noStrike" kern="1200" cap="none" spc="0" normalizeH="0" baseline="0" noProof="0" dirty="0">
-                <a:ln>
-                  <a:noFill/>
-                </a:ln>
-                <a:solidFill>
-                  <a:srgbClr val="000000"/>
-                </a:solidFill>
-                <a:effectLst/>
-                <a:uLnTx/>
-                <a:uFillTx/>
-                <a:latin typeface="Arial"/>
-                <a:ea typeface="+mn-ea"/>
-                <a:cs typeface="+mn-cs"/>
-              </a:rPr>
-              <a:t>d)</a:t>
-            </a:r>
-          </a:p>
-        </p:txBody>
-      </p:sp>
-      <p:sp>
-        <p:nvSpPr>
-          <p:cNvPr id="30" name="TextBox 29">
-            <a:extLst>
-              <a:ext uri="{FF2B5EF4-FFF2-40B4-BE49-F238E27FC236}">
-                <a16:creationId xmlns:a16="http://schemas.microsoft.com/office/drawing/2014/main" id="{1EE85D7C-DC56-FCCF-D55B-E7BA0AAAE587}"/>
-              </a:ext>
-            </a:extLst>
-          </p:cNvPr>
-          <p:cNvSpPr txBox="1"/>
-          <p:nvPr/>
-        </p:nvSpPr>
-        <p:spPr>
-          <a:xfrm>
-            <a:off x="8573557" y="3833577"/>
-            <a:ext cx="125034" cy="169277"/>
-          </a:xfrm>
-          <a:prstGeom prst="rect">
-            <a:avLst/>
-          </a:prstGeom>
-          <a:noFill/>
-        </p:spPr>
-        <p:txBody>
-          <a:bodyPr wrap="none" lIns="0" tIns="0" rIns="0" bIns="0" rtlCol="0">
-            <a:spAutoFit/>
-          </a:bodyPr>
-          <a:lstStyle/>
-          <a:p>
-            <a:pPr marL="0" marR="0" lvl="0" indent="0" algn="l" defTabSz="914400" rtl="0" eaLnBrk="1" fontAlgn="auto" latinLnBrk="0" hangingPunct="1">
-              <a:lnSpc>
-                <a:spcPct val="100000"/>
-              </a:lnSpc>
-              <a:spcBef>
-                <a:spcPts val="432"/>
-              </a:spcBef>
-              <a:spcAft>
-                <a:spcPts val="0"/>
-              </a:spcAft>
-              <a:buClrTx/>
-              <a:buSzTx/>
-              <a:buFontTx/>
-              <a:buNone/>
-              <a:tabLst/>
-              <a:defRPr/>
-            </a:pPr>
-            <a:r>
-              <a:rPr lang="en-DK" sz="1100" dirty="0">
-                <a:solidFill>
-                  <a:srgbClr val="000000"/>
-                </a:solidFill>
-                <a:latin typeface="Arial"/>
-              </a:rPr>
-              <a:t>h</a:t>
-            </a:r>
-            <a:r>
-              <a:rPr kumimoji="0" lang="en-DK" sz="1100" b="0" i="0" u="none" strike="noStrike" kern="1200" cap="none" spc="0" normalizeH="0" baseline="0" noProof="0" dirty="0">
-                <a:ln>
-                  <a:noFill/>
-                </a:ln>
-                <a:solidFill>
-                  <a:srgbClr val="000000"/>
-                </a:solidFill>
-                <a:effectLst/>
-                <a:uLnTx/>
-                <a:uFillTx/>
-                <a:latin typeface="Arial"/>
-                <a:ea typeface="+mn-ea"/>
-                <a:cs typeface="+mn-cs"/>
-              </a:rPr>
-              <a:t>)</a:t>
-            </a:r>
-          </a:p>
-        </p:txBody>
-      </p:sp>
-      <p:sp>
-        <p:nvSpPr>
-          <p:cNvPr id="6" name="TextBox 5">
-            <a:extLst>
-              <a:ext uri="{FF2B5EF4-FFF2-40B4-BE49-F238E27FC236}">
-                <a16:creationId xmlns:a16="http://schemas.microsoft.com/office/drawing/2014/main" id="{87655169-7DCA-904E-A3A6-6354848CF411}"/>
-              </a:ext>
-            </a:extLst>
-          </p:cNvPr>
-          <p:cNvSpPr txBox="1"/>
-          <p:nvPr/>
-        </p:nvSpPr>
-        <p:spPr>
-          <a:xfrm>
-            <a:off x="1084729" y="475129"/>
-            <a:ext cx="859210" cy="276999"/>
-          </a:xfrm>
-          <a:prstGeom prst="rect">
-            <a:avLst/>
-          </a:prstGeom>
-          <a:noFill/>
-        </p:spPr>
-        <p:txBody>
-          <a:bodyPr wrap="none" lIns="0" tIns="0" rIns="0" bIns="0" rtlCol="0">
-            <a:spAutoFit/>
-          </a:bodyPr>
-          <a:lstStyle/>
-          <a:p>
-            <a:pPr marL="0" marR="0" lvl="0" indent="0" algn="l" defTabSz="914400" rtl="0" eaLnBrk="1" fontAlgn="auto" latinLnBrk="0" hangingPunct="1">
-              <a:lnSpc>
-                <a:spcPct val="100000"/>
-              </a:lnSpc>
-              <a:spcBef>
-                <a:spcPts val="432"/>
-              </a:spcBef>
-              <a:spcAft>
-                <a:spcPts val="0"/>
-              </a:spcAft>
-              <a:buClrTx/>
-              <a:buSzTx/>
-              <a:buFontTx/>
-              <a:buNone/>
-              <a:tabLst/>
-              <a:defRPr/>
-            </a:pPr>
-            <a:r>
-              <a:rPr kumimoji="0" lang="en-DK" sz="1800" b="0" i="0" u="none" strike="noStrike" kern="1200" cap="none" spc="0" normalizeH="0" baseline="0" noProof="0" dirty="0">
-                <a:ln>
-                  <a:noFill/>
-                </a:ln>
-                <a:solidFill>
-                  <a:srgbClr val="000000"/>
-                </a:solidFill>
-                <a:effectLst/>
-                <a:uLnTx/>
-                <a:uFillTx/>
-                <a:latin typeface="Arial"/>
-                <a:ea typeface="+mn-ea"/>
-                <a:cs typeface="+mn-cs"/>
-              </a:rPr>
-              <a:t>SI figure</a:t>
-            </a:r>
-          </a:p>
-        </p:txBody>
-      </p:sp>
-      <p:sp>
-        <p:nvSpPr>
-          <p:cNvPr id="4" name="TextBox 3">
-            <a:extLst>
-              <a:ext uri="{FF2B5EF4-FFF2-40B4-BE49-F238E27FC236}">
-                <a16:creationId xmlns:a16="http://schemas.microsoft.com/office/drawing/2014/main" id="{B4A5246B-234C-661F-139D-8EC6916B08A3}"/>
-              </a:ext>
-            </a:extLst>
-          </p:cNvPr>
-          <p:cNvSpPr txBox="1"/>
-          <p:nvPr/>
-        </p:nvSpPr>
-        <p:spPr>
-          <a:xfrm>
-            <a:off x="6687880" y="563526"/>
-            <a:ext cx="2244204" cy="605294"/>
-          </a:xfrm>
-          <a:prstGeom prst="rect">
-            <a:avLst/>
-          </a:prstGeom>
-          <a:noFill/>
-        </p:spPr>
-        <p:txBody>
-          <a:bodyPr wrap="none" lIns="0" tIns="0" rIns="0" bIns="0" rtlCol="0">
-            <a:spAutoFit/>
-          </a:bodyPr>
-          <a:lstStyle/>
-          <a:p>
-            <a:pPr algn="l">
-              <a:spcBef>
-                <a:spcPts val="432"/>
-              </a:spcBef>
-            </a:pPr>
-            <a:r>
-              <a:rPr lang="en-DK" dirty="0">
-                <a:latin typeface="+mn-lt"/>
-              </a:rPr>
-              <a:t>HammerNorskov2000</a:t>
-            </a:r>
-          </a:p>
-          <a:p>
-            <a:pPr algn="l">
-              <a:spcBef>
-                <a:spcPts val="432"/>
-              </a:spcBef>
-            </a:pPr>
-            <a:r>
-              <a:rPr lang="en-DK" dirty="0"/>
-              <a:t>parameters</a:t>
-            </a:r>
-            <a:endParaRPr lang="en-DK" dirty="0">
-              <a:latin typeface="+mn-lt"/>
-            </a:endParaRPr>
-          </a:p>
-        </p:txBody>
-      </p:sp>
+        </p:spPr>
+      </p:pic>
     </p:spTree>
     <p:extLst>
       <p:ext uri="{BB962C8B-B14F-4D97-AF65-F5344CB8AC3E}">
-        <p14:creationId xmlns:p14="http://schemas.microsoft.com/office/powerpoint/2010/main" val="504378062"/>
+        <p14:creationId xmlns:p14="http://schemas.microsoft.com/office/powerpoint/2010/main" val="517227906"/>
       </p:ext>
     </p:extLst>
   </p:cSld>
@@ -11986,14 +11721,14 @@
 </file>
 
 <file path=ppt/slides/slide4.xml><?xml version="1.0" encoding="utf-8"?>
-<p:sld xmlns:a="http://schemas.openxmlformats.org/drawingml/2006/main" xmlns:r="http://schemas.openxmlformats.org/officeDocument/2006/relationships" xmlns:p="http://schemas.openxmlformats.org/presentationml/2006/main">
+<p:sld xmlns:a="http://schemas.openxmlformats.org/drawingml/2006/main" xmlns:r="http://schemas.openxmlformats.org/officeDocument/2006/relationships" xmlns:p="http://schemas.openxmlformats.org/presentationml/2006/main" show="0">
   <p:cSld>
     <p:spTree>
       <p:nvGrpSpPr>
         <p:cNvPr id="1" name="">
           <a:extLst>
             <a:ext uri="{FF2B5EF4-FFF2-40B4-BE49-F238E27FC236}">
-              <a16:creationId xmlns:a16="http://schemas.microsoft.com/office/drawing/2014/main" id="{F8C5AC39-5FEF-CCC7-296F-E8FC471E1357}"/>
+              <a16:creationId xmlns:a16="http://schemas.microsoft.com/office/drawing/2014/main" id="{2534565A-7977-BE43-9EAA-ECEA63B5FFEF}"/>
             </a:ext>
           </a:extLst>
         </p:cNvPr>
@@ -12010,10 +11745,10 @@
       </p:grpSpPr>
       <p:pic>
         <p:nvPicPr>
-          <p:cNvPr id="7" name="Picture 6">
-            <a:extLst>
-              <a:ext uri="{FF2B5EF4-FFF2-40B4-BE49-F238E27FC236}">
-                <a16:creationId xmlns:a16="http://schemas.microsoft.com/office/drawing/2014/main" id="{22E5D306-0F5E-1B91-B91B-D1E256D403CA}"/>
+          <p:cNvPr id="21" name="Picture 20">
+            <a:extLst>
+              <a:ext uri="{FF2B5EF4-FFF2-40B4-BE49-F238E27FC236}">
+                <a16:creationId xmlns:a16="http://schemas.microsoft.com/office/drawing/2014/main" id="{C41477D0-ADBA-A357-074E-3BD062410C32}"/>
               </a:ext>
             </a:extLst>
           </p:cNvPr>
@@ -12024,14 +11759,15 @@
         </p:nvPicPr>
         <p:blipFill>
           <a:blip r:embed="rId2"/>
+          <a:srcRect l="3994" r="6443" b="12245"/>
           <a:stretch>
             <a:fillRect/>
           </a:stretch>
         </p:blipFill>
         <p:spPr>
           <a:xfrm>
-            <a:off x="1125865" y="1743154"/>
-            <a:ext cx="2286000" cy="2286000"/>
+            <a:off x="3599847" y="1328541"/>
+            <a:ext cx="2396689" cy="2348312"/>
           </a:xfrm>
           <a:prstGeom prst="rect">
             <a:avLst/>
@@ -12043,7 +11779,7 @@
           <p:cNvPr id="2" name="Slide Number Placeholder 1">
             <a:extLst>
               <a:ext uri="{FF2B5EF4-FFF2-40B4-BE49-F238E27FC236}">
-                <a16:creationId xmlns:a16="http://schemas.microsoft.com/office/drawing/2014/main" id="{9C5B4443-7D35-F99C-1540-1C4B2421BA70}"/>
+                <a16:creationId xmlns:a16="http://schemas.microsoft.com/office/drawing/2014/main" id="{86C0D22D-9F72-300E-69B6-284754684DDC}"/>
               </a:ext>
             </a:extLst>
           </p:cNvPr>
@@ -12132,7 +11868,7 @@
           <p:cNvPr id="3" name="Date Placeholder 2">
             <a:extLst>
               <a:ext uri="{FF2B5EF4-FFF2-40B4-BE49-F238E27FC236}">
-                <a16:creationId xmlns:a16="http://schemas.microsoft.com/office/drawing/2014/main" id="{2B9F119C-CA3B-8608-82A3-54E96E651A72}"/>
+                <a16:creationId xmlns:a16="http://schemas.microsoft.com/office/drawing/2014/main" id="{4C6FB7BC-5A4A-C211-4C6A-FF72ED1479A7}"/>
               </a:ext>
             </a:extLst>
           </p:cNvPr>
@@ -12221,7 +11957,7 @@
           <p:cNvPr id="12" name="TextBox 11">
             <a:extLst>
               <a:ext uri="{FF2B5EF4-FFF2-40B4-BE49-F238E27FC236}">
-                <a16:creationId xmlns:a16="http://schemas.microsoft.com/office/drawing/2014/main" id="{33EE27A0-D661-1AA9-2532-281AF16F9C14}"/>
+                <a16:creationId xmlns:a16="http://schemas.microsoft.com/office/drawing/2014/main" id="{ED3946B5-A2A4-A0DC-77D2-B124BA32CEAE}"/>
               </a:ext>
             </a:extLst>
           </p:cNvPr>
@@ -12281,12 +12017,73 @@
           </a:p>
         </p:txBody>
       </p:sp>
+      <p:pic>
+        <p:nvPicPr>
+          <p:cNvPr id="56" name="Picture 55">
+            <a:extLst>
+              <a:ext uri="{FF2B5EF4-FFF2-40B4-BE49-F238E27FC236}">
+                <a16:creationId xmlns:a16="http://schemas.microsoft.com/office/drawing/2014/main" id="{7332508C-8914-BC2D-CD7A-DECF4C5C8ECF}"/>
+              </a:ext>
+            </a:extLst>
+          </p:cNvPr>
+          <p:cNvPicPr>
+            <a:picLocks noChangeAspect="1"/>
+          </p:cNvPicPr>
+          <p:nvPr/>
+        </p:nvPicPr>
+        <p:blipFill>
+          <a:blip r:embed="rId3"/>
+          <a:srcRect r="7548"/>
+          <a:stretch>
+            <a:fillRect/>
+          </a:stretch>
+        </p:blipFill>
+        <p:spPr>
+          <a:xfrm>
+            <a:off x="1118907" y="1318288"/>
+            <a:ext cx="2480939" cy="2683482"/>
+          </a:xfrm>
+          <a:prstGeom prst="rect">
+            <a:avLst/>
+          </a:prstGeom>
+        </p:spPr>
+      </p:pic>
+      <p:pic>
+        <p:nvPicPr>
+          <p:cNvPr id="60" name="Picture 59">
+            <a:extLst>
+              <a:ext uri="{FF2B5EF4-FFF2-40B4-BE49-F238E27FC236}">
+                <a16:creationId xmlns:a16="http://schemas.microsoft.com/office/drawing/2014/main" id="{B6C5F0DF-26E8-29E8-6310-814D35E2AF18}"/>
+              </a:ext>
+            </a:extLst>
+          </p:cNvPr>
+          <p:cNvPicPr>
+            <a:picLocks noChangeAspect="1"/>
+          </p:cNvPicPr>
+          <p:nvPr/>
+        </p:nvPicPr>
+        <p:blipFill>
+          <a:blip r:embed="rId4"/>
+          <a:stretch>
+            <a:fillRect/>
+          </a:stretch>
+        </p:blipFill>
+        <p:spPr>
+          <a:xfrm>
+            <a:off x="1126510" y="3676122"/>
+            <a:ext cx="2683482" cy="2683482"/>
+          </a:xfrm>
+          <a:prstGeom prst="rect">
+            <a:avLst/>
+          </a:prstGeom>
+        </p:spPr>
+      </p:pic>
       <p:sp>
         <p:nvSpPr>
           <p:cNvPr id="63" name="TextBox 62">
             <a:extLst>
               <a:ext uri="{FF2B5EF4-FFF2-40B4-BE49-F238E27FC236}">
-                <a16:creationId xmlns:a16="http://schemas.microsoft.com/office/drawing/2014/main" id="{99BA3844-BE8C-5AE8-5378-610BD3D41057}"/>
+                <a16:creationId xmlns:a16="http://schemas.microsoft.com/office/drawing/2014/main" id="{24AB90C8-B9DD-9228-7112-F963AC52F8E9}"/>
               </a:ext>
             </a:extLst>
           </p:cNvPr>
@@ -12295,7 +12092,7 @@
         </p:nvSpPr>
         <p:spPr>
           <a:xfrm>
-            <a:off x="1274326" y="1649979"/>
+            <a:off x="1307882" y="1490588"/>
             <a:ext cx="125034" cy="169277"/>
           </a:xfrm>
           <a:prstGeom prst="rect">
@@ -12346,72 +12143,12 @@
           </a:p>
         </p:txBody>
       </p:sp>
-      <p:sp>
-        <p:nvSpPr>
-          <p:cNvPr id="5" name="TextBox 4">
-            <a:extLst>
-              <a:ext uri="{FF2B5EF4-FFF2-40B4-BE49-F238E27FC236}">
-                <a16:creationId xmlns:a16="http://schemas.microsoft.com/office/drawing/2014/main" id="{0A5AFBE6-AEEC-730A-10B0-1C657C3E43CB}"/>
-              </a:ext>
-            </a:extLst>
-          </p:cNvPr>
-          <p:cNvSpPr txBox="1"/>
-          <p:nvPr/>
-        </p:nvSpPr>
-        <p:spPr>
-          <a:xfrm>
-            <a:off x="4283243" y="308008"/>
-            <a:ext cx="2503891" cy="169277"/>
-          </a:xfrm>
-          <a:prstGeom prst="rect">
-            <a:avLst/>
-          </a:prstGeom>
-          <a:noFill/>
-        </p:spPr>
-        <p:txBody>
-          <a:bodyPr wrap="none" lIns="0" tIns="0" rIns="0" bIns="0" rtlCol="0">
-            <a:spAutoFit/>
-          </a:bodyPr>
-          <a:lstStyle/>
-          <a:p>
-            <a:pPr algn="l">
-              <a:spcBef>
-                <a:spcPts val="432"/>
-              </a:spcBef>
-            </a:pPr>
-            <a:r>
-              <a:rPr lang="en-GB" sz="1100" dirty="0">
-                <a:latin typeface="+mn-lt"/>
-              </a:rPr>
-              <a:t>S</a:t>
-            </a:r>
-            <a:r>
-              <a:rPr lang="en-DK" sz="1100" dirty="0">
-                <a:latin typeface="+mn-lt"/>
-              </a:rPr>
-              <a:t>elect. </a:t>
-            </a:r>
-            <a:r>
-              <a:rPr lang="en-GB" sz="1100" dirty="0">
-                <a:latin typeface="+mn-lt"/>
-              </a:rPr>
-              <a:t>R</a:t>
-            </a:r>
-            <a:r>
-              <a:rPr lang="en-DK" sz="1100" dirty="0">
-                <a:latin typeface="+mn-lt"/>
-              </a:rPr>
-              <a:t>ight click “save as picture” pdf. </a:t>
-            </a:r>
-          </a:p>
-        </p:txBody>
-      </p:sp>
       <p:cxnSp>
         <p:nvCxnSpPr>
-          <p:cNvPr id="74" name="Straight Connector 73">
-            <a:extLst>
-              <a:ext uri="{FF2B5EF4-FFF2-40B4-BE49-F238E27FC236}">
-                <a16:creationId xmlns:a16="http://schemas.microsoft.com/office/drawing/2014/main" id="{B8B1AE35-1F56-977D-08AE-EC84FF0509A5}"/>
+          <p:cNvPr id="73" name="Straight Connector 72">
+            <a:extLst>
+              <a:ext uri="{FF2B5EF4-FFF2-40B4-BE49-F238E27FC236}">
+                <a16:creationId xmlns:a16="http://schemas.microsoft.com/office/drawing/2014/main" id="{F9B7B564-4A69-3C23-051C-5542C7DC1F9A}"/>
               </a:ext>
             </a:extLst>
           </p:cNvPr>
@@ -12420,8 +12157,8 @@
         </p:nvCxnSpPr>
         <p:spPr bwMode="auto">
           <a:xfrm>
-            <a:off x="12074754" y="919074"/>
-            <a:ext cx="3657600" cy="0"/>
+            <a:off x="283387" y="2300507"/>
+            <a:ext cx="0" cy="3045349"/>
           </a:xfrm>
           <a:prstGeom prst="line">
             <a:avLst/>
@@ -12452,12 +12189,561 @@
           </a:extLst>
         </p:spPr>
       </p:cxnSp>
+      <p:sp>
+        <p:nvSpPr>
+          <p:cNvPr id="5" name="TextBox 4">
+            <a:extLst>
+              <a:ext uri="{FF2B5EF4-FFF2-40B4-BE49-F238E27FC236}">
+                <a16:creationId xmlns:a16="http://schemas.microsoft.com/office/drawing/2014/main" id="{13FFFC1A-FDC8-0AAF-FC30-8B229AFBDC3A}"/>
+              </a:ext>
+            </a:extLst>
+          </p:cNvPr>
+          <p:cNvSpPr txBox="1"/>
+          <p:nvPr/>
+        </p:nvSpPr>
+        <p:spPr>
+          <a:xfrm>
+            <a:off x="4283243" y="308008"/>
+            <a:ext cx="2503891" cy="169277"/>
+          </a:xfrm>
+          <a:prstGeom prst="rect">
+            <a:avLst/>
+          </a:prstGeom>
+          <a:noFill/>
+        </p:spPr>
+        <p:txBody>
+          <a:bodyPr wrap="none" lIns="0" tIns="0" rIns="0" bIns="0" rtlCol="0">
+            <a:spAutoFit/>
+          </a:bodyPr>
+          <a:lstStyle/>
+          <a:p>
+            <a:pPr algn="l">
+              <a:spcBef>
+                <a:spcPts val="432"/>
+              </a:spcBef>
+            </a:pPr>
+            <a:r>
+              <a:rPr lang="en-GB" sz="1100" dirty="0">
+                <a:latin typeface="+mn-lt"/>
+              </a:rPr>
+              <a:t>S</a:t>
+            </a:r>
+            <a:r>
+              <a:rPr lang="en-DK" sz="1100" dirty="0">
+                <a:latin typeface="+mn-lt"/>
+              </a:rPr>
+              <a:t>elect. </a:t>
+            </a:r>
+            <a:r>
+              <a:rPr lang="en-GB" sz="1100" dirty="0">
+                <a:latin typeface="+mn-lt"/>
+              </a:rPr>
+              <a:t>R</a:t>
+            </a:r>
+            <a:r>
+              <a:rPr lang="en-DK" sz="1100" dirty="0">
+                <a:latin typeface="+mn-lt"/>
+              </a:rPr>
+              <a:t>ight click “save as picture” pdf. </a:t>
+            </a:r>
+          </a:p>
+        </p:txBody>
+      </p:sp>
+      <p:pic>
+        <p:nvPicPr>
+          <p:cNvPr id="10" name="Picture 9">
+            <a:extLst>
+              <a:ext uri="{FF2B5EF4-FFF2-40B4-BE49-F238E27FC236}">
+                <a16:creationId xmlns:a16="http://schemas.microsoft.com/office/drawing/2014/main" id="{64CCE5AA-E001-5952-1CDE-7F2C641EC02C}"/>
+              </a:ext>
+            </a:extLst>
+          </p:cNvPr>
+          <p:cNvPicPr>
+            <a:picLocks noChangeAspect="1"/>
+          </p:cNvPicPr>
+          <p:nvPr/>
+        </p:nvPicPr>
+        <p:blipFill>
+          <a:blip r:embed="rId5"/>
+          <a:srcRect r="8291"/>
+          <a:stretch>
+            <a:fillRect/>
+          </a:stretch>
+        </p:blipFill>
+        <p:spPr>
+          <a:xfrm>
+            <a:off x="5944399" y="3682463"/>
+            <a:ext cx="2448828" cy="2670210"/>
+          </a:xfrm>
+          <a:prstGeom prst="rect">
+            <a:avLst/>
+          </a:prstGeom>
+        </p:spPr>
+      </p:pic>
+      <p:sp>
+        <p:nvSpPr>
+          <p:cNvPr id="64" name="TextBox 63">
+            <a:extLst>
+              <a:ext uri="{FF2B5EF4-FFF2-40B4-BE49-F238E27FC236}">
+                <a16:creationId xmlns:a16="http://schemas.microsoft.com/office/drawing/2014/main" id="{992ED030-3538-4E5E-B5BE-60584E3415D6}"/>
+              </a:ext>
+            </a:extLst>
+          </p:cNvPr>
+          <p:cNvSpPr txBox="1"/>
+          <p:nvPr/>
+        </p:nvSpPr>
+        <p:spPr>
+          <a:xfrm>
+            <a:off x="3750252" y="1511164"/>
+            <a:ext cx="125034" cy="169277"/>
+          </a:xfrm>
+          <a:prstGeom prst="rect">
+            <a:avLst/>
+          </a:prstGeom>
+          <a:noFill/>
+        </p:spPr>
+        <p:txBody>
+          <a:bodyPr wrap="none" lIns="0" tIns="0" rIns="0" bIns="0" rtlCol="0">
+            <a:spAutoFit/>
+          </a:bodyPr>
+          <a:lstStyle/>
+          <a:p>
+            <a:pPr marL="0" marR="0" lvl="0" indent="0" algn="l" defTabSz="914400" rtl="0" eaLnBrk="1" fontAlgn="auto" latinLnBrk="0" hangingPunct="1">
+              <a:lnSpc>
+                <a:spcPct val="100000"/>
+              </a:lnSpc>
+              <a:spcBef>
+                <a:spcPts val="432"/>
+              </a:spcBef>
+              <a:spcAft>
+                <a:spcPts val="0"/>
+              </a:spcAft>
+              <a:buClrTx/>
+              <a:buSzTx/>
+              <a:buFontTx/>
+              <a:buNone/>
+              <a:tabLst/>
+              <a:defRPr/>
+            </a:pPr>
+            <a:r>
+              <a:rPr kumimoji="0" lang="en-DK" sz="1100" b="0" i="0" u="none" strike="noStrike" kern="1200" cap="none" spc="0" normalizeH="0" baseline="0" noProof="0" dirty="0">
+                <a:ln>
+                  <a:noFill/>
+                </a:ln>
+                <a:solidFill>
+                  <a:srgbClr val="000000"/>
+                </a:solidFill>
+                <a:effectLst/>
+                <a:uLnTx/>
+                <a:uFillTx/>
+                <a:latin typeface="Arial"/>
+                <a:ea typeface="+mn-ea"/>
+                <a:cs typeface="+mn-cs"/>
+              </a:rPr>
+              <a:t>b)</a:t>
+            </a:r>
+          </a:p>
+        </p:txBody>
+      </p:sp>
+      <p:sp>
+        <p:nvSpPr>
+          <p:cNvPr id="68" name="TextBox 67">
+            <a:extLst>
+              <a:ext uri="{FF2B5EF4-FFF2-40B4-BE49-F238E27FC236}">
+                <a16:creationId xmlns:a16="http://schemas.microsoft.com/office/drawing/2014/main" id="{C6656B4E-D452-4E1C-91FE-245F0C8B23C1}"/>
+              </a:ext>
+            </a:extLst>
+          </p:cNvPr>
+          <p:cNvSpPr txBox="1"/>
+          <p:nvPr/>
+        </p:nvSpPr>
+        <p:spPr>
+          <a:xfrm>
+            <a:off x="1288837" y="3835181"/>
+            <a:ext cx="125034" cy="169277"/>
+          </a:xfrm>
+          <a:prstGeom prst="rect">
+            <a:avLst/>
+          </a:prstGeom>
+          <a:noFill/>
+        </p:spPr>
+        <p:txBody>
+          <a:bodyPr wrap="none" lIns="0" tIns="0" rIns="0" bIns="0" rtlCol="0">
+            <a:spAutoFit/>
+          </a:bodyPr>
+          <a:lstStyle/>
+          <a:p>
+            <a:pPr marL="0" marR="0" lvl="0" indent="0" algn="l" defTabSz="914400" rtl="0" eaLnBrk="1" fontAlgn="auto" latinLnBrk="0" hangingPunct="1">
+              <a:lnSpc>
+                <a:spcPct val="100000"/>
+              </a:lnSpc>
+              <a:spcBef>
+                <a:spcPts val="432"/>
+              </a:spcBef>
+              <a:spcAft>
+                <a:spcPts val="0"/>
+              </a:spcAft>
+              <a:buClrTx/>
+              <a:buSzTx/>
+              <a:buFontTx/>
+              <a:buNone/>
+              <a:tabLst/>
+              <a:defRPr/>
+            </a:pPr>
+            <a:r>
+              <a:rPr lang="en-DK" sz="1100" dirty="0">
+                <a:solidFill>
+                  <a:srgbClr val="000000"/>
+                </a:solidFill>
+                <a:latin typeface="Arial"/>
+              </a:rPr>
+              <a:t>e</a:t>
+            </a:r>
+            <a:r>
+              <a:rPr kumimoji="0" lang="en-DK" sz="1100" b="0" i="0" u="none" strike="noStrike" kern="1200" cap="none" spc="0" normalizeH="0" baseline="0" noProof="0" dirty="0">
+                <a:ln>
+                  <a:noFill/>
+                </a:ln>
+                <a:solidFill>
+                  <a:srgbClr val="000000"/>
+                </a:solidFill>
+                <a:effectLst/>
+                <a:uLnTx/>
+                <a:uFillTx/>
+                <a:latin typeface="Arial"/>
+                <a:ea typeface="+mn-ea"/>
+                <a:cs typeface="+mn-cs"/>
+              </a:rPr>
+              <a:t>)</a:t>
+            </a:r>
+          </a:p>
+        </p:txBody>
+      </p:sp>
+      <p:pic>
+        <p:nvPicPr>
+          <p:cNvPr id="14" name="Picture 13">
+            <a:extLst>
+              <a:ext uri="{FF2B5EF4-FFF2-40B4-BE49-F238E27FC236}">
+                <a16:creationId xmlns:a16="http://schemas.microsoft.com/office/drawing/2014/main" id="{EE220B0C-0A14-263B-42DC-473EFE6C1FBC}"/>
+              </a:ext>
+            </a:extLst>
+          </p:cNvPr>
+          <p:cNvPicPr>
+            <a:picLocks noChangeAspect="1"/>
+          </p:cNvPicPr>
+          <p:nvPr/>
+        </p:nvPicPr>
+        <p:blipFill>
+          <a:blip r:embed="rId6"/>
+          <a:srcRect r="8651" b="11174"/>
+          <a:stretch>
+            <a:fillRect/>
+          </a:stretch>
+        </p:blipFill>
+        <p:spPr>
+          <a:xfrm>
+            <a:off x="5954025" y="1324275"/>
+            <a:ext cx="2439202" cy="2371827"/>
+          </a:xfrm>
+          <a:prstGeom prst="rect">
+            <a:avLst/>
+          </a:prstGeom>
+        </p:spPr>
+      </p:pic>
+      <p:sp>
+        <p:nvSpPr>
+          <p:cNvPr id="67" name="TextBox 66">
+            <a:extLst>
+              <a:ext uri="{FF2B5EF4-FFF2-40B4-BE49-F238E27FC236}">
+                <a16:creationId xmlns:a16="http://schemas.microsoft.com/office/drawing/2014/main" id="{55A6A2A9-C6B5-774E-9719-EECEC2AFEB43}"/>
+              </a:ext>
+            </a:extLst>
+          </p:cNvPr>
+          <p:cNvSpPr txBox="1"/>
+          <p:nvPr/>
+        </p:nvSpPr>
+        <p:spPr>
+          <a:xfrm>
+            <a:off x="6142062" y="1496237"/>
+            <a:ext cx="117020" cy="169277"/>
+          </a:xfrm>
+          <a:prstGeom prst="rect">
+            <a:avLst/>
+          </a:prstGeom>
+          <a:noFill/>
+        </p:spPr>
+        <p:txBody>
+          <a:bodyPr wrap="none" lIns="0" tIns="0" rIns="0" bIns="0" rtlCol="0">
+            <a:spAutoFit/>
+          </a:bodyPr>
+          <a:lstStyle/>
+          <a:p>
+            <a:pPr marL="0" marR="0" lvl="0" indent="0" algn="l" defTabSz="914400" rtl="0" eaLnBrk="1" fontAlgn="auto" latinLnBrk="0" hangingPunct="1">
+              <a:lnSpc>
+                <a:spcPct val="100000"/>
+              </a:lnSpc>
+              <a:spcBef>
+                <a:spcPts val="432"/>
+              </a:spcBef>
+              <a:spcAft>
+                <a:spcPts val="0"/>
+              </a:spcAft>
+              <a:buClrTx/>
+              <a:buSzTx/>
+              <a:buFontTx/>
+              <a:buNone/>
+              <a:tabLst/>
+              <a:defRPr/>
+            </a:pPr>
+            <a:r>
+              <a:rPr kumimoji="0" lang="en-DK" sz="1100" b="0" i="0" u="none" strike="noStrike" kern="1200" cap="none" spc="0" normalizeH="0" baseline="0" noProof="0" dirty="0">
+                <a:ln>
+                  <a:noFill/>
+                </a:ln>
+                <a:solidFill>
+                  <a:srgbClr val="000000"/>
+                </a:solidFill>
+                <a:effectLst/>
+                <a:uLnTx/>
+                <a:uFillTx/>
+                <a:latin typeface="Arial"/>
+                <a:ea typeface="+mn-ea"/>
+                <a:cs typeface="+mn-cs"/>
+              </a:rPr>
+              <a:t>c)</a:t>
+            </a:r>
+          </a:p>
+        </p:txBody>
+      </p:sp>
+      <p:sp>
+        <p:nvSpPr>
+          <p:cNvPr id="16" name="TextBox 15">
+            <a:extLst>
+              <a:ext uri="{FF2B5EF4-FFF2-40B4-BE49-F238E27FC236}">
+                <a16:creationId xmlns:a16="http://schemas.microsoft.com/office/drawing/2014/main" id="{1CD52692-04F1-F42F-5F15-BDC130C417F0}"/>
+              </a:ext>
+            </a:extLst>
+          </p:cNvPr>
+          <p:cNvSpPr txBox="1"/>
+          <p:nvPr/>
+        </p:nvSpPr>
+        <p:spPr>
+          <a:xfrm>
+            <a:off x="6157616" y="3823952"/>
+            <a:ext cx="125034" cy="169277"/>
+          </a:xfrm>
+          <a:prstGeom prst="rect">
+            <a:avLst/>
+          </a:prstGeom>
+          <a:noFill/>
+        </p:spPr>
+        <p:txBody>
+          <a:bodyPr wrap="none" lIns="0" tIns="0" rIns="0" bIns="0" rtlCol="0">
+            <a:spAutoFit/>
+          </a:bodyPr>
+          <a:lstStyle/>
+          <a:p>
+            <a:pPr marL="0" marR="0" lvl="0" indent="0" algn="l" defTabSz="914400" rtl="0" eaLnBrk="1" fontAlgn="auto" latinLnBrk="0" hangingPunct="1">
+              <a:lnSpc>
+                <a:spcPct val="100000"/>
+              </a:lnSpc>
+              <a:spcBef>
+                <a:spcPts val="432"/>
+              </a:spcBef>
+              <a:spcAft>
+                <a:spcPts val="0"/>
+              </a:spcAft>
+              <a:buClrTx/>
+              <a:buSzTx/>
+              <a:buFontTx/>
+              <a:buNone/>
+              <a:tabLst/>
+              <a:defRPr/>
+            </a:pPr>
+            <a:r>
+              <a:rPr kumimoji="0" lang="en-DK" sz="1100" b="0" i="0" u="none" strike="noStrike" kern="1200" cap="none" spc="0" normalizeH="0" baseline="0" noProof="0" dirty="0">
+                <a:ln>
+                  <a:noFill/>
+                </a:ln>
+                <a:solidFill>
+                  <a:srgbClr val="000000"/>
+                </a:solidFill>
+                <a:effectLst/>
+                <a:uLnTx/>
+                <a:uFillTx/>
+                <a:latin typeface="Arial"/>
+                <a:ea typeface="+mn-ea"/>
+                <a:cs typeface="+mn-cs"/>
+              </a:rPr>
+              <a:t>g)</a:t>
+            </a:r>
+          </a:p>
+        </p:txBody>
+      </p:sp>
+      <p:pic>
+        <p:nvPicPr>
+          <p:cNvPr id="23" name="Picture 22">
+            <a:extLst>
+              <a:ext uri="{FF2B5EF4-FFF2-40B4-BE49-F238E27FC236}">
+                <a16:creationId xmlns:a16="http://schemas.microsoft.com/office/drawing/2014/main" id="{BA2DE84C-BC15-CAFB-712B-FCB68FAADFE9}"/>
+              </a:ext>
+            </a:extLst>
+          </p:cNvPr>
+          <p:cNvPicPr>
+            <a:picLocks noChangeAspect="1"/>
+          </p:cNvPicPr>
+          <p:nvPr/>
+        </p:nvPicPr>
+        <p:blipFill>
+          <a:blip r:embed="rId7"/>
+          <a:srcRect l="8687" t="6734" r="6647" b="10350"/>
+          <a:stretch>
+            <a:fillRect/>
+          </a:stretch>
+        </p:blipFill>
+        <p:spPr>
+          <a:xfrm>
+            <a:off x="3715350" y="3850105"/>
+            <a:ext cx="2290001" cy="2242686"/>
+          </a:xfrm>
+          <a:prstGeom prst="rect">
+            <a:avLst/>
+          </a:prstGeom>
+        </p:spPr>
+      </p:pic>
+      <p:sp>
+        <p:nvSpPr>
+          <p:cNvPr id="15" name="TextBox 14">
+            <a:extLst>
+              <a:ext uri="{FF2B5EF4-FFF2-40B4-BE49-F238E27FC236}">
+                <a16:creationId xmlns:a16="http://schemas.microsoft.com/office/drawing/2014/main" id="{F253ADAB-595E-766B-EF17-C72E334DF34F}"/>
+              </a:ext>
+            </a:extLst>
+          </p:cNvPr>
+          <p:cNvSpPr txBox="1"/>
+          <p:nvPr/>
+        </p:nvSpPr>
+        <p:spPr>
+          <a:xfrm>
+            <a:off x="3760926" y="3833577"/>
+            <a:ext cx="84960" cy="169277"/>
+          </a:xfrm>
+          <a:prstGeom prst="rect">
+            <a:avLst/>
+          </a:prstGeom>
+          <a:noFill/>
+        </p:spPr>
+        <p:txBody>
+          <a:bodyPr wrap="none" lIns="0" tIns="0" rIns="0" bIns="0" rtlCol="0">
+            <a:spAutoFit/>
+          </a:bodyPr>
+          <a:lstStyle/>
+          <a:p>
+            <a:pPr marL="0" marR="0" lvl="0" indent="0" algn="l" defTabSz="914400" rtl="0" eaLnBrk="1" fontAlgn="auto" latinLnBrk="0" hangingPunct="1">
+              <a:lnSpc>
+                <a:spcPct val="100000"/>
+              </a:lnSpc>
+              <a:spcBef>
+                <a:spcPts val="432"/>
+              </a:spcBef>
+              <a:spcAft>
+                <a:spcPts val="0"/>
+              </a:spcAft>
+              <a:buClrTx/>
+              <a:buSzTx/>
+              <a:buFontTx/>
+              <a:buNone/>
+              <a:tabLst/>
+              <a:defRPr/>
+            </a:pPr>
+            <a:r>
+              <a:rPr kumimoji="0" lang="en-DK" sz="1100" b="0" i="0" u="none" strike="noStrike" kern="1200" cap="none" spc="0" normalizeH="0" baseline="0" noProof="0" dirty="0">
+                <a:ln>
+                  <a:noFill/>
+                </a:ln>
+                <a:solidFill>
+                  <a:srgbClr val="000000"/>
+                </a:solidFill>
+                <a:effectLst/>
+                <a:uLnTx/>
+                <a:uFillTx/>
+                <a:latin typeface="Arial"/>
+                <a:ea typeface="+mn-ea"/>
+                <a:cs typeface="+mn-cs"/>
+              </a:rPr>
+              <a:t>f)</a:t>
+            </a:r>
+          </a:p>
+        </p:txBody>
+      </p:sp>
+      <p:pic>
+        <p:nvPicPr>
+          <p:cNvPr id="27" name="Picture 26">
+            <a:extLst>
+              <a:ext uri="{FF2B5EF4-FFF2-40B4-BE49-F238E27FC236}">
+                <a16:creationId xmlns:a16="http://schemas.microsoft.com/office/drawing/2014/main" id="{7114B075-6843-67A9-232E-F43AA9B28A69}"/>
+              </a:ext>
+            </a:extLst>
+          </p:cNvPr>
+          <p:cNvPicPr>
+            <a:picLocks noChangeAspect="1"/>
+          </p:cNvPicPr>
+          <p:nvPr/>
+        </p:nvPicPr>
+        <p:blipFill>
+          <a:blip r:embed="rId8"/>
+          <a:srcRect l="4251" t="5577" r="8200" b="12663"/>
+          <a:stretch>
+            <a:fillRect/>
+          </a:stretch>
+        </p:blipFill>
+        <p:spPr>
+          <a:xfrm>
+            <a:off x="8431727" y="1472665"/>
+            <a:ext cx="2329313" cy="2175309"/>
+          </a:xfrm>
+          <a:prstGeom prst="rect">
+            <a:avLst/>
+          </a:prstGeom>
+        </p:spPr>
+      </p:pic>
+      <p:pic>
+        <p:nvPicPr>
+          <p:cNvPr id="25" name="Picture 24">
+            <a:extLst>
+              <a:ext uri="{FF2B5EF4-FFF2-40B4-BE49-F238E27FC236}">
+                <a16:creationId xmlns:a16="http://schemas.microsoft.com/office/drawing/2014/main" id="{87C4FF51-484B-0737-E7FC-9AF86B4994C3}"/>
+              </a:ext>
+            </a:extLst>
+          </p:cNvPr>
+          <p:cNvPicPr>
+            <a:picLocks noChangeAspect="1"/>
+          </p:cNvPicPr>
+          <p:nvPr/>
+        </p:nvPicPr>
+        <p:blipFill>
+          <a:blip r:embed="rId9"/>
+          <a:srcRect l="9677" t="6301" r="6754" b="12300"/>
+          <a:stretch>
+            <a:fillRect/>
+          </a:stretch>
+        </p:blipFill>
+        <p:spPr>
+          <a:xfrm>
+            <a:off x="8566481" y="3859731"/>
+            <a:ext cx="2223436" cy="2165684"/>
+          </a:xfrm>
+          <a:prstGeom prst="rect">
+            <a:avLst/>
+          </a:prstGeom>
+        </p:spPr>
+      </p:pic>
       <p:cxnSp>
         <p:nvCxnSpPr>
-          <p:cNvPr id="72" name="Straight Connector 71">
-            <a:extLst>
-              <a:ext uri="{FF2B5EF4-FFF2-40B4-BE49-F238E27FC236}">
-                <a16:creationId xmlns:a16="http://schemas.microsoft.com/office/drawing/2014/main" id="{5A2D55D1-77AB-B3D5-3551-11592AF81B5D}"/>
+          <p:cNvPr id="74" name="Straight Connector 73">
+            <a:extLst>
+              <a:ext uri="{FF2B5EF4-FFF2-40B4-BE49-F238E27FC236}">
+                <a16:creationId xmlns:a16="http://schemas.microsoft.com/office/drawing/2014/main" id="{2B8B6FB8-6DE2-BED7-528E-1F91E6C83E49}"/>
               </a:ext>
             </a:extLst>
           </p:cNvPr>
@@ -12466,8 +12752,8 @@
         </p:nvCxnSpPr>
         <p:spPr bwMode="auto">
           <a:xfrm>
-            <a:off x="13081149" y="1645920"/>
-            <a:ext cx="0" cy="4825604"/>
+            <a:off x="12074754" y="919074"/>
+            <a:ext cx="3657600" cy="0"/>
           </a:xfrm>
           <a:prstGeom prst="line">
             <a:avLst/>
@@ -12498,223 +12784,12 @@
           </a:extLst>
         </p:spPr>
       </p:cxnSp>
-      <p:sp>
-        <p:nvSpPr>
-          <p:cNvPr id="6" name="TextBox 5">
-            <a:extLst>
-              <a:ext uri="{FF2B5EF4-FFF2-40B4-BE49-F238E27FC236}">
-                <a16:creationId xmlns:a16="http://schemas.microsoft.com/office/drawing/2014/main" id="{A7E9B3CC-F19C-1CB3-33E2-183333DE650F}"/>
-              </a:ext>
-            </a:extLst>
-          </p:cNvPr>
-          <p:cNvSpPr txBox="1"/>
-          <p:nvPr/>
-        </p:nvSpPr>
-        <p:spPr>
-          <a:xfrm>
-            <a:off x="1084729" y="475129"/>
-            <a:ext cx="859210" cy="276999"/>
-          </a:xfrm>
-          <a:prstGeom prst="rect">
-            <a:avLst/>
-          </a:prstGeom>
-          <a:noFill/>
-        </p:spPr>
-        <p:txBody>
-          <a:bodyPr wrap="none" lIns="0" tIns="0" rIns="0" bIns="0" rtlCol="0">
-            <a:spAutoFit/>
-          </a:bodyPr>
-          <a:lstStyle/>
-          <a:p>
-            <a:pPr marL="0" marR="0" lvl="0" indent="0" algn="l" defTabSz="914400" rtl="0" eaLnBrk="1" fontAlgn="auto" latinLnBrk="0" hangingPunct="1">
-              <a:lnSpc>
-                <a:spcPct val="100000"/>
-              </a:lnSpc>
-              <a:spcBef>
-                <a:spcPts val="432"/>
-              </a:spcBef>
-              <a:spcAft>
-                <a:spcPts val="0"/>
-              </a:spcAft>
-              <a:buClrTx/>
-              <a:buSzTx/>
-              <a:buFontTx/>
-              <a:buNone/>
-              <a:tabLst/>
-              <a:defRPr/>
-            </a:pPr>
-            <a:r>
-              <a:rPr kumimoji="0" lang="en-DK" sz="1800" b="0" i="0" u="none" strike="noStrike" kern="1200" cap="none" spc="0" normalizeH="0" baseline="0" noProof="0" dirty="0">
-                <a:ln>
-                  <a:noFill/>
-                </a:ln>
-                <a:solidFill>
-                  <a:srgbClr val="000000"/>
-                </a:solidFill>
-                <a:effectLst/>
-                <a:uLnTx/>
-                <a:uFillTx/>
-                <a:latin typeface="Arial"/>
-                <a:ea typeface="+mn-ea"/>
-                <a:cs typeface="+mn-cs"/>
-              </a:rPr>
-              <a:t>SI figure</a:t>
-            </a:r>
-          </a:p>
-        </p:txBody>
-      </p:sp>
-      <p:pic>
-        <p:nvPicPr>
-          <p:cNvPr id="20" name="Picture 19">
-            <a:extLst>
-              <a:ext uri="{FF2B5EF4-FFF2-40B4-BE49-F238E27FC236}">
-                <a16:creationId xmlns:a16="http://schemas.microsoft.com/office/drawing/2014/main" id="{51DFC1A8-9DC4-4AE7-A7D2-F4F3F42BFC0D}"/>
-              </a:ext>
-            </a:extLst>
-          </p:cNvPr>
-          <p:cNvPicPr>
-            <a:picLocks noChangeAspect="1"/>
-          </p:cNvPicPr>
-          <p:nvPr/>
-        </p:nvPicPr>
-        <p:blipFill>
-          <a:blip r:embed="rId3"/>
-          <a:stretch>
-            <a:fillRect/>
-          </a:stretch>
-        </p:blipFill>
-        <p:spPr>
-          <a:xfrm>
-            <a:off x="1138635" y="3928675"/>
-            <a:ext cx="2286000" cy="2286000"/>
-          </a:xfrm>
-          <a:prstGeom prst="rect">
-            <a:avLst/>
-          </a:prstGeom>
-        </p:spPr>
-      </p:pic>
-      <p:sp>
-        <p:nvSpPr>
-          <p:cNvPr id="68" name="TextBox 67">
-            <a:extLst>
-              <a:ext uri="{FF2B5EF4-FFF2-40B4-BE49-F238E27FC236}">
-                <a16:creationId xmlns:a16="http://schemas.microsoft.com/office/drawing/2014/main" id="{066ED5DF-F98A-101E-9F10-D316644F8BF0}"/>
-              </a:ext>
-            </a:extLst>
-          </p:cNvPr>
-          <p:cNvSpPr txBox="1"/>
-          <p:nvPr/>
-        </p:nvSpPr>
-        <p:spPr>
-          <a:xfrm>
-            <a:off x="1272059" y="3910683"/>
-            <a:ext cx="125034" cy="169277"/>
-          </a:xfrm>
-          <a:prstGeom prst="rect">
-            <a:avLst/>
-          </a:prstGeom>
-          <a:noFill/>
-        </p:spPr>
-        <p:txBody>
-          <a:bodyPr wrap="none" lIns="0" tIns="0" rIns="0" bIns="0" rtlCol="0">
-            <a:spAutoFit/>
-          </a:bodyPr>
-          <a:lstStyle/>
-          <a:p>
-            <a:pPr marL="0" marR="0" lvl="0" indent="0" algn="l" defTabSz="914400" rtl="0" eaLnBrk="1" fontAlgn="auto" latinLnBrk="0" hangingPunct="1">
-              <a:lnSpc>
-                <a:spcPct val="100000"/>
-              </a:lnSpc>
-              <a:spcBef>
-                <a:spcPts val="432"/>
-              </a:spcBef>
-              <a:spcAft>
-                <a:spcPts val="0"/>
-              </a:spcAft>
-              <a:buClrTx/>
-              <a:buSzTx/>
-              <a:buFontTx/>
-              <a:buNone/>
-              <a:tabLst/>
-              <a:defRPr/>
-            </a:pPr>
-            <a:r>
-              <a:rPr lang="en-DK" sz="1100" dirty="0">
-                <a:solidFill>
-                  <a:srgbClr val="000000"/>
-                </a:solidFill>
-                <a:latin typeface="Arial"/>
-              </a:rPr>
-              <a:t>e</a:t>
-            </a:r>
-            <a:r>
-              <a:rPr kumimoji="0" lang="en-DK" sz="1100" b="0" i="0" u="none" strike="noStrike" kern="1200" cap="none" spc="0" normalizeH="0" baseline="0" noProof="0" dirty="0">
-                <a:ln>
-                  <a:noFill/>
-                </a:ln>
-                <a:solidFill>
-                  <a:srgbClr val="000000"/>
-                </a:solidFill>
-                <a:effectLst/>
-                <a:uLnTx/>
-                <a:uFillTx/>
-                <a:latin typeface="Arial"/>
-                <a:ea typeface="+mn-ea"/>
-                <a:cs typeface="+mn-cs"/>
-              </a:rPr>
-              <a:t>)</a:t>
-            </a:r>
-          </a:p>
-        </p:txBody>
-      </p:sp>
-      <p:sp>
-        <p:nvSpPr>
-          <p:cNvPr id="33" name="TextBox 32">
-            <a:extLst>
-              <a:ext uri="{FF2B5EF4-FFF2-40B4-BE49-F238E27FC236}">
-                <a16:creationId xmlns:a16="http://schemas.microsoft.com/office/drawing/2014/main" id="{B86612CF-EE64-84A8-49E3-737EB0AF78FF}"/>
-              </a:ext>
-            </a:extLst>
-          </p:cNvPr>
-          <p:cNvSpPr txBox="1"/>
-          <p:nvPr/>
-        </p:nvSpPr>
-        <p:spPr>
-          <a:xfrm>
-            <a:off x="6678417" y="519532"/>
-            <a:ext cx="2667462" cy="276999"/>
-          </a:xfrm>
-          <a:prstGeom prst="rect">
-            <a:avLst/>
-          </a:prstGeom>
-          <a:noFill/>
-        </p:spPr>
-        <p:txBody>
-          <a:bodyPr wrap="none" lIns="0" tIns="0" rIns="0" bIns="0" rtlCol="0">
-            <a:spAutoFit/>
-          </a:bodyPr>
-          <a:lstStyle/>
-          <a:p>
-            <a:pPr algn="l">
-              <a:spcBef>
-                <a:spcPts val="432"/>
-              </a:spcBef>
-            </a:pPr>
-            <a:r>
-              <a:rPr lang="en-DK" dirty="0">
-                <a:latin typeface="+mn-lt"/>
-              </a:rPr>
-              <a:t>Vojvodic 2014 parameters</a:t>
-            </a:r>
-          </a:p>
-        </p:txBody>
-      </p:sp>
       <p:cxnSp>
         <p:nvCxnSpPr>
           <p:cNvPr id="70" name="Straight Connector 69">
             <a:extLst>
               <a:ext uri="{FF2B5EF4-FFF2-40B4-BE49-F238E27FC236}">
-                <a16:creationId xmlns:a16="http://schemas.microsoft.com/office/drawing/2014/main" id="{0721840A-ED52-716F-B7B9-A21D9706E046}"/>
+                <a16:creationId xmlns:a16="http://schemas.microsoft.com/office/drawing/2014/main" id="{63A33EBD-0421-6653-3C1F-7F4E48B0CB5C}"/>
               </a:ext>
             </a:extLst>
           </p:cNvPr>
@@ -12723,7 +12798,7 @@
         </p:nvCxnSpPr>
         <p:spPr bwMode="auto">
           <a:xfrm>
-            <a:off x="1120120" y="1225621"/>
+            <a:off x="709061" y="906840"/>
             <a:ext cx="8547234" cy="0"/>
           </a:xfrm>
           <a:prstGeom prst="line">
@@ -12757,10 +12832,10 @@
       </p:cxnSp>
       <p:cxnSp>
         <p:nvCxnSpPr>
-          <p:cNvPr id="73" name="Straight Connector 72">
-            <a:extLst>
-              <a:ext uri="{FF2B5EF4-FFF2-40B4-BE49-F238E27FC236}">
-                <a16:creationId xmlns:a16="http://schemas.microsoft.com/office/drawing/2014/main" id="{8CA13391-A333-981D-A1D6-394B71DDE948}"/>
+          <p:cNvPr id="72" name="Straight Connector 71">
+            <a:extLst>
+              <a:ext uri="{FF2B5EF4-FFF2-40B4-BE49-F238E27FC236}">
+                <a16:creationId xmlns:a16="http://schemas.microsoft.com/office/drawing/2014/main" id="{ED330EF7-55DE-77DA-9003-8AD76E57D015}"/>
               </a:ext>
             </a:extLst>
           </p:cNvPr>
@@ -12769,8 +12844,8 @@
         </p:nvCxnSpPr>
         <p:spPr bwMode="auto">
           <a:xfrm>
-            <a:off x="11306522" y="1662943"/>
-            <a:ext cx="0" cy="3045349"/>
+            <a:off x="13081149" y="1645920"/>
+            <a:ext cx="0" cy="4825604"/>
           </a:xfrm>
           <a:prstGeom prst="line">
             <a:avLst/>
@@ -12801,6 +12876,902 @@
           </a:extLst>
         </p:spPr>
       </p:cxnSp>
+      <p:sp>
+        <p:nvSpPr>
+          <p:cNvPr id="29" name="TextBox 28">
+            <a:extLst>
+              <a:ext uri="{FF2B5EF4-FFF2-40B4-BE49-F238E27FC236}">
+                <a16:creationId xmlns:a16="http://schemas.microsoft.com/office/drawing/2014/main" id="{24EF3856-111B-31FF-26FB-F978723CC65D}"/>
+              </a:ext>
+            </a:extLst>
+          </p:cNvPr>
+          <p:cNvSpPr txBox="1"/>
+          <p:nvPr/>
+        </p:nvSpPr>
+        <p:spPr>
+          <a:xfrm>
+            <a:off x="8496554" y="1504262"/>
+            <a:ext cx="125034" cy="169277"/>
+          </a:xfrm>
+          <a:prstGeom prst="rect">
+            <a:avLst/>
+          </a:prstGeom>
+          <a:noFill/>
+        </p:spPr>
+        <p:txBody>
+          <a:bodyPr wrap="none" lIns="0" tIns="0" rIns="0" bIns="0" rtlCol="0">
+            <a:spAutoFit/>
+          </a:bodyPr>
+          <a:lstStyle/>
+          <a:p>
+            <a:pPr marL="0" marR="0" lvl="0" indent="0" algn="l" defTabSz="914400" rtl="0" eaLnBrk="1" fontAlgn="auto" latinLnBrk="0" hangingPunct="1">
+              <a:lnSpc>
+                <a:spcPct val="100000"/>
+              </a:lnSpc>
+              <a:spcBef>
+                <a:spcPts val="432"/>
+              </a:spcBef>
+              <a:spcAft>
+                <a:spcPts val="0"/>
+              </a:spcAft>
+              <a:buClrTx/>
+              <a:buSzTx/>
+              <a:buFontTx/>
+              <a:buNone/>
+              <a:tabLst/>
+              <a:defRPr/>
+            </a:pPr>
+            <a:r>
+              <a:rPr kumimoji="0" lang="en-DK" sz="1100" b="0" i="0" u="none" strike="noStrike" kern="1200" cap="none" spc="0" normalizeH="0" baseline="0" noProof="0" dirty="0">
+                <a:ln>
+                  <a:noFill/>
+                </a:ln>
+                <a:solidFill>
+                  <a:srgbClr val="000000"/>
+                </a:solidFill>
+                <a:effectLst/>
+                <a:uLnTx/>
+                <a:uFillTx/>
+                <a:latin typeface="Arial"/>
+                <a:ea typeface="+mn-ea"/>
+                <a:cs typeface="+mn-cs"/>
+              </a:rPr>
+              <a:t>d)</a:t>
+            </a:r>
+          </a:p>
+        </p:txBody>
+      </p:sp>
+      <p:sp>
+        <p:nvSpPr>
+          <p:cNvPr id="30" name="TextBox 29">
+            <a:extLst>
+              <a:ext uri="{FF2B5EF4-FFF2-40B4-BE49-F238E27FC236}">
+                <a16:creationId xmlns:a16="http://schemas.microsoft.com/office/drawing/2014/main" id="{1EE85D7C-DC56-FCCF-D55B-E7BA0AAAE587}"/>
+              </a:ext>
+            </a:extLst>
+          </p:cNvPr>
+          <p:cNvSpPr txBox="1"/>
+          <p:nvPr/>
+        </p:nvSpPr>
+        <p:spPr>
+          <a:xfrm>
+            <a:off x="8573557" y="3833577"/>
+            <a:ext cx="125034" cy="169277"/>
+          </a:xfrm>
+          <a:prstGeom prst="rect">
+            <a:avLst/>
+          </a:prstGeom>
+          <a:noFill/>
+        </p:spPr>
+        <p:txBody>
+          <a:bodyPr wrap="none" lIns="0" tIns="0" rIns="0" bIns="0" rtlCol="0">
+            <a:spAutoFit/>
+          </a:bodyPr>
+          <a:lstStyle/>
+          <a:p>
+            <a:pPr marL="0" marR="0" lvl="0" indent="0" algn="l" defTabSz="914400" rtl="0" eaLnBrk="1" fontAlgn="auto" latinLnBrk="0" hangingPunct="1">
+              <a:lnSpc>
+                <a:spcPct val="100000"/>
+              </a:lnSpc>
+              <a:spcBef>
+                <a:spcPts val="432"/>
+              </a:spcBef>
+              <a:spcAft>
+                <a:spcPts val="0"/>
+              </a:spcAft>
+              <a:buClrTx/>
+              <a:buSzTx/>
+              <a:buFontTx/>
+              <a:buNone/>
+              <a:tabLst/>
+              <a:defRPr/>
+            </a:pPr>
+            <a:r>
+              <a:rPr lang="en-DK" sz="1100" dirty="0">
+                <a:solidFill>
+                  <a:srgbClr val="000000"/>
+                </a:solidFill>
+                <a:latin typeface="Arial"/>
+              </a:rPr>
+              <a:t>h</a:t>
+            </a:r>
+            <a:r>
+              <a:rPr kumimoji="0" lang="en-DK" sz="1100" b="0" i="0" u="none" strike="noStrike" kern="1200" cap="none" spc="0" normalizeH="0" baseline="0" noProof="0" dirty="0">
+                <a:ln>
+                  <a:noFill/>
+                </a:ln>
+                <a:solidFill>
+                  <a:srgbClr val="000000"/>
+                </a:solidFill>
+                <a:effectLst/>
+                <a:uLnTx/>
+                <a:uFillTx/>
+                <a:latin typeface="Arial"/>
+                <a:ea typeface="+mn-ea"/>
+                <a:cs typeface="+mn-cs"/>
+              </a:rPr>
+              <a:t>)</a:t>
+            </a:r>
+          </a:p>
+        </p:txBody>
+      </p:sp>
+      <p:sp>
+        <p:nvSpPr>
+          <p:cNvPr id="6" name="TextBox 5">
+            <a:extLst>
+              <a:ext uri="{FF2B5EF4-FFF2-40B4-BE49-F238E27FC236}">
+                <a16:creationId xmlns:a16="http://schemas.microsoft.com/office/drawing/2014/main" id="{87655169-7DCA-904E-A3A6-6354848CF411}"/>
+              </a:ext>
+            </a:extLst>
+          </p:cNvPr>
+          <p:cNvSpPr txBox="1"/>
+          <p:nvPr/>
+        </p:nvSpPr>
+        <p:spPr>
+          <a:xfrm>
+            <a:off x="1084729" y="475129"/>
+            <a:ext cx="859210" cy="276999"/>
+          </a:xfrm>
+          <a:prstGeom prst="rect">
+            <a:avLst/>
+          </a:prstGeom>
+          <a:noFill/>
+        </p:spPr>
+        <p:txBody>
+          <a:bodyPr wrap="none" lIns="0" tIns="0" rIns="0" bIns="0" rtlCol="0">
+            <a:spAutoFit/>
+          </a:bodyPr>
+          <a:lstStyle/>
+          <a:p>
+            <a:pPr marL="0" marR="0" lvl="0" indent="0" algn="l" defTabSz="914400" rtl="0" eaLnBrk="1" fontAlgn="auto" latinLnBrk="0" hangingPunct="1">
+              <a:lnSpc>
+                <a:spcPct val="100000"/>
+              </a:lnSpc>
+              <a:spcBef>
+                <a:spcPts val="432"/>
+              </a:spcBef>
+              <a:spcAft>
+                <a:spcPts val="0"/>
+              </a:spcAft>
+              <a:buClrTx/>
+              <a:buSzTx/>
+              <a:buFontTx/>
+              <a:buNone/>
+              <a:tabLst/>
+              <a:defRPr/>
+            </a:pPr>
+            <a:r>
+              <a:rPr kumimoji="0" lang="en-DK" sz="1800" b="0" i="0" u="none" strike="noStrike" kern="1200" cap="none" spc="0" normalizeH="0" baseline="0" noProof="0" dirty="0">
+                <a:ln>
+                  <a:noFill/>
+                </a:ln>
+                <a:solidFill>
+                  <a:srgbClr val="000000"/>
+                </a:solidFill>
+                <a:effectLst/>
+                <a:uLnTx/>
+                <a:uFillTx/>
+                <a:latin typeface="Arial"/>
+                <a:ea typeface="+mn-ea"/>
+                <a:cs typeface="+mn-cs"/>
+              </a:rPr>
+              <a:t>SI figure</a:t>
+            </a:r>
+          </a:p>
+        </p:txBody>
+      </p:sp>
+      <p:sp>
+        <p:nvSpPr>
+          <p:cNvPr id="4" name="TextBox 3">
+            <a:extLst>
+              <a:ext uri="{FF2B5EF4-FFF2-40B4-BE49-F238E27FC236}">
+                <a16:creationId xmlns:a16="http://schemas.microsoft.com/office/drawing/2014/main" id="{B4A5246B-234C-661F-139D-8EC6916B08A3}"/>
+              </a:ext>
+            </a:extLst>
+          </p:cNvPr>
+          <p:cNvSpPr txBox="1"/>
+          <p:nvPr/>
+        </p:nvSpPr>
+        <p:spPr>
+          <a:xfrm>
+            <a:off x="6687880" y="563526"/>
+            <a:ext cx="2244204" cy="605294"/>
+          </a:xfrm>
+          <a:prstGeom prst="rect">
+            <a:avLst/>
+          </a:prstGeom>
+          <a:noFill/>
+        </p:spPr>
+        <p:txBody>
+          <a:bodyPr wrap="none" lIns="0" tIns="0" rIns="0" bIns="0" rtlCol="0">
+            <a:spAutoFit/>
+          </a:bodyPr>
+          <a:lstStyle/>
+          <a:p>
+            <a:pPr algn="l">
+              <a:spcBef>
+                <a:spcPts val="432"/>
+              </a:spcBef>
+            </a:pPr>
+            <a:r>
+              <a:rPr lang="en-DK" dirty="0">
+                <a:latin typeface="+mn-lt"/>
+              </a:rPr>
+              <a:t>HammerNorskov2000</a:t>
+            </a:r>
+          </a:p>
+          <a:p>
+            <a:pPr algn="l">
+              <a:spcBef>
+                <a:spcPts val="432"/>
+              </a:spcBef>
+            </a:pPr>
+            <a:r>
+              <a:rPr lang="en-DK" dirty="0"/>
+              <a:t>parameters</a:t>
+            </a:r>
+            <a:endParaRPr lang="en-DK" dirty="0">
+              <a:latin typeface="+mn-lt"/>
+            </a:endParaRPr>
+          </a:p>
+        </p:txBody>
+      </p:sp>
+    </p:spTree>
+    <p:extLst>
+      <p:ext uri="{BB962C8B-B14F-4D97-AF65-F5344CB8AC3E}">
+        <p14:creationId xmlns:p14="http://schemas.microsoft.com/office/powerpoint/2010/main" val="504378062"/>
+      </p:ext>
+    </p:extLst>
+  </p:cSld>
+  <p:clrMapOvr>
+    <a:masterClrMapping/>
+  </p:clrMapOvr>
+</p:sld>
+</file>
+
+<file path=ppt/slides/slide5.xml><?xml version="1.0" encoding="utf-8"?>
+<p:sld xmlns:a="http://schemas.openxmlformats.org/drawingml/2006/main" xmlns:r="http://schemas.openxmlformats.org/officeDocument/2006/relationships" xmlns:p="http://schemas.openxmlformats.org/presentationml/2006/main">
+  <p:cSld>
+    <p:spTree>
+      <p:nvGrpSpPr>
+        <p:cNvPr id="1" name="">
+          <a:extLst>
+            <a:ext uri="{FF2B5EF4-FFF2-40B4-BE49-F238E27FC236}">
+              <a16:creationId xmlns:a16="http://schemas.microsoft.com/office/drawing/2014/main" id="{F8C5AC39-5FEF-CCC7-296F-E8FC471E1357}"/>
+            </a:ext>
+          </a:extLst>
+        </p:cNvPr>
+        <p:cNvGrpSpPr/>
+        <p:nvPr/>
+      </p:nvGrpSpPr>
+      <p:grpSpPr>
+        <a:xfrm>
+          <a:off x="0" y="0"/>
+          <a:ext cx="0" cy="0"/>
+          <a:chOff x="0" y="0"/>
+          <a:chExt cx="0" cy="0"/>
+        </a:xfrm>
+      </p:grpSpPr>
+      <p:pic>
+        <p:nvPicPr>
+          <p:cNvPr id="7" name="Picture 6">
+            <a:extLst>
+              <a:ext uri="{FF2B5EF4-FFF2-40B4-BE49-F238E27FC236}">
+                <a16:creationId xmlns:a16="http://schemas.microsoft.com/office/drawing/2014/main" id="{22E5D306-0F5E-1B91-B91B-D1E256D403CA}"/>
+              </a:ext>
+            </a:extLst>
+          </p:cNvPr>
+          <p:cNvPicPr>
+            <a:picLocks noChangeAspect="1"/>
+          </p:cNvPicPr>
+          <p:nvPr/>
+        </p:nvPicPr>
+        <p:blipFill>
+          <a:blip r:embed="rId2"/>
+          <a:stretch>
+            <a:fillRect/>
+          </a:stretch>
+        </p:blipFill>
+        <p:spPr>
+          <a:xfrm>
+            <a:off x="1125865" y="1743154"/>
+            <a:ext cx="2286000" cy="2286000"/>
+          </a:xfrm>
+          <a:prstGeom prst="rect">
+            <a:avLst/>
+          </a:prstGeom>
+        </p:spPr>
+      </p:pic>
+      <p:sp>
+        <p:nvSpPr>
+          <p:cNvPr id="2" name="Slide Number Placeholder 1">
+            <a:extLst>
+              <a:ext uri="{FF2B5EF4-FFF2-40B4-BE49-F238E27FC236}">
+                <a16:creationId xmlns:a16="http://schemas.microsoft.com/office/drawing/2014/main" id="{9C5B4443-7D35-F99C-1540-1C4B2421BA70}"/>
+              </a:ext>
+            </a:extLst>
+          </p:cNvPr>
+          <p:cNvSpPr>
+            <a:spLocks noGrp="1"/>
+          </p:cNvSpPr>
+          <p:nvPr>
+            <p:ph type="sldNum" sz="quarter" idx="11"/>
+          </p:nvPr>
+        </p:nvSpPr>
+        <p:spPr/>
+        <p:txBody>
+          <a:bodyPr/>
+          <a:lstStyle/>
+          <a:p>
+            <a:pPr marL="0" marR="0" lvl="0" indent="0" algn="l" defTabSz="914400" rtl="0" eaLnBrk="1" fontAlgn="auto" latinLnBrk="0" hangingPunct="1">
+              <a:lnSpc>
+                <a:spcPct val="100000"/>
+              </a:lnSpc>
+              <a:spcBef>
+                <a:spcPts val="0"/>
+              </a:spcBef>
+              <a:spcAft>
+                <a:spcPts val="0"/>
+              </a:spcAft>
+              <a:buClrTx/>
+              <a:buSzTx/>
+              <a:buFontTx/>
+              <a:buNone/>
+              <a:tabLst/>
+              <a:defRPr/>
+            </a:pPr>
+            <a:fld id="{103EA872-A674-449B-A120-B97244F8E91D}" type="slidenum">
+              <a:rPr kumimoji="0" lang="en-GB" sz="700" b="1" i="0" u="none" strike="noStrike" kern="1200" cap="none" spc="0" normalizeH="0" baseline="0" noProof="0" smtClean="0">
+                <a:ln>
+                  <a:noFill/>
+                </a:ln>
+                <a:solidFill>
+                  <a:srgbClr val="FFFFFF"/>
+                </a:solidFill>
+                <a:effectLst/>
+                <a:uLnTx/>
+                <a:uFillTx/>
+                <a:latin typeface="Arial"/>
+                <a:ea typeface="+mn-ea"/>
+                <a:cs typeface="+mn-cs"/>
+              </a:rPr>
+              <a:pPr marL="0" marR="0" lvl="0" indent="0" algn="l" defTabSz="914400" rtl="0" eaLnBrk="1" fontAlgn="auto" latinLnBrk="0" hangingPunct="1">
+                <a:lnSpc>
+                  <a:spcPct val="100000"/>
+                </a:lnSpc>
+                <a:spcBef>
+                  <a:spcPts val="0"/>
+                </a:spcBef>
+                <a:spcAft>
+                  <a:spcPts val="0"/>
+                </a:spcAft>
+                <a:buClrTx/>
+                <a:buSzTx/>
+                <a:buFontTx/>
+                <a:buNone/>
+                <a:tabLst/>
+                <a:defRPr/>
+              </a:pPr>
+              <a:t>5</a:t>
+            </a:fld>
+            <a:endParaRPr kumimoji="0" lang="en-GB" sz="700" b="1" i="0" u="none" strike="noStrike" kern="1200" cap="none" spc="0" normalizeH="0" baseline="0" noProof="0" dirty="0">
+              <a:ln>
+                <a:noFill/>
+              </a:ln>
+              <a:solidFill>
+                <a:srgbClr val="FFFFFF"/>
+              </a:solidFill>
+              <a:effectLst/>
+              <a:uLnTx/>
+              <a:uFillTx/>
+              <a:latin typeface="Arial"/>
+              <a:ea typeface="+mn-ea"/>
+              <a:cs typeface="+mn-cs"/>
+            </a:endParaRPr>
+          </a:p>
+        </p:txBody>
+      </p:sp>
+      <p:sp>
+        <p:nvSpPr>
+          <p:cNvPr id="3" name="Date Placeholder 2">
+            <a:extLst>
+              <a:ext uri="{FF2B5EF4-FFF2-40B4-BE49-F238E27FC236}">
+                <a16:creationId xmlns:a16="http://schemas.microsoft.com/office/drawing/2014/main" id="{2B9F119C-CA3B-8608-82A3-54E96E651A72}"/>
+              </a:ext>
+            </a:extLst>
+          </p:cNvPr>
+          <p:cNvSpPr>
+            <a:spLocks noGrp="1"/>
+          </p:cNvSpPr>
+          <p:nvPr>
+            <p:ph type="dt" sz="half" idx="12"/>
+          </p:nvPr>
+        </p:nvSpPr>
+        <p:spPr/>
+        <p:txBody>
+          <a:bodyPr/>
+          <a:lstStyle/>
+          <a:p>
+            <a:pPr marL="0" marR="0" lvl="0" indent="0" algn="r" defTabSz="914400" rtl="0" eaLnBrk="1" fontAlgn="auto" latinLnBrk="0" hangingPunct="1">
+              <a:lnSpc>
+                <a:spcPct val="100000"/>
+              </a:lnSpc>
+              <a:spcBef>
+                <a:spcPts val="0"/>
+              </a:spcBef>
+              <a:spcAft>
+                <a:spcPts val="0"/>
+              </a:spcAft>
+              <a:buClrTx/>
+              <a:buSzTx/>
+              <a:buFontTx/>
+              <a:buNone/>
+              <a:tabLst/>
+              <a:defRPr/>
+            </a:pPr>
+            <a:fld id="{9A1051F6-884E-4D46-AD5F-8A730B377BAA}" type="datetime1">
+              <a:rPr kumimoji="0" lang="da-DK" sz="700" b="1" i="0" u="none" strike="noStrike" kern="1200" cap="none" spc="0" normalizeH="0" baseline="0" noProof="0" smtClean="0">
+                <a:ln>
+                  <a:noFill/>
+                </a:ln>
+                <a:solidFill>
+                  <a:srgbClr val="FFFFFF"/>
+                </a:solidFill>
+                <a:effectLst/>
+                <a:uLnTx/>
+                <a:uFillTx/>
+                <a:latin typeface="Arial"/>
+                <a:ea typeface="+mn-ea"/>
+                <a:cs typeface="+mn-cs"/>
+              </a:rPr>
+              <a:pPr marL="0" marR="0" lvl="0" indent="0" algn="r" defTabSz="914400" rtl="0" eaLnBrk="1" fontAlgn="auto" latinLnBrk="0" hangingPunct="1">
+                <a:lnSpc>
+                  <a:spcPct val="100000"/>
+                </a:lnSpc>
+                <a:spcBef>
+                  <a:spcPts val="0"/>
+                </a:spcBef>
+                <a:spcAft>
+                  <a:spcPts val="0"/>
+                </a:spcAft>
+                <a:buClrTx/>
+                <a:buSzTx/>
+                <a:buFontTx/>
+                <a:buNone/>
+                <a:tabLst/>
+                <a:defRPr/>
+              </a:pPr>
+              <a:t>30.06.2025</a:t>
+            </a:fld>
+            <a:endParaRPr kumimoji="0" lang="en-GB" sz="700" b="1" i="0" u="none" strike="noStrike" kern="1200" cap="none" spc="0" normalizeH="0" baseline="0" noProof="0">
+              <a:ln>
+                <a:noFill/>
+              </a:ln>
+              <a:solidFill>
+                <a:srgbClr val="FFFFFF"/>
+              </a:solidFill>
+              <a:effectLst/>
+              <a:uLnTx/>
+              <a:uFillTx/>
+              <a:latin typeface="Arial"/>
+              <a:ea typeface="+mn-ea"/>
+              <a:cs typeface="+mn-cs"/>
+            </a:endParaRPr>
+          </a:p>
+        </p:txBody>
+      </p:sp>
+      <p:sp>
+        <p:nvSpPr>
+          <p:cNvPr id="12" name="TextBox 11">
+            <a:extLst>
+              <a:ext uri="{FF2B5EF4-FFF2-40B4-BE49-F238E27FC236}">
+                <a16:creationId xmlns:a16="http://schemas.microsoft.com/office/drawing/2014/main" id="{33EE27A0-D661-1AA9-2532-281AF16F9C14}"/>
+              </a:ext>
+            </a:extLst>
+          </p:cNvPr>
+          <p:cNvSpPr txBox="1"/>
+          <p:nvPr/>
+        </p:nvSpPr>
+        <p:spPr>
+          <a:xfrm>
+            <a:off x="10309412" y="358588"/>
+            <a:ext cx="1025922" cy="276999"/>
+          </a:xfrm>
+          <a:prstGeom prst="rect">
+            <a:avLst/>
+          </a:prstGeom>
+          <a:noFill/>
+        </p:spPr>
+        <p:txBody>
+          <a:bodyPr wrap="none" lIns="0" tIns="0" rIns="0" bIns="0" rtlCol="0">
+            <a:spAutoFit/>
+          </a:bodyPr>
+          <a:lstStyle/>
+          <a:p>
+            <a:pPr marL="0" marR="0" lvl="0" indent="0" algn="l" defTabSz="914400" rtl="0" eaLnBrk="1" fontAlgn="auto" latinLnBrk="0" hangingPunct="1">
+              <a:lnSpc>
+                <a:spcPct val="100000"/>
+              </a:lnSpc>
+              <a:spcBef>
+                <a:spcPts val="432"/>
+              </a:spcBef>
+              <a:spcAft>
+                <a:spcPts val="0"/>
+              </a:spcAft>
+              <a:buClrTx/>
+              <a:buSzTx/>
+              <a:buFontTx/>
+              <a:buNone/>
+              <a:tabLst/>
+              <a:defRPr/>
+            </a:pPr>
+            <a:r>
+              <a:rPr kumimoji="0" lang="en-DK" sz="1800" b="0" i="0" u="none" strike="noStrike" kern="1200" cap="none" spc="0" normalizeH="0" baseline="0" noProof="0" dirty="0">
+                <a:ln>
+                  <a:noFill/>
+                </a:ln>
+                <a:solidFill>
+                  <a:srgbClr val="000000"/>
+                </a:solidFill>
+                <a:effectLst/>
+                <a:uLnTx/>
+                <a:uFillTx/>
+                <a:latin typeface="Arial"/>
+                <a:ea typeface="+mn-ea"/>
+                <a:cs typeface="+mn-cs"/>
+              </a:rPr>
+              <a:t>30.6.2025</a:t>
+            </a:r>
+          </a:p>
+        </p:txBody>
+      </p:sp>
+      <p:sp>
+        <p:nvSpPr>
+          <p:cNvPr id="63" name="TextBox 62">
+            <a:extLst>
+              <a:ext uri="{FF2B5EF4-FFF2-40B4-BE49-F238E27FC236}">
+                <a16:creationId xmlns:a16="http://schemas.microsoft.com/office/drawing/2014/main" id="{99BA3844-BE8C-5AE8-5378-610BD3D41057}"/>
+              </a:ext>
+            </a:extLst>
+          </p:cNvPr>
+          <p:cNvSpPr txBox="1"/>
+          <p:nvPr/>
+        </p:nvSpPr>
+        <p:spPr>
+          <a:xfrm>
+            <a:off x="1274326" y="1649979"/>
+            <a:ext cx="125034" cy="169277"/>
+          </a:xfrm>
+          <a:prstGeom prst="rect">
+            <a:avLst/>
+          </a:prstGeom>
+          <a:noFill/>
+        </p:spPr>
+        <p:txBody>
+          <a:bodyPr wrap="none" lIns="0" tIns="0" rIns="0" bIns="0" rtlCol="0">
+            <a:spAutoFit/>
+          </a:bodyPr>
+          <a:lstStyle/>
+          <a:p>
+            <a:pPr marL="0" marR="0" lvl="0" indent="0" algn="l" defTabSz="914400" rtl="0" eaLnBrk="1" fontAlgn="auto" latinLnBrk="0" hangingPunct="1">
+              <a:lnSpc>
+                <a:spcPct val="100000"/>
+              </a:lnSpc>
+              <a:spcBef>
+                <a:spcPts val="432"/>
+              </a:spcBef>
+              <a:spcAft>
+                <a:spcPts val="0"/>
+              </a:spcAft>
+              <a:buClrTx/>
+              <a:buSzTx/>
+              <a:buFontTx/>
+              <a:buNone/>
+              <a:tabLst/>
+              <a:defRPr/>
+            </a:pPr>
+            <a:r>
+              <a:rPr kumimoji="0" lang="en-DK" sz="1100" b="0" i="0" u="none" strike="noStrike" kern="1200" cap="none" spc="0" normalizeH="0" baseline="0" noProof="0" dirty="0">
+                <a:ln>
+                  <a:noFill/>
+                </a:ln>
+                <a:solidFill>
+                  <a:srgbClr val="000000"/>
+                </a:solidFill>
+                <a:effectLst/>
+                <a:uLnTx/>
+                <a:uFillTx/>
+                <a:latin typeface="Arial"/>
+                <a:ea typeface="+mn-ea"/>
+                <a:cs typeface="+mn-cs"/>
+              </a:rPr>
+              <a:t>a)</a:t>
+            </a:r>
+          </a:p>
+        </p:txBody>
+      </p:sp>
+      <p:sp>
+        <p:nvSpPr>
+          <p:cNvPr id="5" name="TextBox 4">
+            <a:extLst>
+              <a:ext uri="{FF2B5EF4-FFF2-40B4-BE49-F238E27FC236}">
+                <a16:creationId xmlns:a16="http://schemas.microsoft.com/office/drawing/2014/main" id="{0A5AFBE6-AEEC-730A-10B0-1C657C3E43CB}"/>
+              </a:ext>
+            </a:extLst>
+          </p:cNvPr>
+          <p:cNvSpPr txBox="1"/>
+          <p:nvPr/>
+        </p:nvSpPr>
+        <p:spPr>
+          <a:xfrm>
+            <a:off x="4283243" y="308008"/>
+            <a:ext cx="2503891" cy="169277"/>
+          </a:xfrm>
+          <a:prstGeom prst="rect">
+            <a:avLst/>
+          </a:prstGeom>
+          <a:noFill/>
+        </p:spPr>
+        <p:txBody>
+          <a:bodyPr wrap="none" lIns="0" tIns="0" rIns="0" bIns="0" rtlCol="0">
+            <a:spAutoFit/>
+          </a:bodyPr>
+          <a:lstStyle/>
+          <a:p>
+            <a:pPr algn="l">
+              <a:spcBef>
+                <a:spcPts val="432"/>
+              </a:spcBef>
+            </a:pPr>
+            <a:r>
+              <a:rPr lang="en-GB" sz="1100" dirty="0">
+                <a:latin typeface="+mn-lt"/>
+              </a:rPr>
+              <a:t>S</a:t>
+            </a:r>
+            <a:r>
+              <a:rPr lang="en-DK" sz="1100" dirty="0">
+                <a:latin typeface="+mn-lt"/>
+              </a:rPr>
+              <a:t>elect. </a:t>
+            </a:r>
+            <a:r>
+              <a:rPr lang="en-GB" sz="1100" dirty="0">
+                <a:latin typeface="+mn-lt"/>
+              </a:rPr>
+              <a:t>R</a:t>
+            </a:r>
+            <a:r>
+              <a:rPr lang="en-DK" sz="1100" dirty="0">
+                <a:latin typeface="+mn-lt"/>
+              </a:rPr>
+              <a:t>ight click “save as picture” pdf. </a:t>
+            </a:r>
+          </a:p>
+        </p:txBody>
+      </p:sp>
+      <p:sp>
+        <p:nvSpPr>
+          <p:cNvPr id="6" name="TextBox 5">
+            <a:extLst>
+              <a:ext uri="{FF2B5EF4-FFF2-40B4-BE49-F238E27FC236}">
+                <a16:creationId xmlns:a16="http://schemas.microsoft.com/office/drawing/2014/main" id="{A7E9B3CC-F19C-1CB3-33E2-183333DE650F}"/>
+              </a:ext>
+            </a:extLst>
+          </p:cNvPr>
+          <p:cNvSpPr txBox="1"/>
+          <p:nvPr/>
+        </p:nvSpPr>
+        <p:spPr>
+          <a:xfrm>
+            <a:off x="1084729" y="475129"/>
+            <a:ext cx="859210" cy="276999"/>
+          </a:xfrm>
+          <a:prstGeom prst="rect">
+            <a:avLst/>
+          </a:prstGeom>
+          <a:noFill/>
+        </p:spPr>
+        <p:txBody>
+          <a:bodyPr wrap="none" lIns="0" tIns="0" rIns="0" bIns="0" rtlCol="0">
+            <a:spAutoFit/>
+          </a:bodyPr>
+          <a:lstStyle/>
+          <a:p>
+            <a:pPr marL="0" marR="0" lvl="0" indent="0" algn="l" defTabSz="914400" rtl="0" eaLnBrk="1" fontAlgn="auto" latinLnBrk="0" hangingPunct="1">
+              <a:lnSpc>
+                <a:spcPct val="100000"/>
+              </a:lnSpc>
+              <a:spcBef>
+                <a:spcPts val="432"/>
+              </a:spcBef>
+              <a:spcAft>
+                <a:spcPts val="0"/>
+              </a:spcAft>
+              <a:buClrTx/>
+              <a:buSzTx/>
+              <a:buFontTx/>
+              <a:buNone/>
+              <a:tabLst/>
+              <a:defRPr/>
+            </a:pPr>
+            <a:r>
+              <a:rPr kumimoji="0" lang="en-DK" sz="1800" b="0" i="0" u="none" strike="noStrike" kern="1200" cap="none" spc="0" normalizeH="0" baseline="0" noProof="0" dirty="0">
+                <a:ln>
+                  <a:noFill/>
+                </a:ln>
+                <a:solidFill>
+                  <a:srgbClr val="000000"/>
+                </a:solidFill>
+                <a:effectLst/>
+                <a:uLnTx/>
+                <a:uFillTx/>
+                <a:latin typeface="Arial"/>
+                <a:ea typeface="+mn-ea"/>
+                <a:cs typeface="+mn-cs"/>
+              </a:rPr>
+              <a:t>SI figure</a:t>
+            </a:r>
+          </a:p>
+        </p:txBody>
+      </p:sp>
+      <p:pic>
+        <p:nvPicPr>
+          <p:cNvPr id="20" name="Picture 19">
+            <a:extLst>
+              <a:ext uri="{FF2B5EF4-FFF2-40B4-BE49-F238E27FC236}">
+                <a16:creationId xmlns:a16="http://schemas.microsoft.com/office/drawing/2014/main" id="{51DFC1A8-9DC4-4AE7-A7D2-F4F3F42BFC0D}"/>
+              </a:ext>
+            </a:extLst>
+          </p:cNvPr>
+          <p:cNvPicPr>
+            <a:picLocks noChangeAspect="1"/>
+          </p:cNvPicPr>
+          <p:nvPr/>
+        </p:nvPicPr>
+        <p:blipFill>
+          <a:blip r:embed="rId3"/>
+          <a:stretch>
+            <a:fillRect/>
+          </a:stretch>
+        </p:blipFill>
+        <p:spPr>
+          <a:xfrm>
+            <a:off x="1138635" y="3928675"/>
+            <a:ext cx="2286000" cy="2286000"/>
+          </a:xfrm>
+          <a:prstGeom prst="rect">
+            <a:avLst/>
+          </a:prstGeom>
+        </p:spPr>
+      </p:pic>
+      <p:sp>
+        <p:nvSpPr>
+          <p:cNvPr id="68" name="TextBox 67">
+            <a:extLst>
+              <a:ext uri="{FF2B5EF4-FFF2-40B4-BE49-F238E27FC236}">
+                <a16:creationId xmlns:a16="http://schemas.microsoft.com/office/drawing/2014/main" id="{066ED5DF-F98A-101E-9F10-D316644F8BF0}"/>
+              </a:ext>
+            </a:extLst>
+          </p:cNvPr>
+          <p:cNvSpPr txBox="1"/>
+          <p:nvPr/>
+        </p:nvSpPr>
+        <p:spPr>
+          <a:xfrm>
+            <a:off x="1272059" y="3910683"/>
+            <a:ext cx="84960" cy="169277"/>
+          </a:xfrm>
+          <a:prstGeom prst="rect">
+            <a:avLst/>
+          </a:prstGeom>
+          <a:noFill/>
+        </p:spPr>
+        <p:txBody>
+          <a:bodyPr wrap="none" lIns="0" tIns="0" rIns="0" bIns="0" rtlCol="0">
+            <a:spAutoFit/>
+          </a:bodyPr>
+          <a:lstStyle/>
+          <a:p>
+            <a:pPr marL="0" marR="0" lvl="0" indent="0" algn="l" defTabSz="914400" rtl="0" eaLnBrk="1" fontAlgn="auto" latinLnBrk="0" hangingPunct="1">
+              <a:lnSpc>
+                <a:spcPct val="100000"/>
+              </a:lnSpc>
+              <a:spcBef>
+                <a:spcPts val="432"/>
+              </a:spcBef>
+              <a:spcAft>
+                <a:spcPts val="0"/>
+              </a:spcAft>
+              <a:buClrTx/>
+              <a:buSzTx/>
+              <a:buFontTx/>
+              <a:buNone/>
+              <a:tabLst/>
+              <a:defRPr/>
+            </a:pPr>
+            <a:r>
+              <a:rPr kumimoji="0" lang="en-DK" sz="1100" b="0" i="0" u="none" strike="noStrike" kern="1200" cap="none" spc="0" normalizeH="0" baseline="0" noProof="0" dirty="0">
+                <a:ln>
+                  <a:noFill/>
+                </a:ln>
+                <a:solidFill>
+                  <a:srgbClr val="000000"/>
+                </a:solidFill>
+                <a:effectLst/>
+                <a:uLnTx/>
+                <a:uFillTx/>
+                <a:latin typeface="Arial"/>
+                <a:ea typeface="+mn-ea"/>
+                <a:cs typeface="+mn-cs"/>
+              </a:rPr>
+              <a:t>f)</a:t>
+            </a:r>
+          </a:p>
+        </p:txBody>
+      </p:sp>
+      <p:sp>
+        <p:nvSpPr>
+          <p:cNvPr id="33" name="TextBox 32">
+            <a:extLst>
+              <a:ext uri="{FF2B5EF4-FFF2-40B4-BE49-F238E27FC236}">
+                <a16:creationId xmlns:a16="http://schemas.microsoft.com/office/drawing/2014/main" id="{B86612CF-EE64-84A8-49E3-737EB0AF78FF}"/>
+              </a:ext>
+            </a:extLst>
+          </p:cNvPr>
+          <p:cNvSpPr txBox="1"/>
+          <p:nvPr/>
+        </p:nvSpPr>
+        <p:spPr>
+          <a:xfrm>
+            <a:off x="6678417" y="519532"/>
+            <a:ext cx="2667462" cy="276999"/>
+          </a:xfrm>
+          <a:prstGeom prst="rect">
+            <a:avLst/>
+          </a:prstGeom>
+          <a:noFill/>
+        </p:spPr>
+        <p:txBody>
+          <a:bodyPr wrap="none" lIns="0" tIns="0" rIns="0" bIns="0" rtlCol="0">
+            <a:spAutoFit/>
+          </a:bodyPr>
+          <a:lstStyle/>
+          <a:p>
+            <a:pPr algn="l">
+              <a:spcBef>
+                <a:spcPts val="432"/>
+              </a:spcBef>
+            </a:pPr>
+            <a:r>
+              <a:rPr lang="en-DK" dirty="0">
+                <a:latin typeface="+mn-lt"/>
+              </a:rPr>
+              <a:t>Vojvodic 2014 parameters</a:t>
+            </a:r>
+          </a:p>
+        </p:txBody>
+      </p:sp>
       <p:pic>
         <p:nvPicPr>
           <p:cNvPr id="9" name="Picture 8">
@@ -12940,8 +13911,8 @@
         </p:nvSpPr>
         <p:spPr>
           <a:xfrm>
-            <a:off x="3400199" y="3909079"/>
-            <a:ext cx="84960" cy="169277"/>
+            <a:off x="3360124" y="3909079"/>
+            <a:ext cx="125035" cy="169277"/>
           </a:xfrm>
           <a:prstGeom prst="rect">
             <a:avLst/>
@@ -12972,6 +13943,15 @@
               <a:defRPr/>
             </a:pPr>
             <a:r>
+              <a:rPr lang="en-DK" sz="1100" dirty="0">
+                <a:solidFill>
+                  <a:srgbClr val="000000"/>
+                </a:solidFill>
+                <a:latin typeface="Arial"/>
+              </a:rPr>
+              <a:t>g</a:t>
+            </a:r>
+            <a:r>
               <a:rPr kumimoji="0" lang="en-DK" sz="1100" b="0" i="0" u="none" strike="noStrike" kern="1200" cap="none" spc="0" normalizeH="0" baseline="0" noProof="0" dirty="0">
                 <a:ln>
                   <a:noFill/>
@@ -12986,17 +13966,17 @@
                 <a:ea typeface="+mn-ea"/>
                 <a:cs typeface="+mn-cs"/>
               </a:rPr>
-              <a:t>f)</a:t>
+              <a:t>)</a:t>
             </a:r>
           </a:p>
         </p:txBody>
       </p:sp>
       <p:pic>
         <p:nvPicPr>
-          <p:cNvPr id="18" name="Picture 17">
-            <a:extLst>
-              <a:ext uri="{FF2B5EF4-FFF2-40B4-BE49-F238E27FC236}">
-                <a16:creationId xmlns:a16="http://schemas.microsoft.com/office/drawing/2014/main" id="{2C7D4CCB-9DB0-DAFC-2AF8-C2BD02C15467}"/>
+          <p:cNvPr id="41" name="Picture 40">
+            <a:extLst>
+              <a:ext uri="{FF2B5EF4-FFF2-40B4-BE49-F238E27FC236}">
+                <a16:creationId xmlns:a16="http://schemas.microsoft.com/office/drawing/2014/main" id="{6772D018-7287-A84E-80DD-14C76565403E}"/>
               </a:ext>
             </a:extLst>
           </p:cNvPr>
@@ -13013,7 +13993,157 @@
         </p:blipFill>
         <p:spPr>
           <a:xfrm>
-            <a:off x="5317355" y="1756928"/>
+            <a:off x="5281191" y="1772613"/>
+            <a:ext cx="2286000" cy="2286000"/>
+          </a:xfrm>
+          <a:prstGeom prst="rect">
+            <a:avLst/>
+          </a:prstGeom>
+        </p:spPr>
+      </p:pic>
+      <p:pic>
+        <p:nvPicPr>
+          <p:cNvPr id="18" name="Picture 17">
+            <a:extLst>
+              <a:ext uri="{FF2B5EF4-FFF2-40B4-BE49-F238E27FC236}">
+                <a16:creationId xmlns:a16="http://schemas.microsoft.com/office/drawing/2014/main" id="{2C7D4CCB-9DB0-DAFC-2AF8-C2BD02C15467}"/>
+              </a:ext>
+            </a:extLst>
+          </p:cNvPr>
+          <p:cNvPicPr>
+            <a:picLocks noChangeAspect="1"/>
+          </p:cNvPicPr>
+          <p:nvPr/>
+        </p:nvPicPr>
+        <p:blipFill>
+          <a:blip r:embed="rId7"/>
+          <a:stretch>
+            <a:fillRect/>
+          </a:stretch>
+        </p:blipFill>
+        <p:spPr>
+          <a:xfrm>
+            <a:off x="7380067" y="1756928"/>
+            <a:ext cx="2286000" cy="2286000"/>
+          </a:xfrm>
+          <a:prstGeom prst="rect">
+            <a:avLst/>
+          </a:prstGeom>
+        </p:spPr>
+      </p:pic>
+      <p:pic>
+        <p:nvPicPr>
+          <p:cNvPr id="39" name="Picture 38">
+            <a:extLst>
+              <a:ext uri="{FF2B5EF4-FFF2-40B4-BE49-F238E27FC236}">
+                <a16:creationId xmlns:a16="http://schemas.microsoft.com/office/drawing/2014/main" id="{8C6FB3CE-D169-DCE4-9D15-AFDCD0047865}"/>
+              </a:ext>
+            </a:extLst>
+          </p:cNvPr>
+          <p:cNvPicPr>
+            <a:picLocks noChangeAspect="1"/>
+          </p:cNvPicPr>
+          <p:nvPr/>
+        </p:nvPicPr>
+        <p:blipFill>
+          <a:blip r:embed="rId8"/>
+          <a:stretch>
+            <a:fillRect/>
+          </a:stretch>
+        </p:blipFill>
+        <p:spPr>
+          <a:xfrm>
+            <a:off x="9490464" y="1757493"/>
+            <a:ext cx="2286000" cy="2286000"/>
+          </a:xfrm>
+          <a:prstGeom prst="rect">
+            <a:avLst/>
+          </a:prstGeom>
+        </p:spPr>
+      </p:pic>
+      <p:pic>
+        <p:nvPicPr>
+          <p:cNvPr id="43" name="Picture 42">
+            <a:extLst>
+              <a:ext uri="{FF2B5EF4-FFF2-40B4-BE49-F238E27FC236}">
+                <a16:creationId xmlns:a16="http://schemas.microsoft.com/office/drawing/2014/main" id="{343C1501-5A64-79A6-929E-949CE7A00A16}"/>
+              </a:ext>
+            </a:extLst>
+          </p:cNvPr>
+          <p:cNvPicPr>
+            <a:picLocks noChangeAspect="1"/>
+          </p:cNvPicPr>
+          <p:nvPr/>
+        </p:nvPicPr>
+        <p:blipFill>
+          <a:blip r:embed="rId9"/>
+          <a:stretch>
+            <a:fillRect/>
+          </a:stretch>
+        </p:blipFill>
+        <p:spPr>
+          <a:xfrm>
+            <a:off x="5292818" y="3977915"/>
+            <a:ext cx="2286000" cy="2286000"/>
+          </a:xfrm>
+          <a:prstGeom prst="rect">
+            <a:avLst/>
+          </a:prstGeom>
+        </p:spPr>
+      </p:pic>
+      <p:pic>
+        <p:nvPicPr>
+          <p:cNvPr id="32" name="Picture 31">
+            <a:extLst>
+              <a:ext uri="{FF2B5EF4-FFF2-40B4-BE49-F238E27FC236}">
+                <a16:creationId xmlns:a16="http://schemas.microsoft.com/office/drawing/2014/main" id="{E24CF153-E933-5546-76EE-688A89BA8786}"/>
+              </a:ext>
+            </a:extLst>
+          </p:cNvPr>
+          <p:cNvPicPr>
+            <a:picLocks noChangeAspect="1"/>
+          </p:cNvPicPr>
+          <p:nvPr/>
+        </p:nvPicPr>
+        <p:blipFill>
+          <a:blip r:embed="rId10"/>
+          <a:stretch>
+            <a:fillRect/>
+          </a:stretch>
+        </p:blipFill>
+        <p:spPr>
+          <a:xfrm>
+            <a:off x="7376059" y="3934059"/>
+            <a:ext cx="2286000" cy="2286000"/>
+          </a:xfrm>
+          <a:prstGeom prst="rect">
+            <a:avLst/>
+          </a:prstGeom>
+        </p:spPr>
+      </p:pic>
+      <p:pic>
+        <p:nvPicPr>
+          <p:cNvPr id="37" name="Picture 36">
+            <a:extLst>
+              <a:ext uri="{FF2B5EF4-FFF2-40B4-BE49-F238E27FC236}">
+                <a16:creationId xmlns:a16="http://schemas.microsoft.com/office/drawing/2014/main" id="{79AC53A5-56B7-7B72-0BAB-7A9390DADD77}"/>
+              </a:ext>
+            </a:extLst>
+          </p:cNvPr>
+          <p:cNvPicPr>
+            <a:picLocks noChangeAspect="1"/>
+          </p:cNvPicPr>
+          <p:nvPr/>
+        </p:nvPicPr>
+        <p:blipFill>
+          <a:blip r:embed="rId11"/>
+          <a:stretch>
+            <a:fillRect/>
+          </a:stretch>
+        </p:blipFill>
+        <p:spPr>
+          <a:xfrm>
+            <a:off x="9481074" y="3937630"/>
             <a:ext cx="2286000" cy="2286000"/>
           </a:xfrm>
           <a:prstGeom prst="rect">
@@ -13023,10 +14153,10 @@
       </p:pic>
       <p:sp>
         <p:nvSpPr>
-          <p:cNvPr id="67" name="TextBox 66">
-            <a:extLst>
-              <a:ext uri="{FF2B5EF4-FFF2-40B4-BE49-F238E27FC236}">
-                <a16:creationId xmlns:a16="http://schemas.microsoft.com/office/drawing/2014/main" id="{72E0F94E-1A2D-30A3-E40B-142A6654314D}"/>
+          <p:cNvPr id="45" name="TextBox 44">
+            <a:extLst>
+              <a:ext uri="{FF2B5EF4-FFF2-40B4-BE49-F238E27FC236}">
+                <a16:creationId xmlns:a16="http://schemas.microsoft.com/office/drawing/2014/main" id="{21B5C921-B7C1-6263-93E2-59EA68215531}"/>
               </a:ext>
             </a:extLst>
           </p:cNvPr>
@@ -13035,7 +14165,7 @@
         </p:nvSpPr>
         <p:spPr>
           <a:xfrm>
-            <a:off x="5479331" y="1664017"/>
+            <a:off x="5431984" y="1659226"/>
             <a:ext cx="117020" cy="169277"/>
           </a:xfrm>
           <a:prstGeom prst="rect">
@@ -13086,42 +14216,12 @@
           </a:p>
         </p:txBody>
       </p:sp>
-      <p:pic>
-        <p:nvPicPr>
-          <p:cNvPr id="32" name="Picture 31">
-            <a:extLst>
-              <a:ext uri="{FF2B5EF4-FFF2-40B4-BE49-F238E27FC236}">
-                <a16:creationId xmlns:a16="http://schemas.microsoft.com/office/drawing/2014/main" id="{E24CF153-E933-5546-76EE-688A89BA8786}"/>
-              </a:ext>
-            </a:extLst>
-          </p:cNvPr>
-          <p:cNvPicPr>
-            <a:picLocks noChangeAspect="1"/>
-          </p:cNvPicPr>
-          <p:nvPr/>
-        </p:nvPicPr>
-        <p:blipFill>
-          <a:blip r:embed="rId7"/>
-          <a:stretch>
-            <a:fillRect/>
-          </a:stretch>
-        </p:blipFill>
-        <p:spPr>
-          <a:xfrm>
-            <a:off x="5313347" y="3934059"/>
-            <a:ext cx="2286000" cy="2286000"/>
-          </a:xfrm>
-          <a:prstGeom prst="rect">
-            <a:avLst/>
-          </a:prstGeom>
-        </p:spPr>
-      </p:pic>
       <p:sp>
         <p:nvSpPr>
-          <p:cNvPr id="16" name="TextBox 15">
-            <a:extLst>
-              <a:ext uri="{FF2B5EF4-FFF2-40B4-BE49-F238E27FC236}">
-                <a16:creationId xmlns:a16="http://schemas.microsoft.com/office/drawing/2014/main" id="{12E464F2-9237-3CF1-F1D5-909A057E5BDC}"/>
+          <p:cNvPr id="46" name="TextBox 45">
+            <a:extLst>
+              <a:ext uri="{FF2B5EF4-FFF2-40B4-BE49-F238E27FC236}">
+                <a16:creationId xmlns:a16="http://schemas.microsoft.com/office/drawing/2014/main" id="{E7D4A0BC-DB78-1B95-BFBB-A751B2E16ED0}"/>
               </a:ext>
             </a:extLst>
           </p:cNvPr>
@@ -13130,8 +14230,8 @@
         </p:nvSpPr>
         <p:spPr>
           <a:xfrm>
-            <a:off x="5478107" y="3899454"/>
-            <a:ext cx="125034" cy="169277"/>
+            <a:off x="5427583" y="3909204"/>
+            <a:ext cx="125035" cy="169277"/>
           </a:xfrm>
           <a:prstGeom prst="rect">
             <a:avLst/>
@@ -13162,6 +14262,15 @@
               <a:defRPr/>
             </a:pPr>
             <a:r>
+              <a:rPr lang="en-DK" sz="1100" dirty="0">
+                <a:solidFill>
+                  <a:srgbClr val="000000"/>
+                </a:solidFill>
+                <a:latin typeface="Arial"/>
+              </a:rPr>
+              <a:t>h</a:t>
+            </a:r>
+            <a:r>
               <a:rPr kumimoji="0" lang="en-DK" sz="1100" b="0" i="0" u="none" strike="noStrike" kern="1200" cap="none" spc="0" normalizeH="0" baseline="0" noProof="0" dirty="0">
                 <a:ln>
                   <a:noFill/>
@@ -13176,47 +14285,17 @@
                 <a:ea typeface="+mn-ea"/>
                 <a:cs typeface="+mn-cs"/>
               </a:rPr>
-              <a:t>g)</a:t>
+              <a:t>)</a:t>
             </a:r>
           </a:p>
         </p:txBody>
       </p:sp>
-      <p:pic>
-        <p:nvPicPr>
-          <p:cNvPr id="39" name="Picture 38">
-            <a:extLst>
-              <a:ext uri="{FF2B5EF4-FFF2-40B4-BE49-F238E27FC236}">
-                <a16:creationId xmlns:a16="http://schemas.microsoft.com/office/drawing/2014/main" id="{8C6FB3CE-D169-DCE4-9D15-AFDCD0047865}"/>
-              </a:ext>
-            </a:extLst>
-          </p:cNvPr>
-          <p:cNvPicPr>
-            <a:picLocks noChangeAspect="1"/>
-          </p:cNvPicPr>
-          <p:nvPr/>
-        </p:nvPicPr>
-        <p:blipFill>
-          <a:blip r:embed="rId8"/>
-          <a:stretch>
-            <a:fillRect/>
-          </a:stretch>
-        </p:blipFill>
-        <p:spPr>
-          <a:xfrm>
-            <a:off x="7427752" y="1757493"/>
-            <a:ext cx="2286000" cy="2286000"/>
-          </a:xfrm>
-          <a:prstGeom prst="rect">
-            <a:avLst/>
-          </a:prstGeom>
-        </p:spPr>
-      </p:pic>
       <p:sp>
         <p:nvSpPr>
-          <p:cNvPr id="29" name="TextBox 28">
-            <a:extLst>
-              <a:ext uri="{FF2B5EF4-FFF2-40B4-BE49-F238E27FC236}">
-                <a16:creationId xmlns:a16="http://schemas.microsoft.com/office/drawing/2014/main" id="{077D272A-BE32-F9D1-2952-D2203DD61187}"/>
+          <p:cNvPr id="67" name="TextBox 66">
+            <a:extLst>
+              <a:ext uri="{FF2B5EF4-FFF2-40B4-BE49-F238E27FC236}">
+                <a16:creationId xmlns:a16="http://schemas.microsoft.com/office/drawing/2014/main" id="{72E0F94E-1A2D-30A3-E40B-142A6654314D}"/>
               </a:ext>
             </a:extLst>
           </p:cNvPr>
@@ -13225,8 +14304,8 @@
         </p:nvSpPr>
         <p:spPr>
           <a:xfrm>
-            <a:off x="7598931" y="1655264"/>
-            <a:ext cx="125034" cy="169277"/>
+            <a:off x="7502134" y="1664017"/>
+            <a:ext cx="125035" cy="169277"/>
           </a:xfrm>
           <a:prstGeom prst="rect">
             <a:avLst/>
@@ -13257,6 +14336,15 @@
               <a:defRPr/>
             </a:pPr>
             <a:r>
+              <a:rPr lang="en-DK" sz="1100" dirty="0">
+                <a:solidFill>
+                  <a:srgbClr val="000000"/>
+                </a:solidFill>
+                <a:latin typeface="Arial"/>
+              </a:rPr>
+              <a:t>d</a:t>
+            </a:r>
+            <a:r>
               <a:rPr kumimoji="0" lang="en-DK" sz="1100" b="0" i="0" u="none" strike="noStrike" kern="1200" cap="none" spc="0" normalizeH="0" baseline="0" noProof="0" dirty="0">
                 <a:ln>
                   <a:noFill/>
@@ -13271,47 +14359,17 @@
                 <a:ea typeface="+mn-ea"/>
                 <a:cs typeface="+mn-cs"/>
               </a:rPr>
-              <a:t>d)</a:t>
+              <a:t>)</a:t>
             </a:r>
           </a:p>
         </p:txBody>
       </p:sp>
-      <p:pic>
-        <p:nvPicPr>
-          <p:cNvPr id="37" name="Picture 36">
-            <a:extLst>
-              <a:ext uri="{FF2B5EF4-FFF2-40B4-BE49-F238E27FC236}">
-                <a16:creationId xmlns:a16="http://schemas.microsoft.com/office/drawing/2014/main" id="{79AC53A5-56B7-7B72-0BAB-7A9390DADD77}"/>
-              </a:ext>
-            </a:extLst>
-          </p:cNvPr>
-          <p:cNvPicPr>
-            <a:picLocks noChangeAspect="1"/>
-          </p:cNvPicPr>
-          <p:nvPr/>
-        </p:nvPicPr>
-        <p:blipFill>
-          <a:blip r:embed="rId9"/>
-          <a:stretch>
-            <a:fillRect/>
-          </a:stretch>
-        </p:blipFill>
-        <p:spPr>
-          <a:xfrm>
-            <a:off x="7418362" y="3937630"/>
-            <a:ext cx="2286000" cy="2286000"/>
-          </a:xfrm>
-          <a:prstGeom prst="rect">
-            <a:avLst/>
-          </a:prstGeom>
-        </p:spPr>
-      </p:pic>
       <p:sp>
         <p:nvSpPr>
-          <p:cNvPr id="30" name="TextBox 29">
-            <a:extLst>
-              <a:ext uri="{FF2B5EF4-FFF2-40B4-BE49-F238E27FC236}">
-                <a16:creationId xmlns:a16="http://schemas.microsoft.com/office/drawing/2014/main" id="{AB632764-D8EE-FCF9-ABED-9ED3E0BBD65B}"/>
+          <p:cNvPr id="16" name="TextBox 15">
+            <a:extLst>
+              <a:ext uri="{FF2B5EF4-FFF2-40B4-BE49-F238E27FC236}">
+                <a16:creationId xmlns:a16="http://schemas.microsoft.com/office/drawing/2014/main" id="{12E464F2-9237-3CF1-F1D5-909A057E5BDC}"/>
               </a:ext>
             </a:extLst>
           </p:cNvPr>
@@ -13320,8 +14378,8 @@
         </p:nvSpPr>
         <p:spPr>
           <a:xfrm>
-            <a:off x="7642378" y="3909079"/>
-            <a:ext cx="125034" cy="169277"/>
+            <a:off x="7555411" y="3915402"/>
+            <a:ext cx="78548" cy="169277"/>
           </a:xfrm>
           <a:prstGeom prst="rect">
             <a:avLst/>
@@ -13352,13 +14410,78 @@
               <a:defRPr/>
             </a:pPr>
             <a:r>
+              <a:rPr kumimoji="0" lang="en-DK" sz="1100" b="0" i="0" u="none" strike="noStrike" kern="1200" cap="none" spc="0" normalizeH="0" baseline="0" noProof="0" dirty="0">
+                <a:ln>
+                  <a:noFill/>
+                </a:ln>
+                <a:solidFill>
+                  <a:srgbClr val="000000"/>
+                </a:solidFill>
+                <a:effectLst/>
+                <a:uLnTx/>
+                <a:uFillTx/>
+                <a:latin typeface="Arial"/>
+                <a:ea typeface="+mn-ea"/>
+                <a:cs typeface="+mn-cs"/>
+              </a:rPr>
+              <a:t>i)</a:t>
+            </a:r>
+          </a:p>
+        </p:txBody>
+      </p:sp>
+      <p:sp>
+        <p:nvSpPr>
+          <p:cNvPr id="29" name="TextBox 28">
+            <a:extLst>
+              <a:ext uri="{FF2B5EF4-FFF2-40B4-BE49-F238E27FC236}">
+                <a16:creationId xmlns:a16="http://schemas.microsoft.com/office/drawing/2014/main" id="{077D272A-BE32-F9D1-2952-D2203DD61187}"/>
+              </a:ext>
+            </a:extLst>
+          </p:cNvPr>
+          <p:cNvSpPr txBox="1"/>
+          <p:nvPr/>
+        </p:nvSpPr>
+        <p:spPr>
+          <a:xfrm>
+            <a:off x="9661642" y="1655264"/>
+            <a:ext cx="125035" cy="169277"/>
+          </a:xfrm>
+          <a:prstGeom prst="rect">
+            <a:avLst/>
+          </a:prstGeom>
+          <a:noFill/>
+        </p:spPr>
+        <p:txBody>
+          <a:bodyPr wrap="none" lIns="0" tIns="0" rIns="0" bIns="0" rtlCol="0">
+            <a:spAutoFit/>
+          </a:bodyPr>
+          <a:lstStyle/>
+          <a:p>
+            <a:pPr marL="0" marR="0" lvl="0" indent="0" algn="r" defTabSz="914400" rtl="0" eaLnBrk="1" fontAlgn="auto" latinLnBrk="0" hangingPunct="1">
+              <a:lnSpc>
+                <a:spcPct val="100000"/>
+              </a:lnSpc>
+              <a:spcBef>
+                <a:spcPts val="432"/>
+              </a:spcBef>
+              <a:spcAft>
+                <a:spcPts val="0"/>
+              </a:spcAft>
+              <a:buClrTx/>
+              <a:buSzTx/>
+              <a:buFontTx/>
+              <a:buNone/>
+              <a:tabLst/>
+              <a:defRPr/>
+            </a:pPr>
+            <a:r>
               <a:rPr lang="en-DK" sz="1100" dirty="0">
                 <a:solidFill>
                   <a:srgbClr val="000000"/>
                 </a:solidFill>
                 <a:latin typeface="Arial"/>
               </a:rPr>
-              <a:t>h</a:t>
+              <a:t>e</a:t>
             </a:r>
             <a:r>
               <a:rPr kumimoji="0" lang="en-DK" sz="1100" b="0" i="0" u="none" strike="noStrike" kern="1200" cap="none" spc="0" normalizeH="0" baseline="0" noProof="0" dirty="0">
@@ -13380,10 +14503,1161 @@
           </a:p>
         </p:txBody>
       </p:sp>
+      <p:sp>
+        <p:nvSpPr>
+          <p:cNvPr id="30" name="TextBox 29">
+            <a:extLst>
+              <a:ext uri="{FF2B5EF4-FFF2-40B4-BE49-F238E27FC236}">
+                <a16:creationId xmlns:a16="http://schemas.microsoft.com/office/drawing/2014/main" id="{AB632764-D8EE-FCF9-ABED-9ED3E0BBD65B}"/>
+              </a:ext>
+            </a:extLst>
+          </p:cNvPr>
+          <p:cNvSpPr txBox="1"/>
+          <p:nvPr/>
+        </p:nvSpPr>
+        <p:spPr>
+          <a:xfrm>
+            <a:off x="9751576" y="3909079"/>
+            <a:ext cx="78548" cy="169277"/>
+          </a:xfrm>
+          <a:prstGeom prst="rect">
+            <a:avLst/>
+          </a:prstGeom>
+          <a:noFill/>
+        </p:spPr>
+        <p:txBody>
+          <a:bodyPr wrap="none" lIns="0" tIns="0" rIns="0" bIns="0" rtlCol="0">
+            <a:spAutoFit/>
+          </a:bodyPr>
+          <a:lstStyle/>
+          <a:p>
+            <a:pPr marL="0" marR="0" lvl="0" indent="0" algn="r" defTabSz="914400" rtl="0" eaLnBrk="1" fontAlgn="auto" latinLnBrk="0" hangingPunct="1">
+              <a:lnSpc>
+                <a:spcPct val="100000"/>
+              </a:lnSpc>
+              <a:spcBef>
+                <a:spcPts val="432"/>
+              </a:spcBef>
+              <a:spcAft>
+                <a:spcPts val="0"/>
+              </a:spcAft>
+              <a:buClrTx/>
+              <a:buSzTx/>
+              <a:buFontTx/>
+              <a:buNone/>
+              <a:tabLst/>
+              <a:defRPr/>
+            </a:pPr>
+            <a:r>
+              <a:rPr lang="en-DK" sz="1100" dirty="0">
+                <a:solidFill>
+                  <a:srgbClr val="000000"/>
+                </a:solidFill>
+                <a:latin typeface="Arial"/>
+              </a:rPr>
+              <a:t>j</a:t>
+            </a:r>
+            <a:r>
+              <a:rPr kumimoji="0" lang="en-DK" sz="1100" b="0" i="0" u="none" strike="noStrike" kern="1200" cap="none" spc="0" normalizeH="0" baseline="0" noProof="0" dirty="0">
+                <a:ln>
+                  <a:noFill/>
+                </a:ln>
+                <a:solidFill>
+                  <a:srgbClr val="000000"/>
+                </a:solidFill>
+                <a:effectLst/>
+                <a:uLnTx/>
+                <a:uFillTx/>
+                <a:latin typeface="Arial"/>
+                <a:ea typeface="+mn-ea"/>
+                <a:cs typeface="+mn-cs"/>
+              </a:rPr>
+              <a:t>)</a:t>
+            </a:r>
+          </a:p>
+        </p:txBody>
+      </p:sp>
+      <p:cxnSp>
+        <p:nvCxnSpPr>
+          <p:cNvPr id="70" name="Straight Connector 69">
+            <a:extLst>
+              <a:ext uri="{FF2B5EF4-FFF2-40B4-BE49-F238E27FC236}">
+                <a16:creationId xmlns:a16="http://schemas.microsoft.com/office/drawing/2014/main" id="{0721840A-ED52-716F-B7B9-A21D9706E046}"/>
+              </a:ext>
+            </a:extLst>
+          </p:cNvPr>
+          <p:cNvCxnSpPr/>
+          <p:nvPr/>
+        </p:nvCxnSpPr>
+        <p:spPr bwMode="auto">
+          <a:xfrm>
+            <a:off x="1173075" y="1197106"/>
+            <a:ext cx="8547234" cy="0"/>
+          </a:xfrm>
+          <a:prstGeom prst="line">
+            <a:avLst/>
+          </a:prstGeom>
+          <a:solidFill>
+            <a:schemeClr val="accent1"/>
+          </a:solidFill>
+          <a:ln w="9525" cap="flat" cmpd="sng" algn="ctr">
+            <a:solidFill>
+              <a:schemeClr val="tx1"/>
+            </a:solidFill>
+            <a:prstDash val="solid"/>
+            <a:miter lim="800000"/>
+            <a:headEnd type="none" w="med" len="med"/>
+            <a:tailEnd type="none" w="med" len="med"/>
+          </a:ln>
+          <a:effectLst/>
+          <a:extLst>
+            <a:ext uri="{AF507438-7753-43E0-B8FC-AC1667EBCBE1}">
+              <a14:hiddenEffects xmlns:a14="http://schemas.microsoft.com/office/drawing/2010/main">
+                <a:effectLst>
+                  <a:outerShdw dist="35921" dir="2700000" algn="ctr" rotWithShape="0">
+                    <a:schemeClr val="bg2"/>
+                  </a:outerShdw>
+                </a:effectLst>
+              </a14:hiddenEffects>
+            </a:ext>
+          </a:extLst>
+        </p:spPr>
+      </p:cxnSp>
+      <p:cxnSp>
+        <p:nvCxnSpPr>
+          <p:cNvPr id="72" name="Straight Connector 71">
+            <a:extLst>
+              <a:ext uri="{FF2B5EF4-FFF2-40B4-BE49-F238E27FC236}">
+                <a16:creationId xmlns:a16="http://schemas.microsoft.com/office/drawing/2014/main" id="{5A2D55D1-77AB-B3D5-3551-11592AF81B5D}"/>
+              </a:ext>
+            </a:extLst>
+          </p:cNvPr>
+          <p:cNvCxnSpPr/>
+          <p:nvPr/>
+        </p:nvCxnSpPr>
+        <p:spPr bwMode="auto">
+          <a:xfrm>
+            <a:off x="12192000" y="1901101"/>
+            <a:ext cx="0" cy="4825604"/>
+          </a:xfrm>
+          <a:prstGeom prst="line">
+            <a:avLst/>
+          </a:prstGeom>
+          <a:solidFill>
+            <a:schemeClr val="accent1"/>
+          </a:solidFill>
+          <a:ln w="9525" cap="flat" cmpd="sng" algn="ctr">
+            <a:solidFill>
+              <a:schemeClr val="tx1"/>
+            </a:solidFill>
+            <a:prstDash val="solid"/>
+            <a:miter lim="800000"/>
+            <a:headEnd type="none" w="med" len="med"/>
+            <a:tailEnd type="none" w="med" len="med"/>
+          </a:ln>
+          <a:effectLst/>
+          <a:extLst>
+            <a:ext uri="{AF507438-7753-43E0-B8FC-AC1667EBCBE1}">
+              <a14:hiddenEffects xmlns:a14="http://schemas.microsoft.com/office/drawing/2010/main">
+                <a:effectLst>
+                  <a:outerShdw dist="35921" dir="2700000" algn="ctr" rotWithShape="0">
+                    <a:schemeClr val="bg2"/>
+                  </a:outerShdw>
+                </a:effectLst>
+              </a14:hiddenEffects>
+            </a:ext>
+          </a:extLst>
+        </p:spPr>
+      </p:cxnSp>
     </p:spTree>
     <p:extLst>
       <p:ext uri="{BB962C8B-B14F-4D97-AF65-F5344CB8AC3E}">
         <p14:creationId xmlns:p14="http://schemas.microsoft.com/office/powerpoint/2010/main" val="374220502"/>
+      </p:ext>
+    </p:extLst>
+  </p:cSld>
+  <p:clrMapOvr>
+    <a:masterClrMapping/>
+  </p:clrMapOvr>
+</p:sld>
+</file>
+
+<file path=ppt/slides/slide6.xml><?xml version="1.0" encoding="utf-8"?>
+<p:sld xmlns:a="http://schemas.openxmlformats.org/drawingml/2006/main" xmlns:r="http://schemas.openxmlformats.org/officeDocument/2006/relationships" xmlns:p="http://schemas.openxmlformats.org/presentationml/2006/main" show="0">
+  <p:cSld>
+    <p:spTree>
+      <p:nvGrpSpPr>
+        <p:cNvPr id="1" name="">
+          <a:extLst>
+            <a:ext uri="{FF2B5EF4-FFF2-40B4-BE49-F238E27FC236}">
+              <a16:creationId xmlns:a16="http://schemas.microsoft.com/office/drawing/2014/main" id="{2418762F-4C23-4606-4B07-56B25F08AC6E}"/>
+            </a:ext>
+          </a:extLst>
+        </p:cNvPr>
+        <p:cNvGrpSpPr/>
+        <p:nvPr/>
+      </p:nvGrpSpPr>
+      <p:grpSpPr>
+        <a:xfrm>
+          <a:off x="0" y="0"/>
+          <a:ext cx="0" cy="0"/>
+          <a:chOff x="0" y="0"/>
+          <a:chExt cx="0" cy="0"/>
+        </a:xfrm>
+      </p:grpSpPr>
+      <p:pic>
+        <p:nvPicPr>
+          <p:cNvPr id="7" name="Picture 6">
+            <a:extLst>
+              <a:ext uri="{FF2B5EF4-FFF2-40B4-BE49-F238E27FC236}">
+                <a16:creationId xmlns:a16="http://schemas.microsoft.com/office/drawing/2014/main" id="{38175F94-5130-2B75-56A3-58F3A73B686C}"/>
+              </a:ext>
+            </a:extLst>
+          </p:cNvPr>
+          <p:cNvPicPr>
+            <a:picLocks noChangeAspect="1"/>
+          </p:cNvPicPr>
+          <p:nvPr/>
+        </p:nvPicPr>
+        <p:blipFill>
+          <a:blip r:embed="rId2"/>
+          <a:stretch>
+            <a:fillRect/>
+          </a:stretch>
+        </p:blipFill>
+        <p:spPr>
+          <a:xfrm>
+            <a:off x="3369312" y="587828"/>
+            <a:ext cx="1238076" cy="1238076"/>
+          </a:xfrm>
+          <a:prstGeom prst="rect">
+            <a:avLst/>
+          </a:prstGeom>
+        </p:spPr>
+      </p:pic>
+      <p:pic>
+        <p:nvPicPr>
+          <p:cNvPr id="9" name="Picture 8">
+            <a:extLst>
+              <a:ext uri="{FF2B5EF4-FFF2-40B4-BE49-F238E27FC236}">
+                <a16:creationId xmlns:a16="http://schemas.microsoft.com/office/drawing/2014/main" id="{473AC233-F53C-1EF1-0949-DADA215DE670}"/>
+              </a:ext>
+            </a:extLst>
+          </p:cNvPr>
+          <p:cNvPicPr>
+            <a:picLocks noChangeAspect="1"/>
+          </p:cNvPicPr>
+          <p:nvPr/>
+        </p:nvPicPr>
+        <p:blipFill>
+          <a:blip r:embed="rId3"/>
+          <a:stretch>
+            <a:fillRect/>
+          </a:stretch>
+        </p:blipFill>
+        <p:spPr>
+          <a:xfrm>
+            <a:off x="3366347" y="1686977"/>
+            <a:ext cx="1238076" cy="1238076"/>
+          </a:xfrm>
+          <a:prstGeom prst="rect">
+            <a:avLst/>
+          </a:prstGeom>
+        </p:spPr>
+      </p:pic>
+      <p:pic>
+        <p:nvPicPr>
+          <p:cNvPr id="41" name="Picture 40">
+            <a:extLst>
+              <a:ext uri="{FF2B5EF4-FFF2-40B4-BE49-F238E27FC236}">
+                <a16:creationId xmlns:a16="http://schemas.microsoft.com/office/drawing/2014/main" id="{8D66A646-75A4-C239-DF42-EB4EDF8A02EB}"/>
+              </a:ext>
+            </a:extLst>
+          </p:cNvPr>
+          <p:cNvPicPr>
+            <a:picLocks noChangeAspect="1"/>
+          </p:cNvPicPr>
+          <p:nvPr/>
+        </p:nvPicPr>
+        <p:blipFill>
+          <a:blip r:embed="rId4"/>
+          <a:stretch>
+            <a:fillRect/>
+          </a:stretch>
+        </p:blipFill>
+        <p:spPr>
+          <a:xfrm>
+            <a:off x="3361364" y="2773746"/>
+            <a:ext cx="1238076" cy="1238076"/>
+          </a:xfrm>
+          <a:prstGeom prst="rect">
+            <a:avLst/>
+          </a:prstGeom>
+        </p:spPr>
+      </p:pic>
+      <p:sp>
+        <p:nvSpPr>
+          <p:cNvPr id="2" name="Slide Number Placeholder 1">
+            <a:extLst>
+              <a:ext uri="{FF2B5EF4-FFF2-40B4-BE49-F238E27FC236}">
+                <a16:creationId xmlns:a16="http://schemas.microsoft.com/office/drawing/2014/main" id="{476F6848-F22F-F827-519C-804FF9F191AA}"/>
+              </a:ext>
+            </a:extLst>
+          </p:cNvPr>
+          <p:cNvSpPr>
+            <a:spLocks noGrp="1"/>
+          </p:cNvSpPr>
+          <p:nvPr>
+            <p:ph type="sldNum" sz="quarter" idx="11"/>
+          </p:nvPr>
+        </p:nvSpPr>
+        <p:spPr/>
+        <p:txBody>
+          <a:bodyPr/>
+          <a:lstStyle/>
+          <a:p>
+            <a:pPr marL="0" marR="0" lvl="0" indent="0" algn="l" defTabSz="914400" rtl="0" eaLnBrk="1" fontAlgn="auto" latinLnBrk="0" hangingPunct="1">
+              <a:lnSpc>
+                <a:spcPct val="100000"/>
+              </a:lnSpc>
+              <a:spcBef>
+                <a:spcPts val="0"/>
+              </a:spcBef>
+              <a:spcAft>
+                <a:spcPts val="0"/>
+              </a:spcAft>
+              <a:buClrTx/>
+              <a:buSzTx/>
+              <a:buFontTx/>
+              <a:buNone/>
+              <a:tabLst/>
+              <a:defRPr/>
+            </a:pPr>
+            <a:fld id="{103EA872-A674-449B-A120-B97244F8E91D}" type="slidenum">
+              <a:rPr kumimoji="0" lang="en-GB" sz="700" b="1" i="0" u="none" strike="noStrike" kern="1200" cap="none" spc="0" normalizeH="0" baseline="0" noProof="0" smtClean="0">
+                <a:ln>
+                  <a:noFill/>
+                </a:ln>
+                <a:solidFill>
+                  <a:srgbClr val="FFFFFF"/>
+                </a:solidFill>
+                <a:effectLst/>
+                <a:uLnTx/>
+                <a:uFillTx/>
+                <a:latin typeface="Arial"/>
+                <a:ea typeface="+mn-ea"/>
+                <a:cs typeface="+mn-cs"/>
+              </a:rPr>
+              <a:pPr marL="0" marR="0" lvl="0" indent="0" algn="l" defTabSz="914400" rtl="0" eaLnBrk="1" fontAlgn="auto" latinLnBrk="0" hangingPunct="1">
+                <a:lnSpc>
+                  <a:spcPct val="100000"/>
+                </a:lnSpc>
+                <a:spcBef>
+                  <a:spcPts val="0"/>
+                </a:spcBef>
+                <a:spcAft>
+                  <a:spcPts val="0"/>
+                </a:spcAft>
+                <a:buClrTx/>
+                <a:buSzTx/>
+                <a:buFontTx/>
+                <a:buNone/>
+                <a:tabLst/>
+                <a:defRPr/>
+              </a:pPr>
+              <a:t>6</a:t>
+            </a:fld>
+            <a:endParaRPr kumimoji="0" lang="en-GB" sz="700" b="1" i="0" u="none" strike="noStrike" kern="1200" cap="none" spc="0" normalizeH="0" baseline="0" noProof="0" dirty="0">
+              <a:ln>
+                <a:noFill/>
+              </a:ln>
+              <a:solidFill>
+                <a:srgbClr val="FFFFFF"/>
+              </a:solidFill>
+              <a:effectLst/>
+              <a:uLnTx/>
+              <a:uFillTx/>
+              <a:latin typeface="Arial"/>
+              <a:ea typeface="+mn-ea"/>
+              <a:cs typeface="+mn-cs"/>
+            </a:endParaRPr>
+          </a:p>
+        </p:txBody>
+      </p:sp>
+      <p:sp>
+        <p:nvSpPr>
+          <p:cNvPr id="3" name="Date Placeholder 2">
+            <a:extLst>
+              <a:ext uri="{FF2B5EF4-FFF2-40B4-BE49-F238E27FC236}">
+                <a16:creationId xmlns:a16="http://schemas.microsoft.com/office/drawing/2014/main" id="{38A9DFC6-D14C-34ED-E75D-D28FE55DF692}"/>
+              </a:ext>
+            </a:extLst>
+          </p:cNvPr>
+          <p:cNvSpPr>
+            <a:spLocks noGrp="1"/>
+          </p:cNvSpPr>
+          <p:nvPr>
+            <p:ph type="dt" sz="half" idx="12"/>
+          </p:nvPr>
+        </p:nvSpPr>
+        <p:spPr/>
+        <p:txBody>
+          <a:bodyPr/>
+          <a:lstStyle/>
+          <a:p>
+            <a:pPr marL="0" marR="0" lvl="0" indent="0" algn="r" defTabSz="914400" rtl="0" eaLnBrk="1" fontAlgn="auto" latinLnBrk="0" hangingPunct="1">
+              <a:lnSpc>
+                <a:spcPct val="100000"/>
+              </a:lnSpc>
+              <a:spcBef>
+                <a:spcPts val="0"/>
+              </a:spcBef>
+              <a:spcAft>
+                <a:spcPts val="0"/>
+              </a:spcAft>
+              <a:buClrTx/>
+              <a:buSzTx/>
+              <a:buFontTx/>
+              <a:buNone/>
+              <a:tabLst/>
+              <a:defRPr/>
+            </a:pPr>
+            <a:fld id="{9A1051F6-884E-4D46-AD5F-8A730B377BAA}" type="datetime1">
+              <a:rPr kumimoji="0" lang="da-DK" sz="700" b="1" i="0" u="none" strike="noStrike" kern="1200" cap="none" spc="0" normalizeH="0" baseline="0" noProof="0" smtClean="0">
+                <a:ln>
+                  <a:noFill/>
+                </a:ln>
+                <a:solidFill>
+                  <a:srgbClr val="FFFFFF"/>
+                </a:solidFill>
+                <a:effectLst/>
+                <a:uLnTx/>
+                <a:uFillTx/>
+                <a:latin typeface="Arial"/>
+                <a:ea typeface="+mn-ea"/>
+                <a:cs typeface="+mn-cs"/>
+              </a:rPr>
+              <a:pPr marL="0" marR="0" lvl="0" indent="0" algn="r" defTabSz="914400" rtl="0" eaLnBrk="1" fontAlgn="auto" latinLnBrk="0" hangingPunct="1">
+                <a:lnSpc>
+                  <a:spcPct val="100000"/>
+                </a:lnSpc>
+                <a:spcBef>
+                  <a:spcPts val="0"/>
+                </a:spcBef>
+                <a:spcAft>
+                  <a:spcPts val="0"/>
+                </a:spcAft>
+                <a:buClrTx/>
+                <a:buSzTx/>
+                <a:buFontTx/>
+                <a:buNone/>
+                <a:tabLst/>
+                <a:defRPr/>
+              </a:pPr>
+              <a:t>30.06.2025</a:t>
+            </a:fld>
+            <a:endParaRPr kumimoji="0" lang="en-GB" sz="700" b="1" i="0" u="none" strike="noStrike" kern="1200" cap="none" spc="0" normalizeH="0" baseline="0" noProof="0">
+              <a:ln>
+                <a:noFill/>
+              </a:ln>
+              <a:solidFill>
+                <a:srgbClr val="FFFFFF"/>
+              </a:solidFill>
+              <a:effectLst/>
+              <a:uLnTx/>
+              <a:uFillTx/>
+              <a:latin typeface="Arial"/>
+              <a:ea typeface="+mn-ea"/>
+              <a:cs typeface="+mn-cs"/>
+            </a:endParaRPr>
+          </a:p>
+        </p:txBody>
+      </p:sp>
+      <p:sp>
+        <p:nvSpPr>
+          <p:cNvPr id="12" name="TextBox 11">
+            <a:extLst>
+              <a:ext uri="{FF2B5EF4-FFF2-40B4-BE49-F238E27FC236}">
+                <a16:creationId xmlns:a16="http://schemas.microsoft.com/office/drawing/2014/main" id="{40EEB053-B809-D42F-4402-235F62A3C5FC}"/>
+              </a:ext>
+            </a:extLst>
+          </p:cNvPr>
+          <p:cNvSpPr txBox="1"/>
+          <p:nvPr/>
+        </p:nvSpPr>
+        <p:spPr>
+          <a:xfrm>
+            <a:off x="10309412" y="358588"/>
+            <a:ext cx="1025922" cy="276999"/>
+          </a:xfrm>
+          <a:prstGeom prst="rect">
+            <a:avLst/>
+          </a:prstGeom>
+          <a:noFill/>
+        </p:spPr>
+        <p:txBody>
+          <a:bodyPr wrap="none" lIns="0" tIns="0" rIns="0" bIns="0" rtlCol="0">
+            <a:spAutoFit/>
+          </a:bodyPr>
+          <a:lstStyle/>
+          <a:p>
+            <a:pPr marL="0" marR="0" lvl="0" indent="0" algn="l" defTabSz="914400" rtl="0" eaLnBrk="1" fontAlgn="auto" latinLnBrk="0" hangingPunct="1">
+              <a:lnSpc>
+                <a:spcPct val="100000"/>
+              </a:lnSpc>
+              <a:spcBef>
+                <a:spcPts val="432"/>
+              </a:spcBef>
+              <a:spcAft>
+                <a:spcPts val="0"/>
+              </a:spcAft>
+              <a:buClrTx/>
+              <a:buSzTx/>
+              <a:buFontTx/>
+              <a:buNone/>
+              <a:tabLst/>
+              <a:defRPr/>
+            </a:pPr>
+            <a:r>
+              <a:rPr lang="en-DK" dirty="0">
+                <a:solidFill>
+                  <a:srgbClr val="000000"/>
+                </a:solidFill>
+                <a:latin typeface="Arial"/>
+              </a:rPr>
+              <a:t>30</a:t>
+            </a:r>
+            <a:r>
+              <a:rPr kumimoji="0" lang="en-DK" sz="1800" b="0" i="0" u="none" strike="noStrike" kern="1200" cap="none" spc="0" normalizeH="0" baseline="0" noProof="0" dirty="0">
+                <a:ln>
+                  <a:noFill/>
+                </a:ln>
+                <a:solidFill>
+                  <a:srgbClr val="000000"/>
+                </a:solidFill>
+                <a:effectLst/>
+                <a:uLnTx/>
+                <a:uFillTx/>
+                <a:latin typeface="Arial"/>
+                <a:ea typeface="+mn-ea"/>
+                <a:cs typeface="+mn-cs"/>
+              </a:rPr>
+              <a:t>.6.2025</a:t>
+            </a:r>
+          </a:p>
+        </p:txBody>
+      </p:sp>
+      <p:sp>
+        <p:nvSpPr>
+          <p:cNvPr id="5" name="TextBox 4">
+            <a:extLst>
+              <a:ext uri="{FF2B5EF4-FFF2-40B4-BE49-F238E27FC236}">
+                <a16:creationId xmlns:a16="http://schemas.microsoft.com/office/drawing/2014/main" id="{FAF0D73B-02E3-AE13-7143-63E0AF78FA1F}"/>
+              </a:ext>
+            </a:extLst>
+          </p:cNvPr>
+          <p:cNvSpPr txBox="1"/>
+          <p:nvPr/>
+        </p:nvSpPr>
+        <p:spPr>
+          <a:xfrm>
+            <a:off x="-599150" y="995905"/>
+            <a:ext cx="2503891" cy="169277"/>
+          </a:xfrm>
+          <a:prstGeom prst="rect">
+            <a:avLst/>
+          </a:prstGeom>
+          <a:noFill/>
+        </p:spPr>
+        <p:txBody>
+          <a:bodyPr wrap="none" lIns="0" tIns="0" rIns="0" bIns="0" rtlCol="0">
+            <a:spAutoFit/>
+          </a:bodyPr>
+          <a:lstStyle/>
+          <a:p>
+            <a:pPr algn="l">
+              <a:spcBef>
+                <a:spcPts val="432"/>
+              </a:spcBef>
+            </a:pPr>
+            <a:r>
+              <a:rPr lang="en-GB" sz="1100" dirty="0">
+                <a:latin typeface="+mn-lt"/>
+              </a:rPr>
+              <a:t>S</a:t>
+            </a:r>
+            <a:r>
+              <a:rPr lang="en-DK" sz="1100" dirty="0">
+                <a:latin typeface="+mn-lt"/>
+              </a:rPr>
+              <a:t>elect. </a:t>
+            </a:r>
+            <a:r>
+              <a:rPr lang="en-GB" sz="1100" dirty="0">
+                <a:latin typeface="+mn-lt"/>
+              </a:rPr>
+              <a:t>R</a:t>
+            </a:r>
+            <a:r>
+              <a:rPr lang="en-DK" sz="1100" dirty="0">
+                <a:latin typeface="+mn-lt"/>
+              </a:rPr>
+              <a:t>ight click “save as picture” pdf. </a:t>
+            </a:r>
+          </a:p>
+        </p:txBody>
+      </p:sp>
+      <p:cxnSp>
+        <p:nvCxnSpPr>
+          <p:cNvPr id="74" name="Straight Connector 73">
+            <a:extLst>
+              <a:ext uri="{FF2B5EF4-FFF2-40B4-BE49-F238E27FC236}">
+                <a16:creationId xmlns:a16="http://schemas.microsoft.com/office/drawing/2014/main" id="{36E95E36-5EED-F3AB-8195-B3F4CBBC6A6D}"/>
+              </a:ext>
+            </a:extLst>
+          </p:cNvPr>
+          <p:cNvCxnSpPr/>
+          <p:nvPr/>
+        </p:nvCxnSpPr>
+        <p:spPr bwMode="auto">
+          <a:xfrm>
+            <a:off x="12074754" y="919074"/>
+            <a:ext cx="3657600" cy="0"/>
+          </a:xfrm>
+          <a:prstGeom prst="line">
+            <a:avLst/>
+          </a:prstGeom>
+          <a:solidFill>
+            <a:schemeClr val="accent1"/>
+          </a:solidFill>
+          <a:ln w="9525" cap="flat" cmpd="sng" algn="ctr">
+            <a:solidFill>
+              <a:schemeClr val="tx1"/>
+            </a:solidFill>
+            <a:prstDash val="solid"/>
+            <a:miter lim="800000"/>
+            <a:headEnd type="none" w="med" len="med"/>
+            <a:tailEnd type="none" w="med" len="med"/>
+          </a:ln>
+          <a:effectLst/>
+          <a:extLst>
+            <a:ext uri="{AF507438-7753-43E0-B8FC-AC1667EBCBE1}">
+              <a14:hiddenEffects xmlns:a14="http://schemas.microsoft.com/office/drawing/2010/main">
+                <a:effectLst>
+                  <a:outerShdw dist="35921" dir="2700000" algn="ctr" rotWithShape="0">
+                    <a:schemeClr val="bg2"/>
+                  </a:outerShdw>
+                </a:effectLst>
+              </a14:hiddenEffects>
+            </a:ext>
+          </a:extLst>
+        </p:spPr>
+      </p:cxnSp>
+      <p:cxnSp>
+        <p:nvCxnSpPr>
+          <p:cNvPr id="72" name="Straight Connector 71">
+            <a:extLst>
+              <a:ext uri="{FF2B5EF4-FFF2-40B4-BE49-F238E27FC236}">
+                <a16:creationId xmlns:a16="http://schemas.microsoft.com/office/drawing/2014/main" id="{F82EFDAE-D63B-AB59-864B-9E271B26C2EC}"/>
+              </a:ext>
+            </a:extLst>
+          </p:cNvPr>
+          <p:cNvCxnSpPr/>
+          <p:nvPr/>
+        </p:nvCxnSpPr>
+        <p:spPr bwMode="auto">
+          <a:xfrm>
+            <a:off x="13081149" y="1645920"/>
+            <a:ext cx="0" cy="4825604"/>
+          </a:xfrm>
+          <a:prstGeom prst="line">
+            <a:avLst/>
+          </a:prstGeom>
+          <a:solidFill>
+            <a:schemeClr val="accent1"/>
+          </a:solidFill>
+          <a:ln w="9525" cap="flat" cmpd="sng" algn="ctr">
+            <a:solidFill>
+              <a:schemeClr val="tx1"/>
+            </a:solidFill>
+            <a:prstDash val="solid"/>
+            <a:miter lim="800000"/>
+            <a:headEnd type="none" w="med" len="med"/>
+            <a:tailEnd type="none" w="med" len="med"/>
+          </a:ln>
+          <a:effectLst/>
+          <a:extLst>
+            <a:ext uri="{AF507438-7753-43E0-B8FC-AC1667EBCBE1}">
+              <a14:hiddenEffects xmlns:a14="http://schemas.microsoft.com/office/drawing/2010/main">
+                <a:effectLst>
+                  <a:outerShdw dist="35921" dir="2700000" algn="ctr" rotWithShape="0">
+                    <a:schemeClr val="bg2"/>
+                  </a:outerShdw>
+                </a:effectLst>
+              </a14:hiddenEffects>
+            </a:ext>
+          </a:extLst>
+        </p:spPr>
+      </p:cxnSp>
+      <p:sp>
+        <p:nvSpPr>
+          <p:cNvPr id="6" name="TextBox 5">
+            <a:extLst>
+              <a:ext uri="{FF2B5EF4-FFF2-40B4-BE49-F238E27FC236}">
+                <a16:creationId xmlns:a16="http://schemas.microsoft.com/office/drawing/2014/main" id="{2F47F6AF-405E-9729-310F-AC36A501222C}"/>
+              </a:ext>
+            </a:extLst>
+          </p:cNvPr>
+          <p:cNvSpPr txBox="1"/>
+          <p:nvPr/>
+        </p:nvSpPr>
+        <p:spPr>
+          <a:xfrm>
+            <a:off x="1084729" y="475129"/>
+            <a:ext cx="859210" cy="276999"/>
+          </a:xfrm>
+          <a:prstGeom prst="rect">
+            <a:avLst/>
+          </a:prstGeom>
+          <a:noFill/>
+        </p:spPr>
+        <p:txBody>
+          <a:bodyPr wrap="none" lIns="0" tIns="0" rIns="0" bIns="0" rtlCol="0">
+            <a:spAutoFit/>
+          </a:bodyPr>
+          <a:lstStyle/>
+          <a:p>
+            <a:pPr marL="0" marR="0" lvl="0" indent="0" algn="l" defTabSz="914400" rtl="0" eaLnBrk="1" fontAlgn="auto" latinLnBrk="0" hangingPunct="1">
+              <a:lnSpc>
+                <a:spcPct val="100000"/>
+              </a:lnSpc>
+              <a:spcBef>
+                <a:spcPts val="432"/>
+              </a:spcBef>
+              <a:spcAft>
+                <a:spcPts val="0"/>
+              </a:spcAft>
+              <a:buClrTx/>
+              <a:buSzTx/>
+              <a:buFontTx/>
+              <a:buNone/>
+              <a:tabLst/>
+              <a:defRPr/>
+            </a:pPr>
+            <a:r>
+              <a:rPr kumimoji="0" lang="en-DK" sz="1800" b="0" i="0" u="none" strike="noStrike" kern="1200" cap="none" spc="0" normalizeH="0" baseline="0" noProof="0" dirty="0">
+                <a:ln>
+                  <a:noFill/>
+                </a:ln>
+                <a:solidFill>
+                  <a:srgbClr val="000000"/>
+                </a:solidFill>
+                <a:effectLst/>
+                <a:uLnTx/>
+                <a:uFillTx/>
+                <a:latin typeface="Arial"/>
+                <a:ea typeface="+mn-ea"/>
+                <a:cs typeface="+mn-cs"/>
+              </a:rPr>
+              <a:t>SI figure</a:t>
+            </a:r>
+          </a:p>
+        </p:txBody>
+      </p:sp>
+      <p:pic>
+        <p:nvPicPr>
+          <p:cNvPr id="20" name="Picture 19">
+            <a:extLst>
+              <a:ext uri="{FF2B5EF4-FFF2-40B4-BE49-F238E27FC236}">
+                <a16:creationId xmlns:a16="http://schemas.microsoft.com/office/drawing/2014/main" id="{044BE230-387A-7858-303E-A80573E72620}"/>
+              </a:ext>
+            </a:extLst>
+          </p:cNvPr>
+          <p:cNvPicPr>
+            <a:picLocks noChangeAspect="1"/>
+          </p:cNvPicPr>
+          <p:nvPr/>
+        </p:nvPicPr>
+        <p:blipFill>
+          <a:blip r:embed="rId5"/>
+          <a:stretch>
+            <a:fillRect/>
+          </a:stretch>
+        </p:blipFill>
+        <p:spPr>
+          <a:xfrm>
+            <a:off x="4570112" y="590846"/>
+            <a:ext cx="1238076" cy="1238076"/>
+          </a:xfrm>
+          <a:prstGeom prst="rect">
+            <a:avLst/>
+          </a:prstGeom>
+        </p:spPr>
+      </p:pic>
+      <p:sp>
+        <p:nvSpPr>
+          <p:cNvPr id="33" name="TextBox 32">
+            <a:extLst>
+              <a:ext uri="{FF2B5EF4-FFF2-40B4-BE49-F238E27FC236}">
+                <a16:creationId xmlns:a16="http://schemas.microsoft.com/office/drawing/2014/main" id="{7F5C7FF9-7A54-4C2E-DF50-8C4135F8A9E7}"/>
+              </a:ext>
+            </a:extLst>
+          </p:cNvPr>
+          <p:cNvSpPr txBox="1"/>
+          <p:nvPr/>
+        </p:nvSpPr>
+        <p:spPr>
+          <a:xfrm>
+            <a:off x="-234111" y="309808"/>
+            <a:ext cx="2667462" cy="276999"/>
+          </a:xfrm>
+          <a:prstGeom prst="rect">
+            <a:avLst/>
+          </a:prstGeom>
+          <a:noFill/>
+        </p:spPr>
+        <p:txBody>
+          <a:bodyPr wrap="none" lIns="0" tIns="0" rIns="0" bIns="0" rtlCol="0">
+            <a:spAutoFit/>
+          </a:bodyPr>
+          <a:lstStyle/>
+          <a:p>
+            <a:pPr algn="l">
+              <a:spcBef>
+                <a:spcPts val="432"/>
+              </a:spcBef>
+            </a:pPr>
+            <a:r>
+              <a:rPr lang="en-DK" dirty="0">
+                <a:latin typeface="+mn-lt"/>
+              </a:rPr>
+              <a:t>Vojvodic 2014 parameters</a:t>
+            </a:r>
+          </a:p>
+        </p:txBody>
+      </p:sp>
+      <p:pic>
+        <p:nvPicPr>
+          <p:cNvPr id="24" name="Picture 23">
+            <a:extLst>
+              <a:ext uri="{FF2B5EF4-FFF2-40B4-BE49-F238E27FC236}">
+                <a16:creationId xmlns:a16="http://schemas.microsoft.com/office/drawing/2014/main" id="{073D8CD1-BF05-F68C-F948-2DD776C19D8A}"/>
+              </a:ext>
+            </a:extLst>
+          </p:cNvPr>
+          <p:cNvPicPr>
+            <a:picLocks noChangeAspect="1"/>
+          </p:cNvPicPr>
+          <p:nvPr/>
+        </p:nvPicPr>
+        <p:blipFill>
+          <a:blip r:embed="rId6"/>
+          <a:stretch>
+            <a:fillRect/>
+          </a:stretch>
+        </p:blipFill>
+        <p:spPr>
+          <a:xfrm>
+            <a:off x="4577118" y="1686894"/>
+            <a:ext cx="1238076" cy="1238076"/>
+          </a:xfrm>
+          <a:prstGeom prst="rect">
+            <a:avLst/>
+          </a:prstGeom>
+        </p:spPr>
+      </p:pic>
+      <p:pic>
+        <p:nvPicPr>
+          <p:cNvPr id="43" name="Picture 42">
+            <a:extLst>
+              <a:ext uri="{FF2B5EF4-FFF2-40B4-BE49-F238E27FC236}">
+                <a16:creationId xmlns:a16="http://schemas.microsoft.com/office/drawing/2014/main" id="{9CA287E5-91D1-CF7C-B4A9-AB8734939573}"/>
+              </a:ext>
+            </a:extLst>
+          </p:cNvPr>
+          <p:cNvPicPr>
+            <a:picLocks noChangeAspect="1"/>
+          </p:cNvPicPr>
+          <p:nvPr/>
+        </p:nvPicPr>
+        <p:blipFill>
+          <a:blip r:embed="rId7"/>
+          <a:stretch>
+            <a:fillRect/>
+          </a:stretch>
+        </p:blipFill>
+        <p:spPr>
+          <a:xfrm>
+            <a:off x="4584407" y="2774652"/>
+            <a:ext cx="1238076" cy="1238076"/>
+          </a:xfrm>
+          <a:prstGeom prst="rect">
+            <a:avLst/>
+          </a:prstGeom>
+        </p:spPr>
+      </p:pic>
+      <p:cxnSp>
+        <p:nvCxnSpPr>
+          <p:cNvPr id="73" name="Straight Connector 72">
+            <a:extLst>
+              <a:ext uri="{FF2B5EF4-FFF2-40B4-BE49-F238E27FC236}">
+                <a16:creationId xmlns:a16="http://schemas.microsoft.com/office/drawing/2014/main" id="{C6B1B47B-FCE4-A242-F924-1BCC572197BE}"/>
+              </a:ext>
+            </a:extLst>
+          </p:cNvPr>
+          <p:cNvCxnSpPr/>
+          <p:nvPr/>
+        </p:nvCxnSpPr>
+        <p:spPr bwMode="auto">
+          <a:xfrm>
+            <a:off x="9020250" y="747017"/>
+            <a:ext cx="0" cy="5564717"/>
+          </a:xfrm>
+          <a:prstGeom prst="line">
+            <a:avLst/>
+          </a:prstGeom>
+          <a:solidFill>
+            <a:schemeClr val="accent1"/>
+          </a:solidFill>
+          <a:ln w="9525" cap="flat" cmpd="sng" algn="ctr">
+            <a:solidFill>
+              <a:schemeClr val="tx1"/>
+            </a:solidFill>
+            <a:prstDash val="solid"/>
+            <a:miter lim="800000"/>
+            <a:headEnd type="none" w="med" len="med"/>
+            <a:tailEnd type="none" w="med" len="med"/>
+          </a:ln>
+          <a:effectLst/>
+          <a:extLst>
+            <a:ext uri="{AF507438-7753-43E0-B8FC-AC1667EBCBE1}">
+              <a14:hiddenEffects xmlns:a14="http://schemas.microsoft.com/office/drawing/2010/main">
+                <a:effectLst>
+                  <a:outerShdw dist="35921" dir="2700000" algn="ctr" rotWithShape="0">
+                    <a:schemeClr val="bg2"/>
+                  </a:outerShdw>
+                </a:effectLst>
+              </a14:hiddenEffects>
+            </a:ext>
+          </a:extLst>
+        </p:spPr>
+      </p:cxnSp>
+      <p:cxnSp>
+        <p:nvCxnSpPr>
+          <p:cNvPr id="70" name="Straight Connector 69">
+            <a:extLst>
+              <a:ext uri="{FF2B5EF4-FFF2-40B4-BE49-F238E27FC236}">
+                <a16:creationId xmlns:a16="http://schemas.microsoft.com/office/drawing/2014/main" id="{57196877-F9A0-F09D-A615-7A299D6337DA}"/>
+              </a:ext>
+            </a:extLst>
+          </p:cNvPr>
+          <p:cNvCxnSpPr/>
+          <p:nvPr/>
+        </p:nvCxnSpPr>
+        <p:spPr bwMode="auto">
+          <a:xfrm>
+            <a:off x="-78853" y="6348190"/>
+            <a:ext cx="8547234" cy="0"/>
+          </a:xfrm>
+          <a:prstGeom prst="line">
+            <a:avLst/>
+          </a:prstGeom>
+          <a:solidFill>
+            <a:schemeClr val="accent1"/>
+          </a:solidFill>
+          <a:ln w="9525" cap="flat" cmpd="sng" algn="ctr">
+            <a:solidFill>
+              <a:schemeClr val="tx1"/>
+            </a:solidFill>
+            <a:prstDash val="solid"/>
+            <a:miter lim="800000"/>
+            <a:headEnd type="none" w="med" len="med"/>
+            <a:tailEnd type="none" w="med" len="med"/>
+          </a:ln>
+          <a:effectLst/>
+          <a:extLst>
+            <a:ext uri="{AF507438-7753-43E0-B8FC-AC1667EBCBE1}">
+              <a14:hiddenEffects xmlns:a14="http://schemas.microsoft.com/office/drawing/2010/main">
+                <a:effectLst>
+                  <a:outerShdw dist="35921" dir="2700000" algn="ctr" rotWithShape="0">
+                    <a:schemeClr val="bg2"/>
+                  </a:outerShdw>
+                </a:effectLst>
+              </a14:hiddenEffects>
+            </a:ext>
+          </a:extLst>
+        </p:spPr>
+      </p:cxnSp>
+      <p:cxnSp>
+        <p:nvCxnSpPr>
+          <p:cNvPr id="8" name="Straight Connector 7">
+            <a:extLst>
+              <a:ext uri="{FF2B5EF4-FFF2-40B4-BE49-F238E27FC236}">
+                <a16:creationId xmlns:a16="http://schemas.microsoft.com/office/drawing/2014/main" id="{346D435A-FE48-5F2A-1517-F41ED1F282FB}"/>
+              </a:ext>
+            </a:extLst>
+          </p:cNvPr>
+          <p:cNvCxnSpPr/>
+          <p:nvPr/>
+        </p:nvCxnSpPr>
+        <p:spPr bwMode="auto">
+          <a:xfrm>
+            <a:off x="8525444" y="691598"/>
+            <a:ext cx="0" cy="5564717"/>
+          </a:xfrm>
+          <a:prstGeom prst="line">
+            <a:avLst/>
+          </a:prstGeom>
+          <a:solidFill>
+            <a:schemeClr val="accent1"/>
+          </a:solidFill>
+          <a:ln w="9525" cap="flat" cmpd="sng" algn="ctr">
+            <a:solidFill>
+              <a:schemeClr val="tx1"/>
+            </a:solidFill>
+            <a:prstDash val="solid"/>
+            <a:miter lim="800000"/>
+            <a:headEnd type="none" w="med" len="med"/>
+            <a:tailEnd type="none" w="med" len="med"/>
+          </a:ln>
+          <a:effectLst/>
+          <a:extLst>
+            <a:ext uri="{AF507438-7753-43E0-B8FC-AC1667EBCBE1}">
+              <a14:hiddenEffects xmlns:a14="http://schemas.microsoft.com/office/drawing/2010/main">
+                <a:effectLst>
+                  <a:outerShdw dist="35921" dir="2700000" algn="ctr" rotWithShape="0">
+                    <a:schemeClr val="bg2"/>
+                  </a:outerShdw>
+                </a:effectLst>
+              </a14:hiddenEffects>
+            </a:ext>
+          </a:extLst>
+        </p:spPr>
+      </p:cxnSp>
+      <p:pic>
+        <p:nvPicPr>
+          <p:cNvPr id="18" name="Picture 17">
+            <a:extLst>
+              <a:ext uri="{FF2B5EF4-FFF2-40B4-BE49-F238E27FC236}">
+                <a16:creationId xmlns:a16="http://schemas.microsoft.com/office/drawing/2014/main" id="{E56EB0AB-4B24-41CE-8307-82AA4CC121FE}"/>
+              </a:ext>
+            </a:extLst>
+          </p:cNvPr>
+          <p:cNvPicPr>
+            <a:picLocks noChangeAspect="1"/>
+          </p:cNvPicPr>
+          <p:nvPr/>
+        </p:nvPicPr>
+        <p:blipFill>
+          <a:blip r:embed="rId8"/>
+          <a:stretch>
+            <a:fillRect/>
+          </a:stretch>
+        </p:blipFill>
+        <p:spPr>
+          <a:xfrm>
+            <a:off x="3364072" y="3862185"/>
+            <a:ext cx="1238076" cy="1238076"/>
+          </a:xfrm>
+          <a:prstGeom prst="rect">
+            <a:avLst/>
+          </a:prstGeom>
+        </p:spPr>
+      </p:pic>
+      <p:pic>
+        <p:nvPicPr>
+          <p:cNvPr id="39" name="Picture 38">
+            <a:extLst>
+              <a:ext uri="{FF2B5EF4-FFF2-40B4-BE49-F238E27FC236}">
+                <a16:creationId xmlns:a16="http://schemas.microsoft.com/office/drawing/2014/main" id="{B8B1A8E5-DC30-0BE8-F5AD-3D06CF47CC83}"/>
+              </a:ext>
+            </a:extLst>
+          </p:cNvPr>
+          <p:cNvPicPr>
+            <a:picLocks noChangeAspect="1"/>
+          </p:cNvPicPr>
+          <p:nvPr/>
+        </p:nvPicPr>
+        <p:blipFill>
+          <a:blip r:embed="rId9"/>
+          <a:stretch>
+            <a:fillRect/>
+          </a:stretch>
+        </p:blipFill>
+        <p:spPr>
+          <a:xfrm>
+            <a:off x="3369100" y="4967702"/>
+            <a:ext cx="1238076" cy="1238076"/>
+          </a:xfrm>
+          <a:prstGeom prst="rect">
+            <a:avLst/>
+          </a:prstGeom>
+        </p:spPr>
+      </p:pic>
+      <p:pic>
+        <p:nvPicPr>
+          <p:cNvPr id="32" name="Picture 31">
+            <a:extLst>
+              <a:ext uri="{FF2B5EF4-FFF2-40B4-BE49-F238E27FC236}">
+                <a16:creationId xmlns:a16="http://schemas.microsoft.com/office/drawing/2014/main" id="{AC1B8352-C03F-CFC4-293E-A56EF478988E}"/>
+              </a:ext>
+            </a:extLst>
+          </p:cNvPr>
+          <p:cNvPicPr>
+            <a:picLocks noChangeAspect="1"/>
+          </p:cNvPicPr>
+          <p:nvPr/>
+        </p:nvPicPr>
+        <p:blipFill>
+          <a:blip r:embed="rId10"/>
+          <a:stretch>
+            <a:fillRect/>
+          </a:stretch>
+        </p:blipFill>
+        <p:spPr>
+          <a:xfrm>
+            <a:off x="4582579" y="3859814"/>
+            <a:ext cx="1238076" cy="1238076"/>
+          </a:xfrm>
+          <a:prstGeom prst="rect">
+            <a:avLst/>
+          </a:prstGeom>
+        </p:spPr>
+      </p:pic>
+      <p:pic>
+        <p:nvPicPr>
+          <p:cNvPr id="37" name="Picture 36">
+            <a:extLst>
+              <a:ext uri="{FF2B5EF4-FFF2-40B4-BE49-F238E27FC236}">
+                <a16:creationId xmlns:a16="http://schemas.microsoft.com/office/drawing/2014/main" id="{289CD586-409F-FAE9-33C4-B96852DF3FAF}"/>
+              </a:ext>
+            </a:extLst>
+          </p:cNvPr>
+          <p:cNvPicPr>
+            <a:picLocks noChangeAspect="1"/>
+          </p:cNvPicPr>
+          <p:nvPr/>
+        </p:nvPicPr>
+        <p:blipFill>
+          <a:blip r:embed="rId11"/>
+          <a:stretch>
+            <a:fillRect/>
+          </a:stretch>
+        </p:blipFill>
+        <p:spPr>
+          <a:xfrm>
+            <a:off x="4586751" y="4972474"/>
+            <a:ext cx="1238076" cy="1238076"/>
+          </a:xfrm>
+          <a:prstGeom prst="rect">
+            <a:avLst/>
+          </a:prstGeom>
+        </p:spPr>
+      </p:pic>
+    </p:spTree>
+    <p:extLst>
+      <p:ext uri="{BB962C8B-B14F-4D97-AF65-F5344CB8AC3E}">
+        <p14:creationId xmlns:p14="http://schemas.microsoft.com/office/powerpoint/2010/main" val="978938352"/>
       </p:ext>
     </p:extLst>
   </p:cSld>
